--- a/Submodule_5/Lectures/Submodule_5_Lecture_1_Introduction_to_Deep_Learning.pptx
+++ b/Submodule_5/Lectures/Submodule_5_Lecture_1_Introduction_to_Deep_Learning.pptx
@@ -3,49 +3,47 @@
 <p:presentation xmlns:a="http://schemas.openxmlformats.org/drawingml/2006/main" xmlns:r="http://schemas.openxmlformats.org/officeDocument/2006/relationships" xmlns:p="http://schemas.openxmlformats.org/presentationml/2006/main" showSpecialPlsOnTitleSld="0" strictFirstAndLastChars="0" embedTrueTypeFonts="1" saveSubsetFonts="1" autoCompressPictures="0">
   <p:sldMasterIdLst>
     <p:sldMasterId id="2147483681" r:id="rId1"/>
-    <p:sldMasterId id="2147483683" r:id="rId2"/>
   </p:sldMasterIdLst>
   <p:notesMasterIdLst>
-    <p:notesMasterId r:id="rId30"/>
+    <p:notesMasterId r:id="rId28"/>
   </p:notesMasterIdLst>
   <p:sldIdLst>
-    <p:sldId id="257" r:id="rId3"/>
-    <p:sldId id="260" r:id="rId4"/>
-    <p:sldId id="261" r:id="rId5"/>
-    <p:sldId id="262" r:id="rId6"/>
-    <p:sldId id="263" r:id="rId7"/>
-    <p:sldId id="264" r:id="rId8"/>
-    <p:sldId id="265" r:id="rId9"/>
-    <p:sldId id="266" r:id="rId10"/>
-    <p:sldId id="267" r:id="rId11"/>
-    <p:sldId id="268" r:id="rId12"/>
-    <p:sldId id="269" r:id="rId13"/>
-    <p:sldId id="270" r:id="rId14"/>
-    <p:sldId id="271" r:id="rId15"/>
-    <p:sldId id="272" r:id="rId16"/>
-    <p:sldId id="273" r:id="rId17"/>
-    <p:sldId id="274" r:id="rId18"/>
-    <p:sldId id="275" r:id="rId19"/>
-    <p:sldId id="276" r:id="rId20"/>
-    <p:sldId id="277" r:id="rId21"/>
-    <p:sldId id="278" r:id="rId22"/>
-    <p:sldId id="279" r:id="rId23"/>
-    <p:sldId id="280" r:id="rId24"/>
-    <p:sldId id="281" r:id="rId25"/>
-    <p:sldId id="282" r:id="rId26"/>
-    <p:sldId id="283" r:id="rId27"/>
-    <p:sldId id="284" r:id="rId28"/>
-    <p:sldId id="285" r:id="rId29"/>
+    <p:sldId id="257" r:id="rId2"/>
+    <p:sldId id="260" r:id="rId3"/>
+    <p:sldId id="261" r:id="rId4"/>
+    <p:sldId id="262" r:id="rId5"/>
+    <p:sldId id="263" r:id="rId6"/>
+    <p:sldId id="264" r:id="rId7"/>
+    <p:sldId id="265" r:id="rId8"/>
+    <p:sldId id="266" r:id="rId9"/>
+    <p:sldId id="267" r:id="rId10"/>
+    <p:sldId id="268" r:id="rId11"/>
+    <p:sldId id="269" r:id="rId12"/>
+    <p:sldId id="270" r:id="rId13"/>
+    <p:sldId id="271" r:id="rId14"/>
+    <p:sldId id="272" r:id="rId15"/>
+    <p:sldId id="273" r:id="rId16"/>
+    <p:sldId id="274" r:id="rId17"/>
+    <p:sldId id="275" r:id="rId18"/>
+    <p:sldId id="276" r:id="rId19"/>
+    <p:sldId id="277" r:id="rId20"/>
+    <p:sldId id="278" r:id="rId21"/>
+    <p:sldId id="279" r:id="rId22"/>
+    <p:sldId id="280" r:id="rId23"/>
+    <p:sldId id="281" r:id="rId24"/>
+    <p:sldId id="282" r:id="rId25"/>
+    <p:sldId id="283" r:id="rId26"/>
+    <p:sldId id="285" r:id="rId27"/>
   </p:sldIdLst>
   <p:sldSz cx="9144000" cy="5143500" type="screen16x9"/>
   <p:notesSz cx="6858000" cy="9144000"/>
   <p:embeddedFontLst>
     <p:embeddedFont>
       <p:font typeface="Roboto" panose="02000000000000000000" pitchFamily="2" charset="0"/>
-      <p:regular r:id="rId31"/>
-      <p:bold r:id="rId32"/>
-      <p:italic r:id="rId33"/>
-      <p:boldItalic r:id="rId34"/>
+      <p:regular r:id="rId29"/>
+      <p:bold r:id="rId30"/>
+      <p:italic r:id="rId31"/>
+      <p:boldItalic r:id="rId32"/>
     </p:embeddedFont>
   </p:embeddedFontLst>
   <p:defaultTextStyle>
@@ -2959,110 +2957,6 @@
   <p:cSld>
     <p:spTree>
       <p:nvGrpSpPr>
-        <p:cNvPr id="1" name="Shape 446"/>
-        <p:cNvGrpSpPr/>
-        <p:nvPr/>
-      </p:nvGrpSpPr>
-      <p:grpSpPr>
-        <a:xfrm>
-          <a:off x="0" y="0"/>
-          <a:ext cx="0" cy="0"/>
-          <a:chOff x="0" y="0"/>
-          <a:chExt cx="0" cy="0"/>
-        </a:xfrm>
-      </p:grpSpPr>
-      <p:sp>
-        <p:nvSpPr>
-          <p:cNvPr id="447" name="Google Shape;447;g126f43ec652_0_94:notes"/>
-          <p:cNvSpPr>
-            <a:spLocks noGrp="1" noRot="1" noChangeAspect="1"/>
-          </p:cNvSpPr>
-          <p:nvPr>
-            <p:ph type="sldImg" idx="2"/>
-          </p:nvPr>
-        </p:nvSpPr>
-        <p:spPr>
-          <a:xfrm>
-            <a:off x="381000" y="685800"/>
-            <a:ext cx="6096000" cy="3429000"/>
-          </a:xfrm>
-          <a:custGeom>
-            <a:avLst/>
-            <a:gdLst/>
-            <a:ahLst/>
-            <a:cxnLst/>
-            <a:rect l="l" t="t" r="r" b="b"/>
-            <a:pathLst>
-              <a:path w="120000" h="120000" extrusionOk="0">
-                <a:moveTo>
-                  <a:pt x="0" y="0"/>
-                </a:moveTo>
-                <a:lnTo>
-                  <a:pt x="120000" y="0"/>
-                </a:lnTo>
-                <a:lnTo>
-                  <a:pt x="120000" y="120000"/>
-                </a:lnTo>
-                <a:lnTo>
-                  <a:pt x="0" y="120000"/>
-                </a:lnTo>
-                <a:close/>
-              </a:path>
-            </a:pathLst>
-          </a:custGeom>
-        </p:spPr>
-      </p:sp>
-      <p:sp>
-        <p:nvSpPr>
-          <p:cNvPr id="448" name="Google Shape;448;g126f43ec652_0_94:notes"/>
-          <p:cNvSpPr txBox="1">
-            <a:spLocks noGrp="1"/>
-          </p:cNvSpPr>
-          <p:nvPr>
-            <p:ph type="body" idx="1"/>
-          </p:nvPr>
-        </p:nvSpPr>
-        <p:spPr>
-          <a:xfrm>
-            <a:off x="685800" y="4343400"/>
-            <a:ext cx="5486400" cy="4114800"/>
-          </a:xfrm>
-          <a:prstGeom prst="rect">
-            <a:avLst/>
-          </a:prstGeom>
-        </p:spPr>
-        <p:txBody>
-          <a:bodyPr spcFirstLastPara="1" wrap="square" lIns="91425" tIns="91425" rIns="91425" bIns="91425" anchor="t" anchorCtr="0">
-            <a:noAutofit/>
-          </a:bodyPr>
-          <a:lstStyle/>
-          <a:p>
-            <a:pPr marL="0" lvl="0" indent="0" algn="l" rtl="0">
-              <a:spcBef>
-                <a:spcPts val="0"/>
-              </a:spcBef>
-              <a:spcAft>
-                <a:spcPts val="0"/>
-              </a:spcAft>
-              <a:buNone/>
-            </a:pPr>
-            <a:endParaRPr/>
-          </a:p>
-        </p:txBody>
-      </p:sp>
-    </p:spTree>
-  </p:cSld>
-  <p:clrMapOvr>
-    <a:masterClrMapping/>
-  </p:clrMapOvr>
-</p:notes>
-</file>
-
-<file path=ppt/notesSlides/notesSlide27.xml><?xml version="1.0" encoding="utf-8"?>
-<p:notes xmlns:a="http://schemas.openxmlformats.org/drawingml/2006/main" xmlns:r="http://schemas.openxmlformats.org/officeDocument/2006/relationships" xmlns:p="http://schemas.openxmlformats.org/presentationml/2006/main" showMasterSp="0" showMasterPhAnim="0">
-  <p:cSld>
-    <p:spTree>
-      <p:nvGrpSpPr>
         <p:cNvPr id="1" name="Shape 465"/>
         <p:cNvGrpSpPr/>
         <p:nvPr/>
@@ -6164,2867 +6058,6 @@
 </p:sldLayout>
 </file>
 
-<file path=ppt/slideLayouts/slideLayout12.xml><?xml version="1.0" encoding="utf-8"?>
-<p:sldLayout xmlns:a="http://schemas.openxmlformats.org/drawingml/2006/main" xmlns:r="http://schemas.openxmlformats.org/officeDocument/2006/relationships" xmlns:p="http://schemas.openxmlformats.org/presentationml/2006/main" matchingName="Title slide" type="title">
-  <p:cSld name="TITLE">
-    <p:spTree>
-      <p:nvGrpSpPr>
-        <p:cNvPr id="1" name="Shape 130"/>
-        <p:cNvGrpSpPr/>
-        <p:nvPr/>
-      </p:nvGrpSpPr>
-      <p:grpSpPr>
-        <a:xfrm>
-          <a:off x="0" y="0"/>
-          <a:ext cx="0" cy="0"/>
-          <a:chOff x="0" y="0"/>
-          <a:chExt cx="0" cy="0"/>
-        </a:xfrm>
-      </p:grpSpPr>
-      <p:sp>
-        <p:nvSpPr>
-          <p:cNvPr id="131" name="Google Shape;131;p26"/>
-          <p:cNvSpPr txBox="1">
-            <a:spLocks noGrp="1"/>
-          </p:cNvSpPr>
-          <p:nvPr>
-            <p:ph type="ctrTitle"/>
-          </p:nvPr>
-        </p:nvSpPr>
-        <p:spPr>
-          <a:xfrm>
-            <a:off x="311708" y="744575"/>
-            <a:ext cx="8520600" cy="2052600"/>
-          </a:xfrm>
-          <a:prstGeom prst="rect">
-            <a:avLst/>
-          </a:prstGeom>
-        </p:spPr>
-        <p:txBody>
-          <a:bodyPr spcFirstLastPara="1" wrap="square" lIns="91425" tIns="91425" rIns="91425" bIns="91425" anchor="b" anchorCtr="0">
-            <a:normAutofit/>
-          </a:bodyPr>
-          <a:lstStyle>
-            <a:lvl1pPr lvl="0" algn="ctr" rtl="0">
-              <a:spcBef>
-                <a:spcPts val="0"/>
-              </a:spcBef>
-              <a:spcAft>
-                <a:spcPts val="0"/>
-              </a:spcAft>
-              <a:buSzPts val="5200"/>
-              <a:buNone/>
-              <a:defRPr sz="5200"/>
-            </a:lvl1pPr>
-            <a:lvl2pPr lvl="1" algn="ctr" rtl="0">
-              <a:spcBef>
-                <a:spcPts val="0"/>
-              </a:spcBef>
-              <a:spcAft>
-                <a:spcPts val="0"/>
-              </a:spcAft>
-              <a:buSzPts val="5200"/>
-              <a:buNone/>
-              <a:defRPr sz="5200"/>
-            </a:lvl2pPr>
-            <a:lvl3pPr lvl="2" algn="ctr" rtl="0">
-              <a:spcBef>
-                <a:spcPts val="0"/>
-              </a:spcBef>
-              <a:spcAft>
-                <a:spcPts val="0"/>
-              </a:spcAft>
-              <a:buSzPts val="5200"/>
-              <a:buNone/>
-              <a:defRPr sz="5200"/>
-            </a:lvl3pPr>
-            <a:lvl4pPr lvl="3" algn="ctr" rtl="0">
-              <a:spcBef>
-                <a:spcPts val="0"/>
-              </a:spcBef>
-              <a:spcAft>
-                <a:spcPts val="0"/>
-              </a:spcAft>
-              <a:buSzPts val="5200"/>
-              <a:buNone/>
-              <a:defRPr sz="5200"/>
-            </a:lvl4pPr>
-            <a:lvl5pPr lvl="4" algn="ctr" rtl="0">
-              <a:spcBef>
-                <a:spcPts val="0"/>
-              </a:spcBef>
-              <a:spcAft>
-                <a:spcPts val="0"/>
-              </a:spcAft>
-              <a:buSzPts val="5200"/>
-              <a:buNone/>
-              <a:defRPr sz="5200"/>
-            </a:lvl5pPr>
-            <a:lvl6pPr lvl="5" algn="ctr" rtl="0">
-              <a:spcBef>
-                <a:spcPts val="0"/>
-              </a:spcBef>
-              <a:spcAft>
-                <a:spcPts val="0"/>
-              </a:spcAft>
-              <a:buSzPts val="5200"/>
-              <a:buNone/>
-              <a:defRPr sz="5200"/>
-            </a:lvl6pPr>
-            <a:lvl7pPr lvl="6" algn="ctr" rtl="0">
-              <a:spcBef>
-                <a:spcPts val="0"/>
-              </a:spcBef>
-              <a:spcAft>
-                <a:spcPts val="0"/>
-              </a:spcAft>
-              <a:buSzPts val="5200"/>
-              <a:buNone/>
-              <a:defRPr sz="5200"/>
-            </a:lvl7pPr>
-            <a:lvl8pPr lvl="7" algn="ctr" rtl="0">
-              <a:spcBef>
-                <a:spcPts val="0"/>
-              </a:spcBef>
-              <a:spcAft>
-                <a:spcPts val="0"/>
-              </a:spcAft>
-              <a:buSzPts val="5200"/>
-              <a:buNone/>
-              <a:defRPr sz="5200"/>
-            </a:lvl8pPr>
-            <a:lvl9pPr lvl="8" algn="ctr" rtl="0">
-              <a:spcBef>
-                <a:spcPts val="0"/>
-              </a:spcBef>
-              <a:spcAft>
-                <a:spcPts val="0"/>
-              </a:spcAft>
-              <a:buSzPts val="5200"/>
-              <a:buNone/>
-              <a:defRPr sz="5200"/>
-            </a:lvl9pPr>
-          </a:lstStyle>
-          <a:p>
-            <a:endParaRPr/>
-          </a:p>
-        </p:txBody>
-      </p:sp>
-      <p:sp>
-        <p:nvSpPr>
-          <p:cNvPr id="132" name="Google Shape;132;p26"/>
-          <p:cNvSpPr txBox="1">
-            <a:spLocks noGrp="1"/>
-          </p:cNvSpPr>
-          <p:nvPr>
-            <p:ph type="subTitle" idx="1"/>
-          </p:nvPr>
-        </p:nvSpPr>
-        <p:spPr>
-          <a:xfrm>
-            <a:off x="311700" y="2834125"/>
-            <a:ext cx="8520600" cy="792600"/>
-          </a:xfrm>
-          <a:prstGeom prst="rect">
-            <a:avLst/>
-          </a:prstGeom>
-        </p:spPr>
-        <p:txBody>
-          <a:bodyPr spcFirstLastPara="1" wrap="square" lIns="91425" tIns="91425" rIns="91425" bIns="91425" anchor="t" anchorCtr="0">
-            <a:normAutofit/>
-          </a:bodyPr>
-          <a:lstStyle>
-            <a:lvl1pPr lvl="0" algn="ctr" rtl="0">
-              <a:lnSpc>
-                <a:spcPct val="100000"/>
-              </a:lnSpc>
-              <a:spcBef>
-                <a:spcPts val="0"/>
-              </a:spcBef>
-              <a:spcAft>
-                <a:spcPts val="0"/>
-              </a:spcAft>
-              <a:buSzPts val="2800"/>
-              <a:buNone/>
-              <a:defRPr sz="2800"/>
-            </a:lvl1pPr>
-            <a:lvl2pPr lvl="1" algn="ctr" rtl="0">
-              <a:lnSpc>
-                <a:spcPct val="100000"/>
-              </a:lnSpc>
-              <a:spcBef>
-                <a:spcPts val="0"/>
-              </a:spcBef>
-              <a:spcAft>
-                <a:spcPts val="0"/>
-              </a:spcAft>
-              <a:buSzPts val="2800"/>
-              <a:buNone/>
-              <a:defRPr sz="2800"/>
-            </a:lvl2pPr>
-            <a:lvl3pPr lvl="2" algn="ctr" rtl="0">
-              <a:lnSpc>
-                <a:spcPct val="100000"/>
-              </a:lnSpc>
-              <a:spcBef>
-                <a:spcPts val="0"/>
-              </a:spcBef>
-              <a:spcAft>
-                <a:spcPts val="0"/>
-              </a:spcAft>
-              <a:buSzPts val="2800"/>
-              <a:buNone/>
-              <a:defRPr sz="2800"/>
-            </a:lvl3pPr>
-            <a:lvl4pPr lvl="3" algn="ctr" rtl="0">
-              <a:lnSpc>
-                <a:spcPct val="100000"/>
-              </a:lnSpc>
-              <a:spcBef>
-                <a:spcPts val="0"/>
-              </a:spcBef>
-              <a:spcAft>
-                <a:spcPts val="0"/>
-              </a:spcAft>
-              <a:buSzPts val="2800"/>
-              <a:buNone/>
-              <a:defRPr sz="2800"/>
-            </a:lvl4pPr>
-            <a:lvl5pPr lvl="4" algn="ctr" rtl="0">
-              <a:lnSpc>
-                <a:spcPct val="100000"/>
-              </a:lnSpc>
-              <a:spcBef>
-                <a:spcPts val="0"/>
-              </a:spcBef>
-              <a:spcAft>
-                <a:spcPts val="0"/>
-              </a:spcAft>
-              <a:buSzPts val="2800"/>
-              <a:buNone/>
-              <a:defRPr sz="2800"/>
-            </a:lvl5pPr>
-            <a:lvl6pPr lvl="5" algn="ctr" rtl="0">
-              <a:lnSpc>
-                <a:spcPct val="100000"/>
-              </a:lnSpc>
-              <a:spcBef>
-                <a:spcPts val="0"/>
-              </a:spcBef>
-              <a:spcAft>
-                <a:spcPts val="0"/>
-              </a:spcAft>
-              <a:buSzPts val="2800"/>
-              <a:buNone/>
-              <a:defRPr sz="2800"/>
-            </a:lvl6pPr>
-            <a:lvl7pPr lvl="6" algn="ctr" rtl="0">
-              <a:lnSpc>
-                <a:spcPct val="100000"/>
-              </a:lnSpc>
-              <a:spcBef>
-                <a:spcPts val="0"/>
-              </a:spcBef>
-              <a:spcAft>
-                <a:spcPts val="0"/>
-              </a:spcAft>
-              <a:buSzPts val="2800"/>
-              <a:buNone/>
-              <a:defRPr sz="2800"/>
-            </a:lvl7pPr>
-            <a:lvl8pPr lvl="7" algn="ctr" rtl="0">
-              <a:lnSpc>
-                <a:spcPct val="100000"/>
-              </a:lnSpc>
-              <a:spcBef>
-                <a:spcPts val="0"/>
-              </a:spcBef>
-              <a:spcAft>
-                <a:spcPts val="0"/>
-              </a:spcAft>
-              <a:buSzPts val="2800"/>
-              <a:buNone/>
-              <a:defRPr sz="2800"/>
-            </a:lvl8pPr>
-            <a:lvl9pPr lvl="8" algn="ctr" rtl="0">
-              <a:lnSpc>
-                <a:spcPct val="100000"/>
-              </a:lnSpc>
-              <a:spcBef>
-                <a:spcPts val="0"/>
-              </a:spcBef>
-              <a:spcAft>
-                <a:spcPts val="0"/>
-              </a:spcAft>
-              <a:buSzPts val="2800"/>
-              <a:buNone/>
-              <a:defRPr sz="2800"/>
-            </a:lvl9pPr>
-          </a:lstStyle>
-          <a:p>
-            <a:endParaRPr/>
-          </a:p>
-        </p:txBody>
-      </p:sp>
-      <p:sp>
-        <p:nvSpPr>
-          <p:cNvPr id="133" name="Google Shape;133;p26"/>
-          <p:cNvSpPr txBox="1">
-            <a:spLocks noGrp="1"/>
-          </p:cNvSpPr>
-          <p:nvPr>
-            <p:ph type="sldNum" idx="12"/>
-          </p:nvPr>
-        </p:nvSpPr>
-        <p:spPr>
-          <a:xfrm>
-            <a:off x="8472458" y="4663217"/>
-            <a:ext cx="548700" cy="393600"/>
-          </a:xfrm>
-          <a:prstGeom prst="rect">
-            <a:avLst/>
-          </a:prstGeom>
-        </p:spPr>
-        <p:txBody>
-          <a:bodyPr spcFirstLastPara="1" wrap="square" lIns="91425" tIns="91425" rIns="91425" bIns="91425" anchor="ctr" anchorCtr="0">
-            <a:normAutofit/>
-          </a:bodyPr>
-          <a:lstStyle>
-            <a:lvl1pPr lvl="0" rtl="0">
-              <a:buNone/>
-              <a:defRPr/>
-            </a:lvl1pPr>
-            <a:lvl2pPr lvl="1" rtl="0">
-              <a:buNone/>
-              <a:defRPr/>
-            </a:lvl2pPr>
-            <a:lvl3pPr lvl="2" rtl="0">
-              <a:buNone/>
-              <a:defRPr/>
-            </a:lvl3pPr>
-            <a:lvl4pPr lvl="3" rtl="0">
-              <a:buNone/>
-              <a:defRPr/>
-            </a:lvl4pPr>
-            <a:lvl5pPr lvl="4" rtl="0">
-              <a:buNone/>
-              <a:defRPr/>
-            </a:lvl5pPr>
-            <a:lvl6pPr lvl="5" rtl="0">
-              <a:buNone/>
-              <a:defRPr/>
-            </a:lvl6pPr>
-            <a:lvl7pPr lvl="6" rtl="0">
-              <a:buNone/>
-              <a:defRPr/>
-            </a:lvl7pPr>
-            <a:lvl8pPr lvl="7" rtl="0">
-              <a:buNone/>
-              <a:defRPr/>
-            </a:lvl8pPr>
-            <a:lvl9pPr lvl="8" rtl="0">
-              <a:buNone/>
-              <a:defRPr/>
-            </a:lvl9pPr>
-          </a:lstStyle>
-          <a:p>
-            <a:pPr marL="0" lvl="0" indent="0" algn="r" rtl="0">
-              <a:spcBef>
-                <a:spcPts val="0"/>
-              </a:spcBef>
-              <a:spcAft>
-                <a:spcPts val="0"/>
-              </a:spcAft>
-              <a:buNone/>
-            </a:pPr>
-            <a:fld id="{00000000-1234-1234-1234-123412341234}" type="slidenum">
-              <a:rPr lang="en"/>
-              <a:t>‹#›</a:t>
-            </a:fld>
-            <a:endParaRPr/>
-          </a:p>
-        </p:txBody>
-      </p:sp>
-    </p:spTree>
-  </p:cSld>
-  <p:clrMapOvr>
-    <a:masterClrMapping/>
-  </p:clrMapOvr>
-</p:sldLayout>
-</file>
-
-<file path=ppt/slideLayouts/slideLayout13.xml><?xml version="1.0" encoding="utf-8"?>
-<p:sldLayout xmlns:a="http://schemas.openxmlformats.org/drawingml/2006/main" xmlns:r="http://schemas.openxmlformats.org/officeDocument/2006/relationships" xmlns:p="http://schemas.openxmlformats.org/presentationml/2006/main" matchingName="Section header" type="secHead">
-  <p:cSld name="SECTION_HEADER">
-    <p:spTree>
-      <p:nvGrpSpPr>
-        <p:cNvPr id="1" name="Shape 134"/>
-        <p:cNvGrpSpPr/>
-        <p:nvPr/>
-      </p:nvGrpSpPr>
-      <p:grpSpPr>
-        <a:xfrm>
-          <a:off x="0" y="0"/>
-          <a:ext cx="0" cy="0"/>
-          <a:chOff x="0" y="0"/>
-          <a:chExt cx="0" cy="0"/>
-        </a:xfrm>
-      </p:grpSpPr>
-      <p:sp>
-        <p:nvSpPr>
-          <p:cNvPr id="135" name="Google Shape;135;p27"/>
-          <p:cNvSpPr txBox="1">
-            <a:spLocks noGrp="1"/>
-          </p:cNvSpPr>
-          <p:nvPr>
-            <p:ph type="title"/>
-          </p:nvPr>
-        </p:nvSpPr>
-        <p:spPr>
-          <a:xfrm>
-            <a:off x="311700" y="2150850"/>
-            <a:ext cx="8520600" cy="841800"/>
-          </a:xfrm>
-          <a:prstGeom prst="rect">
-            <a:avLst/>
-          </a:prstGeom>
-        </p:spPr>
-        <p:txBody>
-          <a:bodyPr spcFirstLastPara="1" wrap="square" lIns="91425" tIns="91425" rIns="91425" bIns="91425" anchor="ctr" anchorCtr="0">
-            <a:normAutofit/>
-          </a:bodyPr>
-          <a:lstStyle>
-            <a:lvl1pPr lvl="0" algn="ctr" rtl="0">
-              <a:spcBef>
-                <a:spcPts val="0"/>
-              </a:spcBef>
-              <a:spcAft>
-                <a:spcPts val="0"/>
-              </a:spcAft>
-              <a:buSzPts val="3600"/>
-              <a:buNone/>
-              <a:defRPr sz="3600"/>
-            </a:lvl1pPr>
-            <a:lvl2pPr lvl="1" algn="ctr" rtl="0">
-              <a:spcBef>
-                <a:spcPts val="0"/>
-              </a:spcBef>
-              <a:spcAft>
-                <a:spcPts val="0"/>
-              </a:spcAft>
-              <a:buSzPts val="3600"/>
-              <a:buNone/>
-              <a:defRPr sz="3600"/>
-            </a:lvl2pPr>
-            <a:lvl3pPr lvl="2" algn="ctr" rtl="0">
-              <a:spcBef>
-                <a:spcPts val="0"/>
-              </a:spcBef>
-              <a:spcAft>
-                <a:spcPts val="0"/>
-              </a:spcAft>
-              <a:buSzPts val="3600"/>
-              <a:buNone/>
-              <a:defRPr sz="3600"/>
-            </a:lvl3pPr>
-            <a:lvl4pPr lvl="3" algn="ctr" rtl="0">
-              <a:spcBef>
-                <a:spcPts val="0"/>
-              </a:spcBef>
-              <a:spcAft>
-                <a:spcPts val="0"/>
-              </a:spcAft>
-              <a:buSzPts val="3600"/>
-              <a:buNone/>
-              <a:defRPr sz="3600"/>
-            </a:lvl4pPr>
-            <a:lvl5pPr lvl="4" algn="ctr" rtl="0">
-              <a:spcBef>
-                <a:spcPts val="0"/>
-              </a:spcBef>
-              <a:spcAft>
-                <a:spcPts val="0"/>
-              </a:spcAft>
-              <a:buSzPts val="3600"/>
-              <a:buNone/>
-              <a:defRPr sz="3600"/>
-            </a:lvl5pPr>
-            <a:lvl6pPr lvl="5" algn="ctr" rtl="0">
-              <a:spcBef>
-                <a:spcPts val="0"/>
-              </a:spcBef>
-              <a:spcAft>
-                <a:spcPts val="0"/>
-              </a:spcAft>
-              <a:buSzPts val="3600"/>
-              <a:buNone/>
-              <a:defRPr sz="3600"/>
-            </a:lvl6pPr>
-            <a:lvl7pPr lvl="6" algn="ctr" rtl="0">
-              <a:spcBef>
-                <a:spcPts val="0"/>
-              </a:spcBef>
-              <a:spcAft>
-                <a:spcPts val="0"/>
-              </a:spcAft>
-              <a:buSzPts val="3600"/>
-              <a:buNone/>
-              <a:defRPr sz="3600"/>
-            </a:lvl7pPr>
-            <a:lvl8pPr lvl="7" algn="ctr" rtl="0">
-              <a:spcBef>
-                <a:spcPts val="0"/>
-              </a:spcBef>
-              <a:spcAft>
-                <a:spcPts val="0"/>
-              </a:spcAft>
-              <a:buSzPts val="3600"/>
-              <a:buNone/>
-              <a:defRPr sz="3600"/>
-            </a:lvl8pPr>
-            <a:lvl9pPr lvl="8" algn="ctr" rtl="0">
-              <a:spcBef>
-                <a:spcPts val="0"/>
-              </a:spcBef>
-              <a:spcAft>
-                <a:spcPts val="0"/>
-              </a:spcAft>
-              <a:buSzPts val="3600"/>
-              <a:buNone/>
-              <a:defRPr sz="3600"/>
-            </a:lvl9pPr>
-          </a:lstStyle>
-          <a:p>
-            <a:endParaRPr/>
-          </a:p>
-        </p:txBody>
-      </p:sp>
-      <p:sp>
-        <p:nvSpPr>
-          <p:cNvPr id="136" name="Google Shape;136;p27"/>
-          <p:cNvSpPr txBox="1">
-            <a:spLocks noGrp="1"/>
-          </p:cNvSpPr>
-          <p:nvPr>
-            <p:ph type="sldNum" idx="12"/>
-          </p:nvPr>
-        </p:nvSpPr>
-        <p:spPr>
-          <a:xfrm>
-            <a:off x="8472458" y="4663217"/>
-            <a:ext cx="548700" cy="393600"/>
-          </a:xfrm>
-          <a:prstGeom prst="rect">
-            <a:avLst/>
-          </a:prstGeom>
-        </p:spPr>
-        <p:txBody>
-          <a:bodyPr spcFirstLastPara="1" wrap="square" lIns="91425" tIns="91425" rIns="91425" bIns="91425" anchor="ctr" anchorCtr="0">
-            <a:normAutofit/>
-          </a:bodyPr>
-          <a:lstStyle>
-            <a:lvl1pPr lvl="0" rtl="0">
-              <a:buNone/>
-              <a:defRPr/>
-            </a:lvl1pPr>
-            <a:lvl2pPr lvl="1" rtl="0">
-              <a:buNone/>
-              <a:defRPr/>
-            </a:lvl2pPr>
-            <a:lvl3pPr lvl="2" rtl="0">
-              <a:buNone/>
-              <a:defRPr/>
-            </a:lvl3pPr>
-            <a:lvl4pPr lvl="3" rtl="0">
-              <a:buNone/>
-              <a:defRPr/>
-            </a:lvl4pPr>
-            <a:lvl5pPr lvl="4" rtl="0">
-              <a:buNone/>
-              <a:defRPr/>
-            </a:lvl5pPr>
-            <a:lvl6pPr lvl="5" rtl="0">
-              <a:buNone/>
-              <a:defRPr/>
-            </a:lvl6pPr>
-            <a:lvl7pPr lvl="6" rtl="0">
-              <a:buNone/>
-              <a:defRPr/>
-            </a:lvl7pPr>
-            <a:lvl8pPr lvl="7" rtl="0">
-              <a:buNone/>
-              <a:defRPr/>
-            </a:lvl8pPr>
-            <a:lvl9pPr lvl="8" rtl="0">
-              <a:buNone/>
-              <a:defRPr/>
-            </a:lvl9pPr>
-          </a:lstStyle>
-          <a:p>
-            <a:pPr marL="0" lvl="0" indent="0" algn="r" rtl="0">
-              <a:spcBef>
-                <a:spcPts val="0"/>
-              </a:spcBef>
-              <a:spcAft>
-                <a:spcPts val="0"/>
-              </a:spcAft>
-              <a:buNone/>
-            </a:pPr>
-            <a:fld id="{00000000-1234-1234-1234-123412341234}" type="slidenum">
-              <a:rPr lang="en"/>
-              <a:t>‹#›</a:t>
-            </a:fld>
-            <a:endParaRPr/>
-          </a:p>
-        </p:txBody>
-      </p:sp>
-    </p:spTree>
-  </p:cSld>
-  <p:clrMapOvr>
-    <a:masterClrMapping/>
-  </p:clrMapOvr>
-</p:sldLayout>
-</file>
-
-<file path=ppt/slideLayouts/slideLayout14.xml><?xml version="1.0" encoding="utf-8"?>
-<p:sldLayout xmlns:a="http://schemas.openxmlformats.org/drawingml/2006/main" xmlns:r="http://schemas.openxmlformats.org/officeDocument/2006/relationships" xmlns:p="http://schemas.openxmlformats.org/presentationml/2006/main" matchingName="Title and body" type="tx">
-  <p:cSld name="TITLE_AND_BODY">
-    <p:spTree>
-      <p:nvGrpSpPr>
-        <p:cNvPr id="1" name="Shape 137"/>
-        <p:cNvGrpSpPr/>
-        <p:nvPr/>
-      </p:nvGrpSpPr>
-      <p:grpSpPr>
-        <a:xfrm>
-          <a:off x="0" y="0"/>
-          <a:ext cx="0" cy="0"/>
-          <a:chOff x="0" y="0"/>
-          <a:chExt cx="0" cy="0"/>
-        </a:xfrm>
-      </p:grpSpPr>
-      <p:sp>
-        <p:nvSpPr>
-          <p:cNvPr id="138" name="Google Shape;138;p28"/>
-          <p:cNvSpPr txBox="1">
-            <a:spLocks noGrp="1"/>
-          </p:cNvSpPr>
-          <p:nvPr>
-            <p:ph type="title"/>
-          </p:nvPr>
-        </p:nvSpPr>
-        <p:spPr>
-          <a:xfrm>
-            <a:off x="311700" y="445025"/>
-            <a:ext cx="8520600" cy="572700"/>
-          </a:xfrm>
-          <a:prstGeom prst="rect">
-            <a:avLst/>
-          </a:prstGeom>
-        </p:spPr>
-        <p:txBody>
-          <a:bodyPr spcFirstLastPara="1" wrap="square" lIns="91425" tIns="91425" rIns="91425" bIns="91425" anchor="t" anchorCtr="0">
-            <a:normAutofit/>
-          </a:bodyPr>
-          <a:lstStyle>
-            <a:lvl1pPr lvl="0" rtl="0">
-              <a:spcBef>
-                <a:spcPts val="0"/>
-              </a:spcBef>
-              <a:spcAft>
-                <a:spcPts val="0"/>
-              </a:spcAft>
-              <a:buSzPts val="2800"/>
-              <a:buNone/>
-              <a:defRPr/>
-            </a:lvl1pPr>
-            <a:lvl2pPr lvl="1" rtl="0">
-              <a:spcBef>
-                <a:spcPts val="0"/>
-              </a:spcBef>
-              <a:spcAft>
-                <a:spcPts val="0"/>
-              </a:spcAft>
-              <a:buSzPts val="2800"/>
-              <a:buNone/>
-              <a:defRPr/>
-            </a:lvl2pPr>
-            <a:lvl3pPr lvl="2" rtl="0">
-              <a:spcBef>
-                <a:spcPts val="0"/>
-              </a:spcBef>
-              <a:spcAft>
-                <a:spcPts val="0"/>
-              </a:spcAft>
-              <a:buSzPts val="2800"/>
-              <a:buNone/>
-              <a:defRPr/>
-            </a:lvl3pPr>
-            <a:lvl4pPr lvl="3" rtl="0">
-              <a:spcBef>
-                <a:spcPts val="0"/>
-              </a:spcBef>
-              <a:spcAft>
-                <a:spcPts val="0"/>
-              </a:spcAft>
-              <a:buSzPts val="2800"/>
-              <a:buNone/>
-              <a:defRPr/>
-            </a:lvl4pPr>
-            <a:lvl5pPr lvl="4" rtl="0">
-              <a:spcBef>
-                <a:spcPts val="0"/>
-              </a:spcBef>
-              <a:spcAft>
-                <a:spcPts val="0"/>
-              </a:spcAft>
-              <a:buSzPts val="2800"/>
-              <a:buNone/>
-              <a:defRPr/>
-            </a:lvl5pPr>
-            <a:lvl6pPr lvl="5" rtl="0">
-              <a:spcBef>
-                <a:spcPts val="0"/>
-              </a:spcBef>
-              <a:spcAft>
-                <a:spcPts val="0"/>
-              </a:spcAft>
-              <a:buSzPts val="2800"/>
-              <a:buNone/>
-              <a:defRPr/>
-            </a:lvl6pPr>
-            <a:lvl7pPr lvl="6" rtl="0">
-              <a:spcBef>
-                <a:spcPts val="0"/>
-              </a:spcBef>
-              <a:spcAft>
-                <a:spcPts val="0"/>
-              </a:spcAft>
-              <a:buSzPts val="2800"/>
-              <a:buNone/>
-              <a:defRPr/>
-            </a:lvl7pPr>
-            <a:lvl8pPr lvl="7" rtl="0">
-              <a:spcBef>
-                <a:spcPts val="0"/>
-              </a:spcBef>
-              <a:spcAft>
-                <a:spcPts val="0"/>
-              </a:spcAft>
-              <a:buSzPts val="2800"/>
-              <a:buNone/>
-              <a:defRPr/>
-            </a:lvl8pPr>
-            <a:lvl9pPr lvl="8" rtl="0">
-              <a:spcBef>
-                <a:spcPts val="0"/>
-              </a:spcBef>
-              <a:spcAft>
-                <a:spcPts val="0"/>
-              </a:spcAft>
-              <a:buSzPts val="2800"/>
-              <a:buNone/>
-              <a:defRPr/>
-            </a:lvl9pPr>
-          </a:lstStyle>
-          <a:p>
-            <a:endParaRPr/>
-          </a:p>
-        </p:txBody>
-      </p:sp>
-      <p:sp>
-        <p:nvSpPr>
-          <p:cNvPr id="139" name="Google Shape;139;p28"/>
-          <p:cNvSpPr txBox="1">
-            <a:spLocks noGrp="1"/>
-          </p:cNvSpPr>
-          <p:nvPr>
-            <p:ph type="body" idx="1"/>
-          </p:nvPr>
-        </p:nvSpPr>
-        <p:spPr>
-          <a:xfrm>
-            <a:off x="311700" y="1152475"/>
-            <a:ext cx="8520600" cy="3416400"/>
-          </a:xfrm>
-          <a:prstGeom prst="rect">
-            <a:avLst/>
-          </a:prstGeom>
-        </p:spPr>
-        <p:txBody>
-          <a:bodyPr spcFirstLastPara="1" wrap="square" lIns="91425" tIns="91425" rIns="91425" bIns="91425" anchor="t" anchorCtr="0">
-            <a:normAutofit/>
-          </a:bodyPr>
-          <a:lstStyle>
-            <a:lvl1pPr marL="457200" lvl="0" indent="-342900" rtl="0">
-              <a:spcBef>
-                <a:spcPts val="0"/>
-              </a:spcBef>
-              <a:spcAft>
-                <a:spcPts val="0"/>
-              </a:spcAft>
-              <a:buSzPts val="1800"/>
-              <a:buChar char="●"/>
-              <a:defRPr/>
-            </a:lvl1pPr>
-            <a:lvl2pPr marL="914400" lvl="1" indent="-317500" rtl="0">
-              <a:spcBef>
-                <a:spcPts val="0"/>
-              </a:spcBef>
-              <a:spcAft>
-                <a:spcPts val="0"/>
-              </a:spcAft>
-              <a:buSzPts val="1400"/>
-              <a:buChar char="○"/>
-              <a:defRPr/>
-            </a:lvl2pPr>
-            <a:lvl3pPr marL="1371600" lvl="2" indent="-317500" rtl="0">
-              <a:spcBef>
-                <a:spcPts val="0"/>
-              </a:spcBef>
-              <a:spcAft>
-                <a:spcPts val="0"/>
-              </a:spcAft>
-              <a:buSzPts val="1400"/>
-              <a:buChar char="■"/>
-              <a:defRPr/>
-            </a:lvl3pPr>
-            <a:lvl4pPr marL="1828800" lvl="3" indent="-317500" rtl="0">
-              <a:spcBef>
-                <a:spcPts val="0"/>
-              </a:spcBef>
-              <a:spcAft>
-                <a:spcPts val="0"/>
-              </a:spcAft>
-              <a:buSzPts val="1400"/>
-              <a:buChar char="●"/>
-              <a:defRPr/>
-            </a:lvl4pPr>
-            <a:lvl5pPr marL="2286000" lvl="4" indent="-317500" rtl="0">
-              <a:spcBef>
-                <a:spcPts val="0"/>
-              </a:spcBef>
-              <a:spcAft>
-                <a:spcPts val="0"/>
-              </a:spcAft>
-              <a:buSzPts val="1400"/>
-              <a:buChar char="○"/>
-              <a:defRPr/>
-            </a:lvl5pPr>
-            <a:lvl6pPr marL="2743200" lvl="5" indent="-317500" rtl="0">
-              <a:spcBef>
-                <a:spcPts val="0"/>
-              </a:spcBef>
-              <a:spcAft>
-                <a:spcPts val="0"/>
-              </a:spcAft>
-              <a:buSzPts val="1400"/>
-              <a:buChar char="■"/>
-              <a:defRPr/>
-            </a:lvl6pPr>
-            <a:lvl7pPr marL="3200400" lvl="6" indent="-317500" rtl="0">
-              <a:spcBef>
-                <a:spcPts val="0"/>
-              </a:spcBef>
-              <a:spcAft>
-                <a:spcPts val="0"/>
-              </a:spcAft>
-              <a:buSzPts val="1400"/>
-              <a:buChar char="●"/>
-              <a:defRPr/>
-            </a:lvl7pPr>
-            <a:lvl8pPr marL="3657600" lvl="7" indent="-317500" rtl="0">
-              <a:spcBef>
-                <a:spcPts val="0"/>
-              </a:spcBef>
-              <a:spcAft>
-                <a:spcPts val="0"/>
-              </a:spcAft>
-              <a:buSzPts val="1400"/>
-              <a:buChar char="○"/>
-              <a:defRPr/>
-            </a:lvl8pPr>
-            <a:lvl9pPr marL="4114800" lvl="8" indent="-317500" rtl="0">
-              <a:spcBef>
-                <a:spcPts val="0"/>
-              </a:spcBef>
-              <a:spcAft>
-                <a:spcPts val="0"/>
-              </a:spcAft>
-              <a:buSzPts val="1400"/>
-              <a:buChar char="■"/>
-              <a:defRPr/>
-            </a:lvl9pPr>
-          </a:lstStyle>
-          <a:p>
-            <a:endParaRPr/>
-          </a:p>
-        </p:txBody>
-      </p:sp>
-      <p:sp>
-        <p:nvSpPr>
-          <p:cNvPr id="140" name="Google Shape;140;p28"/>
-          <p:cNvSpPr txBox="1">
-            <a:spLocks noGrp="1"/>
-          </p:cNvSpPr>
-          <p:nvPr>
-            <p:ph type="sldNum" idx="12"/>
-          </p:nvPr>
-        </p:nvSpPr>
-        <p:spPr>
-          <a:xfrm>
-            <a:off x="8472458" y="4663217"/>
-            <a:ext cx="548700" cy="393600"/>
-          </a:xfrm>
-          <a:prstGeom prst="rect">
-            <a:avLst/>
-          </a:prstGeom>
-        </p:spPr>
-        <p:txBody>
-          <a:bodyPr spcFirstLastPara="1" wrap="square" lIns="91425" tIns="91425" rIns="91425" bIns="91425" anchor="ctr" anchorCtr="0">
-            <a:normAutofit/>
-          </a:bodyPr>
-          <a:lstStyle>
-            <a:lvl1pPr lvl="0" rtl="0">
-              <a:buNone/>
-              <a:defRPr/>
-            </a:lvl1pPr>
-            <a:lvl2pPr lvl="1" rtl="0">
-              <a:buNone/>
-              <a:defRPr/>
-            </a:lvl2pPr>
-            <a:lvl3pPr lvl="2" rtl="0">
-              <a:buNone/>
-              <a:defRPr/>
-            </a:lvl3pPr>
-            <a:lvl4pPr lvl="3" rtl="0">
-              <a:buNone/>
-              <a:defRPr/>
-            </a:lvl4pPr>
-            <a:lvl5pPr lvl="4" rtl="0">
-              <a:buNone/>
-              <a:defRPr/>
-            </a:lvl5pPr>
-            <a:lvl6pPr lvl="5" rtl="0">
-              <a:buNone/>
-              <a:defRPr/>
-            </a:lvl6pPr>
-            <a:lvl7pPr lvl="6" rtl="0">
-              <a:buNone/>
-              <a:defRPr/>
-            </a:lvl7pPr>
-            <a:lvl8pPr lvl="7" rtl="0">
-              <a:buNone/>
-              <a:defRPr/>
-            </a:lvl8pPr>
-            <a:lvl9pPr lvl="8" rtl="0">
-              <a:buNone/>
-              <a:defRPr/>
-            </a:lvl9pPr>
-          </a:lstStyle>
-          <a:p>
-            <a:pPr marL="0" lvl="0" indent="0" algn="r" rtl="0">
-              <a:spcBef>
-                <a:spcPts val="0"/>
-              </a:spcBef>
-              <a:spcAft>
-                <a:spcPts val="0"/>
-              </a:spcAft>
-              <a:buNone/>
-            </a:pPr>
-            <a:fld id="{00000000-1234-1234-1234-123412341234}" type="slidenum">
-              <a:rPr lang="en"/>
-              <a:t>‹#›</a:t>
-            </a:fld>
-            <a:endParaRPr/>
-          </a:p>
-        </p:txBody>
-      </p:sp>
-    </p:spTree>
-  </p:cSld>
-  <p:clrMapOvr>
-    <a:masterClrMapping/>
-  </p:clrMapOvr>
-</p:sldLayout>
-</file>
-
-<file path=ppt/slideLayouts/slideLayout15.xml><?xml version="1.0" encoding="utf-8"?>
-<p:sldLayout xmlns:a="http://schemas.openxmlformats.org/drawingml/2006/main" xmlns:r="http://schemas.openxmlformats.org/officeDocument/2006/relationships" xmlns:p="http://schemas.openxmlformats.org/presentationml/2006/main" matchingName="Title and two columns" type="twoColTx">
-  <p:cSld name="TITLE_AND_TWO_COLUMNS">
-    <p:spTree>
-      <p:nvGrpSpPr>
-        <p:cNvPr id="1" name="Shape 141"/>
-        <p:cNvGrpSpPr/>
-        <p:nvPr/>
-      </p:nvGrpSpPr>
-      <p:grpSpPr>
-        <a:xfrm>
-          <a:off x="0" y="0"/>
-          <a:ext cx="0" cy="0"/>
-          <a:chOff x="0" y="0"/>
-          <a:chExt cx="0" cy="0"/>
-        </a:xfrm>
-      </p:grpSpPr>
-      <p:sp>
-        <p:nvSpPr>
-          <p:cNvPr id="142" name="Google Shape;142;p29"/>
-          <p:cNvSpPr txBox="1">
-            <a:spLocks noGrp="1"/>
-          </p:cNvSpPr>
-          <p:nvPr>
-            <p:ph type="title"/>
-          </p:nvPr>
-        </p:nvSpPr>
-        <p:spPr>
-          <a:xfrm>
-            <a:off x="311700" y="445025"/>
-            <a:ext cx="8520600" cy="572700"/>
-          </a:xfrm>
-          <a:prstGeom prst="rect">
-            <a:avLst/>
-          </a:prstGeom>
-        </p:spPr>
-        <p:txBody>
-          <a:bodyPr spcFirstLastPara="1" wrap="square" lIns="91425" tIns="91425" rIns="91425" bIns="91425" anchor="t" anchorCtr="0">
-            <a:normAutofit/>
-          </a:bodyPr>
-          <a:lstStyle>
-            <a:lvl1pPr lvl="0" rtl="0">
-              <a:spcBef>
-                <a:spcPts val="0"/>
-              </a:spcBef>
-              <a:spcAft>
-                <a:spcPts val="0"/>
-              </a:spcAft>
-              <a:buSzPts val="2800"/>
-              <a:buNone/>
-              <a:defRPr/>
-            </a:lvl1pPr>
-            <a:lvl2pPr lvl="1" rtl="0">
-              <a:spcBef>
-                <a:spcPts val="0"/>
-              </a:spcBef>
-              <a:spcAft>
-                <a:spcPts val="0"/>
-              </a:spcAft>
-              <a:buSzPts val="2800"/>
-              <a:buNone/>
-              <a:defRPr/>
-            </a:lvl2pPr>
-            <a:lvl3pPr lvl="2" rtl="0">
-              <a:spcBef>
-                <a:spcPts val="0"/>
-              </a:spcBef>
-              <a:spcAft>
-                <a:spcPts val="0"/>
-              </a:spcAft>
-              <a:buSzPts val="2800"/>
-              <a:buNone/>
-              <a:defRPr/>
-            </a:lvl3pPr>
-            <a:lvl4pPr lvl="3" rtl="0">
-              <a:spcBef>
-                <a:spcPts val="0"/>
-              </a:spcBef>
-              <a:spcAft>
-                <a:spcPts val="0"/>
-              </a:spcAft>
-              <a:buSzPts val="2800"/>
-              <a:buNone/>
-              <a:defRPr/>
-            </a:lvl4pPr>
-            <a:lvl5pPr lvl="4" rtl="0">
-              <a:spcBef>
-                <a:spcPts val="0"/>
-              </a:spcBef>
-              <a:spcAft>
-                <a:spcPts val="0"/>
-              </a:spcAft>
-              <a:buSzPts val="2800"/>
-              <a:buNone/>
-              <a:defRPr/>
-            </a:lvl5pPr>
-            <a:lvl6pPr lvl="5" rtl="0">
-              <a:spcBef>
-                <a:spcPts val="0"/>
-              </a:spcBef>
-              <a:spcAft>
-                <a:spcPts val="0"/>
-              </a:spcAft>
-              <a:buSzPts val="2800"/>
-              <a:buNone/>
-              <a:defRPr/>
-            </a:lvl6pPr>
-            <a:lvl7pPr lvl="6" rtl="0">
-              <a:spcBef>
-                <a:spcPts val="0"/>
-              </a:spcBef>
-              <a:spcAft>
-                <a:spcPts val="0"/>
-              </a:spcAft>
-              <a:buSzPts val="2800"/>
-              <a:buNone/>
-              <a:defRPr/>
-            </a:lvl7pPr>
-            <a:lvl8pPr lvl="7" rtl="0">
-              <a:spcBef>
-                <a:spcPts val="0"/>
-              </a:spcBef>
-              <a:spcAft>
-                <a:spcPts val="0"/>
-              </a:spcAft>
-              <a:buSzPts val="2800"/>
-              <a:buNone/>
-              <a:defRPr/>
-            </a:lvl8pPr>
-            <a:lvl9pPr lvl="8" rtl="0">
-              <a:spcBef>
-                <a:spcPts val="0"/>
-              </a:spcBef>
-              <a:spcAft>
-                <a:spcPts val="0"/>
-              </a:spcAft>
-              <a:buSzPts val="2800"/>
-              <a:buNone/>
-              <a:defRPr/>
-            </a:lvl9pPr>
-          </a:lstStyle>
-          <a:p>
-            <a:endParaRPr/>
-          </a:p>
-        </p:txBody>
-      </p:sp>
-      <p:sp>
-        <p:nvSpPr>
-          <p:cNvPr id="143" name="Google Shape;143;p29"/>
-          <p:cNvSpPr txBox="1">
-            <a:spLocks noGrp="1"/>
-          </p:cNvSpPr>
-          <p:nvPr>
-            <p:ph type="body" idx="1"/>
-          </p:nvPr>
-        </p:nvSpPr>
-        <p:spPr>
-          <a:xfrm>
-            <a:off x="311700" y="1152475"/>
-            <a:ext cx="3999900" cy="3416400"/>
-          </a:xfrm>
-          <a:prstGeom prst="rect">
-            <a:avLst/>
-          </a:prstGeom>
-        </p:spPr>
-        <p:txBody>
-          <a:bodyPr spcFirstLastPara="1" wrap="square" lIns="91425" tIns="91425" rIns="91425" bIns="91425" anchor="t" anchorCtr="0">
-            <a:normAutofit/>
-          </a:bodyPr>
-          <a:lstStyle>
-            <a:lvl1pPr marL="457200" lvl="0" indent="-317500" rtl="0">
-              <a:spcBef>
-                <a:spcPts val="0"/>
-              </a:spcBef>
-              <a:spcAft>
-                <a:spcPts val="0"/>
-              </a:spcAft>
-              <a:buSzPts val="1400"/>
-              <a:buChar char="●"/>
-              <a:defRPr sz="1400"/>
-            </a:lvl1pPr>
-            <a:lvl2pPr marL="914400" lvl="1" indent="-304800" rtl="0">
-              <a:spcBef>
-                <a:spcPts val="0"/>
-              </a:spcBef>
-              <a:spcAft>
-                <a:spcPts val="0"/>
-              </a:spcAft>
-              <a:buSzPts val="1200"/>
-              <a:buChar char="○"/>
-              <a:defRPr sz="1200"/>
-            </a:lvl2pPr>
-            <a:lvl3pPr marL="1371600" lvl="2" indent="-304800" rtl="0">
-              <a:spcBef>
-                <a:spcPts val="0"/>
-              </a:spcBef>
-              <a:spcAft>
-                <a:spcPts val="0"/>
-              </a:spcAft>
-              <a:buSzPts val="1200"/>
-              <a:buChar char="■"/>
-              <a:defRPr sz="1200"/>
-            </a:lvl3pPr>
-            <a:lvl4pPr marL="1828800" lvl="3" indent="-304800" rtl="0">
-              <a:spcBef>
-                <a:spcPts val="0"/>
-              </a:spcBef>
-              <a:spcAft>
-                <a:spcPts val="0"/>
-              </a:spcAft>
-              <a:buSzPts val="1200"/>
-              <a:buChar char="●"/>
-              <a:defRPr sz="1200"/>
-            </a:lvl4pPr>
-            <a:lvl5pPr marL="2286000" lvl="4" indent="-304800" rtl="0">
-              <a:spcBef>
-                <a:spcPts val="0"/>
-              </a:spcBef>
-              <a:spcAft>
-                <a:spcPts val="0"/>
-              </a:spcAft>
-              <a:buSzPts val="1200"/>
-              <a:buChar char="○"/>
-              <a:defRPr sz="1200"/>
-            </a:lvl5pPr>
-            <a:lvl6pPr marL="2743200" lvl="5" indent="-304800" rtl="0">
-              <a:spcBef>
-                <a:spcPts val="0"/>
-              </a:spcBef>
-              <a:spcAft>
-                <a:spcPts val="0"/>
-              </a:spcAft>
-              <a:buSzPts val="1200"/>
-              <a:buChar char="■"/>
-              <a:defRPr sz="1200"/>
-            </a:lvl6pPr>
-            <a:lvl7pPr marL="3200400" lvl="6" indent="-304800" rtl="0">
-              <a:spcBef>
-                <a:spcPts val="0"/>
-              </a:spcBef>
-              <a:spcAft>
-                <a:spcPts val="0"/>
-              </a:spcAft>
-              <a:buSzPts val="1200"/>
-              <a:buChar char="●"/>
-              <a:defRPr sz="1200"/>
-            </a:lvl7pPr>
-            <a:lvl8pPr marL="3657600" lvl="7" indent="-304800" rtl="0">
-              <a:spcBef>
-                <a:spcPts val="0"/>
-              </a:spcBef>
-              <a:spcAft>
-                <a:spcPts val="0"/>
-              </a:spcAft>
-              <a:buSzPts val="1200"/>
-              <a:buChar char="○"/>
-              <a:defRPr sz="1200"/>
-            </a:lvl8pPr>
-            <a:lvl9pPr marL="4114800" lvl="8" indent="-304800" rtl="0">
-              <a:spcBef>
-                <a:spcPts val="0"/>
-              </a:spcBef>
-              <a:spcAft>
-                <a:spcPts val="0"/>
-              </a:spcAft>
-              <a:buSzPts val="1200"/>
-              <a:buChar char="■"/>
-              <a:defRPr sz="1200"/>
-            </a:lvl9pPr>
-          </a:lstStyle>
-          <a:p>
-            <a:endParaRPr/>
-          </a:p>
-        </p:txBody>
-      </p:sp>
-      <p:sp>
-        <p:nvSpPr>
-          <p:cNvPr id="144" name="Google Shape;144;p29"/>
-          <p:cNvSpPr txBox="1">
-            <a:spLocks noGrp="1"/>
-          </p:cNvSpPr>
-          <p:nvPr>
-            <p:ph type="body" idx="2"/>
-          </p:nvPr>
-        </p:nvSpPr>
-        <p:spPr>
-          <a:xfrm>
-            <a:off x="4832400" y="1152475"/>
-            <a:ext cx="3999900" cy="3416400"/>
-          </a:xfrm>
-          <a:prstGeom prst="rect">
-            <a:avLst/>
-          </a:prstGeom>
-        </p:spPr>
-        <p:txBody>
-          <a:bodyPr spcFirstLastPara="1" wrap="square" lIns="91425" tIns="91425" rIns="91425" bIns="91425" anchor="t" anchorCtr="0">
-            <a:normAutofit/>
-          </a:bodyPr>
-          <a:lstStyle>
-            <a:lvl1pPr marL="457200" lvl="0" indent="-317500" rtl="0">
-              <a:spcBef>
-                <a:spcPts val="0"/>
-              </a:spcBef>
-              <a:spcAft>
-                <a:spcPts val="0"/>
-              </a:spcAft>
-              <a:buSzPts val="1400"/>
-              <a:buChar char="●"/>
-              <a:defRPr sz="1400"/>
-            </a:lvl1pPr>
-            <a:lvl2pPr marL="914400" lvl="1" indent="-304800" rtl="0">
-              <a:spcBef>
-                <a:spcPts val="0"/>
-              </a:spcBef>
-              <a:spcAft>
-                <a:spcPts val="0"/>
-              </a:spcAft>
-              <a:buSzPts val="1200"/>
-              <a:buChar char="○"/>
-              <a:defRPr sz="1200"/>
-            </a:lvl2pPr>
-            <a:lvl3pPr marL="1371600" lvl="2" indent="-304800" rtl="0">
-              <a:spcBef>
-                <a:spcPts val="0"/>
-              </a:spcBef>
-              <a:spcAft>
-                <a:spcPts val="0"/>
-              </a:spcAft>
-              <a:buSzPts val="1200"/>
-              <a:buChar char="■"/>
-              <a:defRPr sz="1200"/>
-            </a:lvl3pPr>
-            <a:lvl4pPr marL="1828800" lvl="3" indent="-304800" rtl="0">
-              <a:spcBef>
-                <a:spcPts val="0"/>
-              </a:spcBef>
-              <a:spcAft>
-                <a:spcPts val="0"/>
-              </a:spcAft>
-              <a:buSzPts val="1200"/>
-              <a:buChar char="●"/>
-              <a:defRPr sz="1200"/>
-            </a:lvl4pPr>
-            <a:lvl5pPr marL="2286000" lvl="4" indent="-304800" rtl="0">
-              <a:spcBef>
-                <a:spcPts val="0"/>
-              </a:spcBef>
-              <a:spcAft>
-                <a:spcPts val="0"/>
-              </a:spcAft>
-              <a:buSzPts val="1200"/>
-              <a:buChar char="○"/>
-              <a:defRPr sz="1200"/>
-            </a:lvl5pPr>
-            <a:lvl6pPr marL="2743200" lvl="5" indent="-304800" rtl="0">
-              <a:spcBef>
-                <a:spcPts val="0"/>
-              </a:spcBef>
-              <a:spcAft>
-                <a:spcPts val="0"/>
-              </a:spcAft>
-              <a:buSzPts val="1200"/>
-              <a:buChar char="■"/>
-              <a:defRPr sz="1200"/>
-            </a:lvl6pPr>
-            <a:lvl7pPr marL="3200400" lvl="6" indent="-304800" rtl="0">
-              <a:spcBef>
-                <a:spcPts val="0"/>
-              </a:spcBef>
-              <a:spcAft>
-                <a:spcPts val="0"/>
-              </a:spcAft>
-              <a:buSzPts val="1200"/>
-              <a:buChar char="●"/>
-              <a:defRPr sz="1200"/>
-            </a:lvl7pPr>
-            <a:lvl8pPr marL="3657600" lvl="7" indent="-304800" rtl="0">
-              <a:spcBef>
-                <a:spcPts val="0"/>
-              </a:spcBef>
-              <a:spcAft>
-                <a:spcPts val="0"/>
-              </a:spcAft>
-              <a:buSzPts val="1200"/>
-              <a:buChar char="○"/>
-              <a:defRPr sz="1200"/>
-            </a:lvl8pPr>
-            <a:lvl9pPr marL="4114800" lvl="8" indent="-304800" rtl="0">
-              <a:spcBef>
-                <a:spcPts val="0"/>
-              </a:spcBef>
-              <a:spcAft>
-                <a:spcPts val="0"/>
-              </a:spcAft>
-              <a:buSzPts val="1200"/>
-              <a:buChar char="■"/>
-              <a:defRPr sz="1200"/>
-            </a:lvl9pPr>
-          </a:lstStyle>
-          <a:p>
-            <a:endParaRPr/>
-          </a:p>
-        </p:txBody>
-      </p:sp>
-      <p:sp>
-        <p:nvSpPr>
-          <p:cNvPr id="145" name="Google Shape;145;p29"/>
-          <p:cNvSpPr txBox="1">
-            <a:spLocks noGrp="1"/>
-          </p:cNvSpPr>
-          <p:nvPr>
-            <p:ph type="sldNum" idx="12"/>
-          </p:nvPr>
-        </p:nvSpPr>
-        <p:spPr>
-          <a:xfrm>
-            <a:off x="8472458" y="4663217"/>
-            <a:ext cx="548700" cy="393600"/>
-          </a:xfrm>
-          <a:prstGeom prst="rect">
-            <a:avLst/>
-          </a:prstGeom>
-        </p:spPr>
-        <p:txBody>
-          <a:bodyPr spcFirstLastPara="1" wrap="square" lIns="91425" tIns="91425" rIns="91425" bIns="91425" anchor="ctr" anchorCtr="0">
-            <a:normAutofit/>
-          </a:bodyPr>
-          <a:lstStyle>
-            <a:lvl1pPr lvl="0" rtl="0">
-              <a:buNone/>
-              <a:defRPr/>
-            </a:lvl1pPr>
-            <a:lvl2pPr lvl="1" rtl="0">
-              <a:buNone/>
-              <a:defRPr/>
-            </a:lvl2pPr>
-            <a:lvl3pPr lvl="2" rtl="0">
-              <a:buNone/>
-              <a:defRPr/>
-            </a:lvl3pPr>
-            <a:lvl4pPr lvl="3" rtl="0">
-              <a:buNone/>
-              <a:defRPr/>
-            </a:lvl4pPr>
-            <a:lvl5pPr lvl="4" rtl="0">
-              <a:buNone/>
-              <a:defRPr/>
-            </a:lvl5pPr>
-            <a:lvl6pPr lvl="5" rtl="0">
-              <a:buNone/>
-              <a:defRPr/>
-            </a:lvl6pPr>
-            <a:lvl7pPr lvl="6" rtl="0">
-              <a:buNone/>
-              <a:defRPr/>
-            </a:lvl7pPr>
-            <a:lvl8pPr lvl="7" rtl="0">
-              <a:buNone/>
-              <a:defRPr/>
-            </a:lvl8pPr>
-            <a:lvl9pPr lvl="8" rtl="0">
-              <a:buNone/>
-              <a:defRPr/>
-            </a:lvl9pPr>
-          </a:lstStyle>
-          <a:p>
-            <a:pPr marL="0" lvl="0" indent="0" algn="r" rtl="0">
-              <a:spcBef>
-                <a:spcPts val="0"/>
-              </a:spcBef>
-              <a:spcAft>
-                <a:spcPts val="0"/>
-              </a:spcAft>
-              <a:buNone/>
-            </a:pPr>
-            <a:fld id="{00000000-1234-1234-1234-123412341234}" type="slidenum">
-              <a:rPr lang="en"/>
-              <a:t>‹#›</a:t>
-            </a:fld>
-            <a:endParaRPr/>
-          </a:p>
-        </p:txBody>
-      </p:sp>
-    </p:spTree>
-  </p:cSld>
-  <p:clrMapOvr>
-    <a:masterClrMapping/>
-  </p:clrMapOvr>
-</p:sldLayout>
-</file>
-
-<file path=ppt/slideLayouts/slideLayout16.xml><?xml version="1.0" encoding="utf-8"?>
-<p:sldLayout xmlns:a="http://schemas.openxmlformats.org/drawingml/2006/main" xmlns:r="http://schemas.openxmlformats.org/officeDocument/2006/relationships" xmlns:p="http://schemas.openxmlformats.org/presentationml/2006/main" matchingName="Title only" type="titleOnly">
-  <p:cSld name="TITLE_ONLY">
-    <p:spTree>
-      <p:nvGrpSpPr>
-        <p:cNvPr id="1" name="Shape 146"/>
-        <p:cNvGrpSpPr/>
-        <p:nvPr/>
-      </p:nvGrpSpPr>
-      <p:grpSpPr>
-        <a:xfrm>
-          <a:off x="0" y="0"/>
-          <a:ext cx="0" cy="0"/>
-          <a:chOff x="0" y="0"/>
-          <a:chExt cx="0" cy="0"/>
-        </a:xfrm>
-      </p:grpSpPr>
-      <p:sp>
-        <p:nvSpPr>
-          <p:cNvPr id="147" name="Google Shape;147;p30"/>
-          <p:cNvSpPr txBox="1">
-            <a:spLocks noGrp="1"/>
-          </p:cNvSpPr>
-          <p:nvPr>
-            <p:ph type="title"/>
-          </p:nvPr>
-        </p:nvSpPr>
-        <p:spPr>
-          <a:xfrm>
-            <a:off x="311700" y="445025"/>
-            <a:ext cx="8520600" cy="572700"/>
-          </a:xfrm>
-          <a:prstGeom prst="rect">
-            <a:avLst/>
-          </a:prstGeom>
-        </p:spPr>
-        <p:txBody>
-          <a:bodyPr spcFirstLastPara="1" wrap="square" lIns="91425" tIns="91425" rIns="91425" bIns="91425" anchor="t" anchorCtr="0">
-            <a:normAutofit/>
-          </a:bodyPr>
-          <a:lstStyle>
-            <a:lvl1pPr lvl="0" rtl="0">
-              <a:spcBef>
-                <a:spcPts val="0"/>
-              </a:spcBef>
-              <a:spcAft>
-                <a:spcPts val="0"/>
-              </a:spcAft>
-              <a:buSzPts val="2800"/>
-              <a:buNone/>
-              <a:defRPr/>
-            </a:lvl1pPr>
-            <a:lvl2pPr lvl="1" rtl="0">
-              <a:spcBef>
-                <a:spcPts val="0"/>
-              </a:spcBef>
-              <a:spcAft>
-                <a:spcPts val="0"/>
-              </a:spcAft>
-              <a:buSzPts val="2800"/>
-              <a:buNone/>
-              <a:defRPr/>
-            </a:lvl2pPr>
-            <a:lvl3pPr lvl="2" rtl="0">
-              <a:spcBef>
-                <a:spcPts val="0"/>
-              </a:spcBef>
-              <a:spcAft>
-                <a:spcPts val="0"/>
-              </a:spcAft>
-              <a:buSzPts val="2800"/>
-              <a:buNone/>
-              <a:defRPr/>
-            </a:lvl3pPr>
-            <a:lvl4pPr lvl="3" rtl="0">
-              <a:spcBef>
-                <a:spcPts val="0"/>
-              </a:spcBef>
-              <a:spcAft>
-                <a:spcPts val="0"/>
-              </a:spcAft>
-              <a:buSzPts val="2800"/>
-              <a:buNone/>
-              <a:defRPr/>
-            </a:lvl4pPr>
-            <a:lvl5pPr lvl="4" rtl="0">
-              <a:spcBef>
-                <a:spcPts val="0"/>
-              </a:spcBef>
-              <a:spcAft>
-                <a:spcPts val="0"/>
-              </a:spcAft>
-              <a:buSzPts val="2800"/>
-              <a:buNone/>
-              <a:defRPr/>
-            </a:lvl5pPr>
-            <a:lvl6pPr lvl="5" rtl="0">
-              <a:spcBef>
-                <a:spcPts val="0"/>
-              </a:spcBef>
-              <a:spcAft>
-                <a:spcPts val="0"/>
-              </a:spcAft>
-              <a:buSzPts val="2800"/>
-              <a:buNone/>
-              <a:defRPr/>
-            </a:lvl6pPr>
-            <a:lvl7pPr lvl="6" rtl="0">
-              <a:spcBef>
-                <a:spcPts val="0"/>
-              </a:spcBef>
-              <a:spcAft>
-                <a:spcPts val="0"/>
-              </a:spcAft>
-              <a:buSzPts val="2800"/>
-              <a:buNone/>
-              <a:defRPr/>
-            </a:lvl7pPr>
-            <a:lvl8pPr lvl="7" rtl="0">
-              <a:spcBef>
-                <a:spcPts val="0"/>
-              </a:spcBef>
-              <a:spcAft>
-                <a:spcPts val="0"/>
-              </a:spcAft>
-              <a:buSzPts val="2800"/>
-              <a:buNone/>
-              <a:defRPr/>
-            </a:lvl8pPr>
-            <a:lvl9pPr lvl="8" rtl="0">
-              <a:spcBef>
-                <a:spcPts val="0"/>
-              </a:spcBef>
-              <a:spcAft>
-                <a:spcPts val="0"/>
-              </a:spcAft>
-              <a:buSzPts val="2800"/>
-              <a:buNone/>
-              <a:defRPr/>
-            </a:lvl9pPr>
-          </a:lstStyle>
-          <a:p>
-            <a:endParaRPr/>
-          </a:p>
-        </p:txBody>
-      </p:sp>
-      <p:sp>
-        <p:nvSpPr>
-          <p:cNvPr id="148" name="Google Shape;148;p30"/>
-          <p:cNvSpPr txBox="1">
-            <a:spLocks noGrp="1"/>
-          </p:cNvSpPr>
-          <p:nvPr>
-            <p:ph type="sldNum" idx="12"/>
-          </p:nvPr>
-        </p:nvSpPr>
-        <p:spPr>
-          <a:xfrm>
-            <a:off x="8472458" y="4663217"/>
-            <a:ext cx="548700" cy="393600"/>
-          </a:xfrm>
-          <a:prstGeom prst="rect">
-            <a:avLst/>
-          </a:prstGeom>
-        </p:spPr>
-        <p:txBody>
-          <a:bodyPr spcFirstLastPara="1" wrap="square" lIns="91425" tIns="91425" rIns="91425" bIns="91425" anchor="ctr" anchorCtr="0">
-            <a:normAutofit/>
-          </a:bodyPr>
-          <a:lstStyle>
-            <a:lvl1pPr lvl="0" rtl="0">
-              <a:buNone/>
-              <a:defRPr/>
-            </a:lvl1pPr>
-            <a:lvl2pPr lvl="1" rtl="0">
-              <a:buNone/>
-              <a:defRPr/>
-            </a:lvl2pPr>
-            <a:lvl3pPr lvl="2" rtl="0">
-              <a:buNone/>
-              <a:defRPr/>
-            </a:lvl3pPr>
-            <a:lvl4pPr lvl="3" rtl="0">
-              <a:buNone/>
-              <a:defRPr/>
-            </a:lvl4pPr>
-            <a:lvl5pPr lvl="4" rtl="0">
-              <a:buNone/>
-              <a:defRPr/>
-            </a:lvl5pPr>
-            <a:lvl6pPr lvl="5" rtl="0">
-              <a:buNone/>
-              <a:defRPr/>
-            </a:lvl6pPr>
-            <a:lvl7pPr lvl="6" rtl="0">
-              <a:buNone/>
-              <a:defRPr/>
-            </a:lvl7pPr>
-            <a:lvl8pPr lvl="7" rtl="0">
-              <a:buNone/>
-              <a:defRPr/>
-            </a:lvl8pPr>
-            <a:lvl9pPr lvl="8" rtl="0">
-              <a:buNone/>
-              <a:defRPr/>
-            </a:lvl9pPr>
-          </a:lstStyle>
-          <a:p>
-            <a:pPr marL="0" lvl="0" indent="0" algn="r" rtl="0">
-              <a:spcBef>
-                <a:spcPts val="0"/>
-              </a:spcBef>
-              <a:spcAft>
-                <a:spcPts val="0"/>
-              </a:spcAft>
-              <a:buNone/>
-            </a:pPr>
-            <a:fld id="{00000000-1234-1234-1234-123412341234}" type="slidenum">
-              <a:rPr lang="en"/>
-              <a:t>‹#›</a:t>
-            </a:fld>
-            <a:endParaRPr/>
-          </a:p>
-        </p:txBody>
-      </p:sp>
-    </p:spTree>
-  </p:cSld>
-  <p:clrMapOvr>
-    <a:masterClrMapping/>
-  </p:clrMapOvr>
-</p:sldLayout>
-</file>
-
-<file path=ppt/slideLayouts/slideLayout17.xml><?xml version="1.0" encoding="utf-8"?>
-<p:sldLayout xmlns:a="http://schemas.openxmlformats.org/drawingml/2006/main" xmlns:r="http://schemas.openxmlformats.org/officeDocument/2006/relationships" xmlns:p="http://schemas.openxmlformats.org/presentationml/2006/main" matchingName="One column text">
-  <p:cSld name="ONE_COLUMN_TEXT">
-    <p:spTree>
-      <p:nvGrpSpPr>
-        <p:cNvPr id="1" name="Shape 149"/>
-        <p:cNvGrpSpPr/>
-        <p:nvPr/>
-      </p:nvGrpSpPr>
-      <p:grpSpPr>
-        <a:xfrm>
-          <a:off x="0" y="0"/>
-          <a:ext cx="0" cy="0"/>
-          <a:chOff x="0" y="0"/>
-          <a:chExt cx="0" cy="0"/>
-        </a:xfrm>
-      </p:grpSpPr>
-      <p:sp>
-        <p:nvSpPr>
-          <p:cNvPr id="150" name="Google Shape;150;p31"/>
-          <p:cNvSpPr txBox="1">
-            <a:spLocks noGrp="1"/>
-          </p:cNvSpPr>
-          <p:nvPr>
-            <p:ph type="title"/>
-          </p:nvPr>
-        </p:nvSpPr>
-        <p:spPr>
-          <a:xfrm>
-            <a:off x="311700" y="555600"/>
-            <a:ext cx="2808000" cy="755700"/>
-          </a:xfrm>
-          <a:prstGeom prst="rect">
-            <a:avLst/>
-          </a:prstGeom>
-        </p:spPr>
-        <p:txBody>
-          <a:bodyPr spcFirstLastPara="1" wrap="square" lIns="91425" tIns="91425" rIns="91425" bIns="91425" anchor="b" anchorCtr="0">
-            <a:normAutofit/>
-          </a:bodyPr>
-          <a:lstStyle>
-            <a:lvl1pPr lvl="0" rtl="0">
-              <a:spcBef>
-                <a:spcPts val="0"/>
-              </a:spcBef>
-              <a:spcAft>
-                <a:spcPts val="0"/>
-              </a:spcAft>
-              <a:buSzPts val="2400"/>
-              <a:buNone/>
-              <a:defRPr sz="2400"/>
-            </a:lvl1pPr>
-            <a:lvl2pPr lvl="1" rtl="0">
-              <a:spcBef>
-                <a:spcPts val="0"/>
-              </a:spcBef>
-              <a:spcAft>
-                <a:spcPts val="0"/>
-              </a:spcAft>
-              <a:buSzPts val="2400"/>
-              <a:buNone/>
-              <a:defRPr sz="2400"/>
-            </a:lvl2pPr>
-            <a:lvl3pPr lvl="2" rtl="0">
-              <a:spcBef>
-                <a:spcPts val="0"/>
-              </a:spcBef>
-              <a:spcAft>
-                <a:spcPts val="0"/>
-              </a:spcAft>
-              <a:buSzPts val="2400"/>
-              <a:buNone/>
-              <a:defRPr sz="2400"/>
-            </a:lvl3pPr>
-            <a:lvl4pPr lvl="3" rtl="0">
-              <a:spcBef>
-                <a:spcPts val="0"/>
-              </a:spcBef>
-              <a:spcAft>
-                <a:spcPts val="0"/>
-              </a:spcAft>
-              <a:buSzPts val="2400"/>
-              <a:buNone/>
-              <a:defRPr sz="2400"/>
-            </a:lvl4pPr>
-            <a:lvl5pPr lvl="4" rtl="0">
-              <a:spcBef>
-                <a:spcPts val="0"/>
-              </a:spcBef>
-              <a:spcAft>
-                <a:spcPts val="0"/>
-              </a:spcAft>
-              <a:buSzPts val="2400"/>
-              <a:buNone/>
-              <a:defRPr sz="2400"/>
-            </a:lvl5pPr>
-            <a:lvl6pPr lvl="5" rtl="0">
-              <a:spcBef>
-                <a:spcPts val="0"/>
-              </a:spcBef>
-              <a:spcAft>
-                <a:spcPts val="0"/>
-              </a:spcAft>
-              <a:buSzPts val="2400"/>
-              <a:buNone/>
-              <a:defRPr sz="2400"/>
-            </a:lvl6pPr>
-            <a:lvl7pPr lvl="6" rtl="0">
-              <a:spcBef>
-                <a:spcPts val="0"/>
-              </a:spcBef>
-              <a:spcAft>
-                <a:spcPts val="0"/>
-              </a:spcAft>
-              <a:buSzPts val="2400"/>
-              <a:buNone/>
-              <a:defRPr sz="2400"/>
-            </a:lvl7pPr>
-            <a:lvl8pPr lvl="7" rtl="0">
-              <a:spcBef>
-                <a:spcPts val="0"/>
-              </a:spcBef>
-              <a:spcAft>
-                <a:spcPts val="0"/>
-              </a:spcAft>
-              <a:buSzPts val="2400"/>
-              <a:buNone/>
-              <a:defRPr sz="2400"/>
-            </a:lvl8pPr>
-            <a:lvl9pPr lvl="8" rtl="0">
-              <a:spcBef>
-                <a:spcPts val="0"/>
-              </a:spcBef>
-              <a:spcAft>
-                <a:spcPts val="0"/>
-              </a:spcAft>
-              <a:buSzPts val="2400"/>
-              <a:buNone/>
-              <a:defRPr sz="2400"/>
-            </a:lvl9pPr>
-          </a:lstStyle>
-          <a:p>
-            <a:endParaRPr/>
-          </a:p>
-        </p:txBody>
-      </p:sp>
-      <p:sp>
-        <p:nvSpPr>
-          <p:cNvPr id="151" name="Google Shape;151;p31"/>
-          <p:cNvSpPr txBox="1">
-            <a:spLocks noGrp="1"/>
-          </p:cNvSpPr>
-          <p:nvPr>
-            <p:ph type="body" idx="1"/>
-          </p:nvPr>
-        </p:nvSpPr>
-        <p:spPr>
-          <a:xfrm>
-            <a:off x="311700" y="1389600"/>
-            <a:ext cx="2808000" cy="3179400"/>
-          </a:xfrm>
-          <a:prstGeom prst="rect">
-            <a:avLst/>
-          </a:prstGeom>
-        </p:spPr>
-        <p:txBody>
-          <a:bodyPr spcFirstLastPara="1" wrap="square" lIns="91425" tIns="91425" rIns="91425" bIns="91425" anchor="t" anchorCtr="0">
-            <a:normAutofit/>
-          </a:bodyPr>
-          <a:lstStyle>
-            <a:lvl1pPr marL="457200" lvl="0" indent="-304800" rtl="0">
-              <a:spcBef>
-                <a:spcPts val="0"/>
-              </a:spcBef>
-              <a:spcAft>
-                <a:spcPts val="0"/>
-              </a:spcAft>
-              <a:buSzPts val="1200"/>
-              <a:buChar char="●"/>
-              <a:defRPr sz="1200"/>
-            </a:lvl1pPr>
-            <a:lvl2pPr marL="914400" lvl="1" indent="-304800" rtl="0">
-              <a:spcBef>
-                <a:spcPts val="0"/>
-              </a:spcBef>
-              <a:spcAft>
-                <a:spcPts val="0"/>
-              </a:spcAft>
-              <a:buSzPts val="1200"/>
-              <a:buChar char="○"/>
-              <a:defRPr sz="1200"/>
-            </a:lvl2pPr>
-            <a:lvl3pPr marL="1371600" lvl="2" indent="-304800" rtl="0">
-              <a:spcBef>
-                <a:spcPts val="0"/>
-              </a:spcBef>
-              <a:spcAft>
-                <a:spcPts val="0"/>
-              </a:spcAft>
-              <a:buSzPts val="1200"/>
-              <a:buChar char="■"/>
-              <a:defRPr sz="1200"/>
-            </a:lvl3pPr>
-            <a:lvl4pPr marL="1828800" lvl="3" indent="-304800" rtl="0">
-              <a:spcBef>
-                <a:spcPts val="0"/>
-              </a:spcBef>
-              <a:spcAft>
-                <a:spcPts val="0"/>
-              </a:spcAft>
-              <a:buSzPts val="1200"/>
-              <a:buChar char="●"/>
-              <a:defRPr sz="1200"/>
-            </a:lvl4pPr>
-            <a:lvl5pPr marL="2286000" lvl="4" indent="-304800" rtl="0">
-              <a:spcBef>
-                <a:spcPts val="0"/>
-              </a:spcBef>
-              <a:spcAft>
-                <a:spcPts val="0"/>
-              </a:spcAft>
-              <a:buSzPts val="1200"/>
-              <a:buChar char="○"/>
-              <a:defRPr sz="1200"/>
-            </a:lvl5pPr>
-            <a:lvl6pPr marL="2743200" lvl="5" indent="-304800" rtl="0">
-              <a:spcBef>
-                <a:spcPts val="0"/>
-              </a:spcBef>
-              <a:spcAft>
-                <a:spcPts val="0"/>
-              </a:spcAft>
-              <a:buSzPts val="1200"/>
-              <a:buChar char="■"/>
-              <a:defRPr sz="1200"/>
-            </a:lvl6pPr>
-            <a:lvl7pPr marL="3200400" lvl="6" indent="-304800" rtl="0">
-              <a:spcBef>
-                <a:spcPts val="0"/>
-              </a:spcBef>
-              <a:spcAft>
-                <a:spcPts val="0"/>
-              </a:spcAft>
-              <a:buSzPts val="1200"/>
-              <a:buChar char="●"/>
-              <a:defRPr sz="1200"/>
-            </a:lvl7pPr>
-            <a:lvl8pPr marL="3657600" lvl="7" indent="-304800" rtl="0">
-              <a:spcBef>
-                <a:spcPts val="0"/>
-              </a:spcBef>
-              <a:spcAft>
-                <a:spcPts val="0"/>
-              </a:spcAft>
-              <a:buSzPts val="1200"/>
-              <a:buChar char="○"/>
-              <a:defRPr sz="1200"/>
-            </a:lvl8pPr>
-            <a:lvl9pPr marL="4114800" lvl="8" indent="-304800" rtl="0">
-              <a:spcBef>
-                <a:spcPts val="0"/>
-              </a:spcBef>
-              <a:spcAft>
-                <a:spcPts val="0"/>
-              </a:spcAft>
-              <a:buSzPts val="1200"/>
-              <a:buChar char="■"/>
-              <a:defRPr sz="1200"/>
-            </a:lvl9pPr>
-          </a:lstStyle>
-          <a:p>
-            <a:endParaRPr/>
-          </a:p>
-        </p:txBody>
-      </p:sp>
-      <p:sp>
-        <p:nvSpPr>
-          <p:cNvPr id="152" name="Google Shape;152;p31"/>
-          <p:cNvSpPr txBox="1">
-            <a:spLocks noGrp="1"/>
-          </p:cNvSpPr>
-          <p:nvPr>
-            <p:ph type="sldNum" idx="12"/>
-          </p:nvPr>
-        </p:nvSpPr>
-        <p:spPr>
-          <a:xfrm>
-            <a:off x="8472458" y="4663217"/>
-            <a:ext cx="548700" cy="393600"/>
-          </a:xfrm>
-          <a:prstGeom prst="rect">
-            <a:avLst/>
-          </a:prstGeom>
-        </p:spPr>
-        <p:txBody>
-          <a:bodyPr spcFirstLastPara="1" wrap="square" lIns="91425" tIns="91425" rIns="91425" bIns="91425" anchor="ctr" anchorCtr="0">
-            <a:normAutofit/>
-          </a:bodyPr>
-          <a:lstStyle>
-            <a:lvl1pPr lvl="0" rtl="0">
-              <a:buNone/>
-              <a:defRPr/>
-            </a:lvl1pPr>
-            <a:lvl2pPr lvl="1" rtl="0">
-              <a:buNone/>
-              <a:defRPr/>
-            </a:lvl2pPr>
-            <a:lvl3pPr lvl="2" rtl="0">
-              <a:buNone/>
-              <a:defRPr/>
-            </a:lvl3pPr>
-            <a:lvl4pPr lvl="3" rtl="0">
-              <a:buNone/>
-              <a:defRPr/>
-            </a:lvl4pPr>
-            <a:lvl5pPr lvl="4" rtl="0">
-              <a:buNone/>
-              <a:defRPr/>
-            </a:lvl5pPr>
-            <a:lvl6pPr lvl="5" rtl="0">
-              <a:buNone/>
-              <a:defRPr/>
-            </a:lvl6pPr>
-            <a:lvl7pPr lvl="6" rtl="0">
-              <a:buNone/>
-              <a:defRPr/>
-            </a:lvl7pPr>
-            <a:lvl8pPr lvl="7" rtl="0">
-              <a:buNone/>
-              <a:defRPr/>
-            </a:lvl8pPr>
-            <a:lvl9pPr lvl="8" rtl="0">
-              <a:buNone/>
-              <a:defRPr/>
-            </a:lvl9pPr>
-          </a:lstStyle>
-          <a:p>
-            <a:pPr marL="0" lvl="0" indent="0" algn="r" rtl="0">
-              <a:spcBef>
-                <a:spcPts val="0"/>
-              </a:spcBef>
-              <a:spcAft>
-                <a:spcPts val="0"/>
-              </a:spcAft>
-              <a:buNone/>
-            </a:pPr>
-            <a:fld id="{00000000-1234-1234-1234-123412341234}" type="slidenum">
-              <a:rPr lang="en"/>
-              <a:t>‹#›</a:t>
-            </a:fld>
-            <a:endParaRPr/>
-          </a:p>
-        </p:txBody>
-      </p:sp>
-    </p:spTree>
-  </p:cSld>
-  <p:clrMapOvr>
-    <a:masterClrMapping/>
-  </p:clrMapOvr>
-</p:sldLayout>
-</file>
-
-<file path=ppt/slideLayouts/slideLayout18.xml><?xml version="1.0" encoding="utf-8"?>
-<p:sldLayout xmlns:a="http://schemas.openxmlformats.org/drawingml/2006/main" xmlns:r="http://schemas.openxmlformats.org/officeDocument/2006/relationships" xmlns:p="http://schemas.openxmlformats.org/presentationml/2006/main" matchingName="Main point">
-  <p:cSld name="MAIN_POINT">
-    <p:spTree>
-      <p:nvGrpSpPr>
-        <p:cNvPr id="1" name="Shape 153"/>
-        <p:cNvGrpSpPr/>
-        <p:nvPr/>
-      </p:nvGrpSpPr>
-      <p:grpSpPr>
-        <a:xfrm>
-          <a:off x="0" y="0"/>
-          <a:ext cx="0" cy="0"/>
-          <a:chOff x="0" y="0"/>
-          <a:chExt cx="0" cy="0"/>
-        </a:xfrm>
-      </p:grpSpPr>
-      <p:sp>
-        <p:nvSpPr>
-          <p:cNvPr id="154" name="Google Shape;154;p32"/>
-          <p:cNvSpPr txBox="1">
-            <a:spLocks noGrp="1"/>
-          </p:cNvSpPr>
-          <p:nvPr>
-            <p:ph type="title"/>
-          </p:nvPr>
-        </p:nvSpPr>
-        <p:spPr>
-          <a:xfrm>
-            <a:off x="490250" y="450150"/>
-            <a:ext cx="6367800" cy="4090800"/>
-          </a:xfrm>
-          <a:prstGeom prst="rect">
-            <a:avLst/>
-          </a:prstGeom>
-        </p:spPr>
-        <p:txBody>
-          <a:bodyPr spcFirstLastPara="1" wrap="square" lIns="91425" tIns="91425" rIns="91425" bIns="91425" anchor="ctr" anchorCtr="0">
-            <a:normAutofit/>
-          </a:bodyPr>
-          <a:lstStyle>
-            <a:lvl1pPr lvl="0" rtl="0">
-              <a:spcBef>
-                <a:spcPts val="0"/>
-              </a:spcBef>
-              <a:spcAft>
-                <a:spcPts val="0"/>
-              </a:spcAft>
-              <a:buSzPts val="4800"/>
-              <a:buNone/>
-              <a:defRPr sz="4800"/>
-            </a:lvl1pPr>
-            <a:lvl2pPr lvl="1" rtl="0">
-              <a:spcBef>
-                <a:spcPts val="0"/>
-              </a:spcBef>
-              <a:spcAft>
-                <a:spcPts val="0"/>
-              </a:spcAft>
-              <a:buSzPts val="4800"/>
-              <a:buNone/>
-              <a:defRPr sz="4800"/>
-            </a:lvl2pPr>
-            <a:lvl3pPr lvl="2" rtl="0">
-              <a:spcBef>
-                <a:spcPts val="0"/>
-              </a:spcBef>
-              <a:spcAft>
-                <a:spcPts val="0"/>
-              </a:spcAft>
-              <a:buSzPts val="4800"/>
-              <a:buNone/>
-              <a:defRPr sz="4800"/>
-            </a:lvl3pPr>
-            <a:lvl4pPr lvl="3" rtl="0">
-              <a:spcBef>
-                <a:spcPts val="0"/>
-              </a:spcBef>
-              <a:spcAft>
-                <a:spcPts val="0"/>
-              </a:spcAft>
-              <a:buSzPts val="4800"/>
-              <a:buNone/>
-              <a:defRPr sz="4800"/>
-            </a:lvl4pPr>
-            <a:lvl5pPr lvl="4" rtl="0">
-              <a:spcBef>
-                <a:spcPts val="0"/>
-              </a:spcBef>
-              <a:spcAft>
-                <a:spcPts val="0"/>
-              </a:spcAft>
-              <a:buSzPts val="4800"/>
-              <a:buNone/>
-              <a:defRPr sz="4800"/>
-            </a:lvl5pPr>
-            <a:lvl6pPr lvl="5" rtl="0">
-              <a:spcBef>
-                <a:spcPts val="0"/>
-              </a:spcBef>
-              <a:spcAft>
-                <a:spcPts val="0"/>
-              </a:spcAft>
-              <a:buSzPts val="4800"/>
-              <a:buNone/>
-              <a:defRPr sz="4800"/>
-            </a:lvl6pPr>
-            <a:lvl7pPr lvl="6" rtl="0">
-              <a:spcBef>
-                <a:spcPts val="0"/>
-              </a:spcBef>
-              <a:spcAft>
-                <a:spcPts val="0"/>
-              </a:spcAft>
-              <a:buSzPts val="4800"/>
-              <a:buNone/>
-              <a:defRPr sz="4800"/>
-            </a:lvl7pPr>
-            <a:lvl8pPr lvl="7" rtl="0">
-              <a:spcBef>
-                <a:spcPts val="0"/>
-              </a:spcBef>
-              <a:spcAft>
-                <a:spcPts val="0"/>
-              </a:spcAft>
-              <a:buSzPts val="4800"/>
-              <a:buNone/>
-              <a:defRPr sz="4800"/>
-            </a:lvl8pPr>
-            <a:lvl9pPr lvl="8" rtl="0">
-              <a:spcBef>
-                <a:spcPts val="0"/>
-              </a:spcBef>
-              <a:spcAft>
-                <a:spcPts val="0"/>
-              </a:spcAft>
-              <a:buSzPts val="4800"/>
-              <a:buNone/>
-              <a:defRPr sz="4800"/>
-            </a:lvl9pPr>
-          </a:lstStyle>
-          <a:p>
-            <a:endParaRPr/>
-          </a:p>
-        </p:txBody>
-      </p:sp>
-      <p:sp>
-        <p:nvSpPr>
-          <p:cNvPr id="155" name="Google Shape;155;p32"/>
-          <p:cNvSpPr txBox="1">
-            <a:spLocks noGrp="1"/>
-          </p:cNvSpPr>
-          <p:nvPr>
-            <p:ph type="sldNum" idx="12"/>
-          </p:nvPr>
-        </p:nvSpPr>
-        <p:spPr>
-          <a:xfrm>
-            <a:off x="8472458" y="4663217"/>
-            <a:ext cx="548700" cy="393600"/>
-          </a:xfrm>
-          <a:prstGeom prst="rect">
-            <a:avLst/>
-          </a:prstGeom>
-        </p:spPr>
-        <p:txBody>
-          <a:bodyPr spcFirstLastPara="1" wrap="square" lIns="91425" tIns="91425" rIns="91425" bIns="91425" anchor="ctr" anchorCtr="0">
-            <a:normAutofit/>
-          </a:bodyPr>
-          <a:lstStyle>
-            <a:lvl1pPr lvl="0" rtl="0">
-              <a:buNone/>
-              <a:defRPr/>
-            </a:lvl1pPr>
-            <a:lvl2pPr lvl="1" rtl="0">
-              <a:buNone/>
-              <a:defRPr/>
-            </a:lvl2pPr>
-            <a:lvl3pPr lvl="2" rtl="0">
-              <a:buNone/>
-              <a:defRPr/>
-            </a:lvl3pPr>
-            <a:lvl4pPr lvl="3" rtl="0">
-              <a:buNone/>
-              <a:defRPr/>
-            </a:lvl4pPr>
-            <a:lvl5pPr lvl="4" rtl="0">
-              <a:buNone/>
-              <a:defRPr/>
-            </a:lvl5pPr>
-            <a:lvl6pPr lvl="5" rtl="0">
-              <a:buNone/>
-              <a:defRPr/>
-            </a:lvl6pPr>
-            <a:lvl7pPr lvl="6" rtl="0">
-              <a:buNone/>
-              <a:defRPr/>
-            </a:lvl7pPr>
-            <a:lvl8pPr lvl="7" rtl="0">
-              <a:buNone/>
-              <a:defRPr/>
-            </a:lvl8pPr>
-            <a:lvl9pPr lvl="8" rtl="0">
-              <a:buNone/>
-              <a:defRPr/>
-            </a:lvl9pPr>
-          </a:lstStyle>
-          <a:p>
-            <a:pPr marL="0" lvl="0" indent="0" algn="r" rtl="0">
-              <a:spcBef>
-                <a:spcPts val="0"/>
-              </a:spcBef>
-              <a:spcAft>
-                <a:spcPts val="0"/>
-              </a:spcAft>
-              <a:buNone/>
-            </a:pPr>
-            <a:fld id="{00000000-1234-1234-1234-123412341234}" type="slidenum">
-              <a:rPr lang="en"/>
-              <a:t>‹#›</a:t>
-            </a:fld>
-            <a:endParaRPr/>
-          </a:p>
-        </p:txBody>
-      </p:sp>
-    </p:spTree>
-  </p:cSld>
-  <p:clrMapOvr>
-    <a:masterClrMapping/>
-  </p:clrMapOvr>
-</p:sldLayout>
-</file>
-
-<file path=ppt/slideLayouts/slideLayout19.xml><?xml version="1.0" encoding="utf-8"?>
-<p:sldLayout xmlns:a="http://schemas.openxmlformats.org/drawingml/2006/main" xmlns:r="http://schemas.openxmlformats.org/officeDocument/2006/relationships" xmlns:p="http://schemas.openxmlformats.org/presentationml/2006/main" matchingName="Section title and description">
-  <p:cSld name="SECTION_TITLE_AND_DESCRIPTION">
-    <p:spTree>
-      <p:nvGrpSpPr>
-        <p:cNvPr id="1" name="Shape 156"/>
-        <p:cNvGrpSpPr/>
-        <p:nvPr/>
-      </p:nvGrpSpPr>
-      <p:grpSpPr>
-        <a:xfrm>
-          <a:off x="0" y="0"/>
-          <a:ext cx="0" cy="0"/>
-          <a:chOff x="0" y="0"/>
-          <a:chExt cx="0" cy="0"/>
-        </a:xfrm>
-      </p:grpSpPr>
-      <p:sp>
-        <p:nvSpPr>
-          <p:cNvPr id="157" name="Google Shape;157;p33"/>
-          <p:cNvSpPr/>
-          <p:nvPr/>
-        </p:nvSpPr>
-        <p:spPr>
-          <a:xfrm>
-            <a:off x="4572000" y="-125"/>
-            <a:ext cx="4572000" cy="5143500"/>
-          </a:xfrm>
-          <a:prstGeom prst="rect">
-            <a:avLst/>
-          </a:prstGeom>
-          <a:solidFill>
-            <a:schemeClr val="lt2"/>
-          </a:solidFill>
-          <a:ln>
-            <a:noFill/>
-          </a:ln>
-        </p:spPr>
-        <p:txBody>
-          <a:bodyPr spcFirstLastPara="1" wrap="square" lIns="91425" tIns="91425" rIns="91425" bIns="91425" anchor="ctr" anchorCtr="0">
-            <a:noAutofit/>
-          </a:bodyPr>
-          <a:lstStyle/>
-          <a:p>
-            <a:pPr marL="0" lvl="0" indent="0" algn="l" rtl="0">
-              <a:spcBef>
-                <a:spcPts val="0"/>
-              </a:spcBef>
-              <a:spcAft>
-                <a:spcPts val="0"/>
-              </a:spcAft>
-              <a:buNone/>
-            </a:pPr>
-            <a:endParaRPr/>
-          </a:p>
-        </p:txBody>
-      </p:sp>
-      <p:sp>
-        <p:nvSpPr>
-          <p:cNvPr id="158" name="Google Shape;158;p33"/>
-          <p:cNvSpPr txBox="1">
-            <a:spLocks noGrp="1"/>
-          </p:cNvSpPr>
-          <p:nvPr>
-            <p:ph type="title"/>
-          </p:nvPr>
-        </p:nvSpPr>
-        <p:spPr>
-          <a:xfrm>
-            <a:off x="265500" y="1233175"/>
-            <a:ext cx="4045200" cy="1482300"/>
-          </a:xfrm>
-          <a:prstGeom prst="rect">
-            <a:avLst/>
-          </a:prstGeom>
-        </p:spPr>
-        <p:txBody>
-          <a:bodyPr spcFirstLastPara="1" wrap="square" lIns="91425" tIns="91425" rIns="91425" bIns="91425" anchor="b" anchorCtr="0">
-            <a:normAutofit/>
-          </a:bodyPr>
-          <a:lstStyle>
-            <a:lvl1pPr lvl="0" algn="ctr" rtl="0">
-              <a:spcBef>
-                <a:spcPts val="0"/>
-              </a:spcBef>
-              <a:spcAft>
-                <a:spcPts val="0"/>
-              </a:spcAft>
-              <a:buSzPts val="4200"/>
-              <a:buNone/>
-              <a:defRPr sz="4200"/>
-            </a:lvl1pPr>
-            <a:lvl2pPr lvl="1" algn="ctr" rtl="0">
-              <a:spcBef>
-                <a:spcPts val="0"/>
-              </a:spcBef>
-              <a:spcAft>
-                <a:spcPts val="0"/>
-              </a:spcAft>
-              <a:buSzPts val="4200"/>
-              <a:buNone/>
-              <a:defRPr sz="4200"/>
-            </a:lvl2pPr>
-            <a:lvl3pPr lvl="2" algn="ctr" rtl="0">
-              <a:spcBef>
-                <a:spcPts val="0"/>
-              </a:spcBef>
-              <a:spcAft>
-                <a:spcPts val="0"/>
-              </a:spcAft>
-              <a:buSzPts val="4200"/>
-              <a:buNone/>
-              <a:defRPr sz="4200"/>
-            </a:lvl3pPr>
-            <a:lvl4pPr lvl="3" algn="ctr" rtl="0">
-              <a:spcBef>
-                <a:spcPts val="0"/>
-              </a:spcBef>
-              <a:spcAft>
-                <a:spcPts val="0"/>
-              </a:spcAft>
-              <a:buSzPts val="4200"/>
-              <a:buNone/>
-              <a:defRPr sz="4200"/>
-            </a:lvl4pPr>
-            <a:lvl5pPr lvl="4" algn="ctr" rtl="0">
-              <a:spcBef>
-                <a:spcPts val="0"/>
-              </a:spcBef>
-              <a:spcAft>
-                <a:spcPts val="0"/>
-              </a:spcAft>
-              <a:buSzPts val="4200"/>
-              <a:buNone/>
-              <a:defRPr sz="4200"/>
-            </a:lvl5pPr>
-            <a:lvl6pPr lvl="5" algn="ctr" rtl="0">
-              <a:spcBef>
-                <a:spcPts val="0"/>
-              </a:spcBef>
-              <a:spcAft>
-                <a:spcPts val="0"/>
-              </a:spcAft>
-              <a:buSzPts val="4200"/>
-              <a:buNone/>
-              <a:defRPr sz="4200"/>
-            </a:lvl6pPr>
-            <a:lvl7pPr lvl="6" algn="ctr" rtl="0">
-              <a:spcBef>
-                <a:spcPts val="0"/>
-              </a:spcBef>
-              <a:spcAft>
-                <a:spcPts val="0"/>
-              </a:spcAft>
-              <a:buSzPts val="4200"/>
-              <a:buNone/>
-              <a:defRPr sz="4200"/>
-            </a:lvl7pPr>
-            <a:lvl8pPr lvl="7" algn="ctr" rtl="0">
-              <a:spcBef>
-                <a:spcPts val="0"/>
-              </a:spcBef>
-              <a:spcAft>
-                <a:spcPts val="0"/>
-              </a:spcAft>
-              <a:buSzPts val="4200"/>
-              <a:buNone/>
-              <a:defRPr sz="4200"/>
-            </a:lvl8pPr>
-            <a:lvl9pPr lvl="8" algn="ctr" rtl="0">
-              <a:spcBef>
-                <a:spcPts val="0"/>
-              </a:spcBef>
-              <a:spcAft>
-                <a:spcPts val="0"/>
-              </a:spcAft>
-              <a:buSzPts val="4200"/>
-              <a:buNone/>
-              <a:defRPr sz="4200"/>
-            </a:lvl9pPr>
-          </a:lstStyle>
-          <a:p>
-            <a:endParaRPr/>
-          </a:p>
-        </p:txBody>
-      </p:sp>
-      <p:sp>
-        <p:nvSpPr>
-          <p:cNvPr id="159" name="Google Shape;159;p33"/>
-          <p:cNvSpPr txBox="1">
-            <a:spLocks noGrp="1"/>
-          </p:cNvSpPr>
-          <p:nvPr>
-            <p:ph type="subTitle" idx="1"/>
-          </p:nvPr>
-        </p:nvSpPr>
-        <p:spPr>
-          <a:xfrm>
-            <a:off x="265500" y="2803075"/>
-            <a:ext cx="4045200" cy="1235100"/>
-          </a:xfrm>
-          <a:prstGeom prst="rect">
-            <a:avLst/>
-          </a:prstGeom>
-        </p:spPr>
-        <p:txBody>
-          <a:bodyPr spcFirstLastPara="1" wrap="square" lIns="91425" tIns="91425" rIns="91425" bIns="91425" anchor="t" anchorCtr="0">
-            <a:normAutofit/>
-          </a:bodyPr>
-          <a:lstStyle>
-            <a:lvl1pPr lvl="0" algn="ctr" rtl="0">
-              <a:lnSpc>
-                <a:spcPct val="100000"/>
-              </a:lnSpc>
-              <a:spcBef>
-                <a:spcPts val="0"/>
-              </a:spcBef>
-              <a:spcAft>
-                <a:spcPts val="0"/>
-              </a:spcAft>
-              <a:buSzPts val="2100"/>
-              <a:buNone/>
-              <a:defRPr sz="2100"/>
-            </a:lvl1pPr>
-            <a:lvl2pPr lvl="1" algn="ctr" rtl="0">
-              <a:lnSpc>
-                <a:spcPct val="100000"/>
-              </a:lnSpc>
-              <a:spcBef>
-                <a:spcPts val="0"/>
-              </a:spcBef>
-              <a:spcAft>
-                <a:spcPts val="0"/>
-              </a:spcAft>
-              <a:buSzPts val="2100"/>
-              <a:buNone/>
-              <a:defRPr sz="2100"/>
-            </a:lvl2pPr>
-            <a:lvl3pPr lvl="2" algn="ctr" rtl="0">
-              <a:lnSpc>
-                <a:spcPct val="100000"/>
-              </a:lnSpc>
-              <a:spcBef>
-                <a:spcPts val="0"/>
-              </a:spcBef>
-              <a:spcAft>
-                <a:spcPts val="0"/>
-              </a:spcAft>
-              <a:buSzPts val="2100"/>
-              <a:buNone/>
-              <a:defRPr sz="2100"/>
-            </a:lvl3pPr>
-            <a:lvl4pPr lvl="3" algn="ctr" rtl="0">
-              <a:lnSpc>
-                <a:spcPct val="100000"/>
-              </a:lnSpc>
-              <a:spcBef>
-                <a:spcPts val="0"/>
-              </a:spcBef>
-              <a:spcAft>
-                <a:spcPts val="0"/>
-              </a:spcAft>
-              <a:buSzPts val="2100"/>
-              <a:buNone/>
-              <a:defRPr sz="2100"/>
-            </a:lvl4pPr>
-            <a:lvl5pPr lvl="4" algn="ctr" rtl="0">
-              <a:lnSpc>
-                <a:spcPct val="100000"/>
-              </a:lnSpc>
-              <a:spcBef>
-                <a:spcPts val="0"/>
-              </a:spcBef>
-              <a:spcAft>
-                <a:spcPts val="0"/>
-              </a:spcAft>
-              <a:buSzPts val="2100"/>
-              <a:buNone/>
-              <a:defRPr sz="2100"/>
-            </a:lvl5pPr>
-            <a:lvl6pPr lvl="5" algn="ctr" rtl="0">
-              <a:lnSpc>
-                <a:spcPct val="100000"/>
-              </a:lnSpc>
-              <a:spcBef>
-                <a:spcPts val="0"/>
-              </a:spcBef>
-              <a:spcAft>
-                <a:spcPts val="0"/>
-              </a:spcAft>
-              <a:buSzPts val="2100"/>
-              <a:buNone/>
-              <a:defRPr sz="2100"/>
-            </a:lvl6pPr>
-            <a:lvl7pPr lvl="6" algn="ctr" rtl="0">
-              <a:lnSpc>
-                <a:spcPct val="100000"/>
-              </a:lnSpc>
-              <a:spcBef>
-                <a:spcPts val="0"/>
-              </a:spcBef>
-              <a:spcAft>
-                <a:spcPts val="0"/>
-              </a:spcAft>
-              <a:buSzPts val="2100"/>
-              <a:buNone/>
-              <a:defRPr sz="2100"/>
-            </a:lvl7pPr>
-            <a:lvl8pPr lvl="7" algn="ctr" rtl="0">
-              <a:lnSpc>
-                <a:spcPct val="100000"/>
-              </a:lnSpc>
-              <a:spcBef>
-                <a:spcPts val="0"/>
-              </a:spcBef>
-              <a:spcAft>
-                <a:spcPts val="0"/>
-              </a:spcAft>
-              <a:buSzPts val="2100"/>
-              <a:buNone/>
-              <a:defRPr sz="2100"/>
-            </a:lvl8pPr>
-            <a:lvl9pPr lvl="8" algn="ctr" rtl="0">
-              <a:lnSpc>
-                <a:spcPct val="100000"/>
-              </a:lnSpc>
-              <a:spcBef>
-                <a:spcPts val="0"/>
-              </a:spcBef>
-              <a:spcAft>
-                <a:spcPts val="0"/>
-              </a:spcAft>
-              <a:buSzPts val="2100"/>
-              <a:buNone/>
-              <a:defRPr sz="2100"/>
-            </a:lvl9pPr>
-          </a:lstStyle>
-          <a:p>
-            <a:endParaRPr/>
-          </a:p>
-        </p:txBody>
-      </p:sp>
-      <p:sp>
-        <p:nvSpPr>
-          <p:cNvPr id="160" name="Google Shape;160;p33"/>
-          <p:cNvSpPr txBox="1">
-            <a:spLocks noGrp="1"/>
-          </p:cNvSpPr>
-          <p:nvPr>
-            <p:ph type="body" idx="2"/>
-          </p:nvPr>
-        </p:nvSpPr>
-        <p:spPr>
-          <a:xfrm>
-            <a:off x="4939500" y="724075"/>
-            <a:ext cx="3837000" cy="3695100"/>
-          </a:xfrm>
-          <a:prstGeom prst="rect">
-            <a:avLst/>
-          </a:prstGeom>
-        </p:spPr>
-        <p:txBody>
-          <a:bodyPr spcFirstLastPara="1" wrap="square" lIns="91425" tIns="91425" rIns="91425" bIns="91425" anchor="ctr" anchorCtr="0">
-            <a:normAutofit/>
-          </a:bodyPr>
-          <a:lstStyle>
-            <a:lvl1pPr marL="457200" lvl="0" indent="-342900" rtl="0">
-              <a:spcBef>
-                <a:spcPts val="0"/>
-              </a:spcBef>
-              <a:spcAft>
-                <a:spcPts val="0"/>
-              </a:spcAft>
-              <a:buSzPts val="1800"/>
-              <a:buChar char="●"/>
-              <a:defRPr/>
-            </a:lvl1pPr>
-            <a:lvl2pPr marL="914400" lvl="1" indent="-317500" rtl="0">
-              <a:spcBef>
-                <a:spcPts val="0"/>
-              </a:spcBef>
-              <a:spcAft>
-                <a:spcPts val="0"/>
-              </a:spcAft>
-              <a:buSzPts val="1400"/>
-              <a:buChar char="○"/>
-              <a:defRPr/>
-            </a:lvl2pPr>
-            <a:lvl3pPr marL="1371600" lvl="2" indent="-317500" rtl="0">
-              <a:spcBef>
-                <a:spcPts val="0"/>
-              </a:spcBef>
-              <a:spcAft>
-                <a:spcPts val="0"/>
-              </a:spcAft>
-              <a:buSzPts val="1400"/>
-              <a:buChar char="■"/>
-              <a:defRPr/>
-            </a:lvl3pPr>
-            <a:lvl4pPr marL="1828800" lvl="3" indent="-317500" rtl="0">
-              <a:spcBef>
-                <a:spcPts val="0"/>
-              </a:spcBef>
-              <a:spcAft>
-                <a:spcPts val="0"/>
-              </a:spcAft>
-              <a:buSzPts val="1400"/>
-              <a:buChar char="●"/>
-              <a:defRPr/>
-            </a:lvl4pPr>
-            <a:lvl5pPr marL="2286000" lvl="4" indent="-317500" rtl="0">
-              <a:spcBef>
-                <a:spcPts val="0"/>
-              </a:spcBef>
-              <a:spcAft>
-                <a:spcPts val="0"/>
-              </a:spcAft>
-              <a:buSzPts val="1400"/>
-              <a:buChar char="○"/>
-              <a:defRPr/>
-            </a:lvl5pPr>
-            <a:lvl6pPr marL="2743200" lvl="5" indent="-317500" rtl="0">
-              <a:spcBef>
-                <a:spcPts val="0"/>
-              </a:spcBef>
-              <a:spcAft>
-                <a:spcPts val="0"/>
-              </a:spcAft>
-              <a:buSzPts val="1400"/>
-              <a:buChar char="■"/>
-              <a:defRPr/>
-            </a:lvl6pPr>
-            <a:lvl7pPr marL="3200400" lvl="6" indent="-317500" rtl="0">
-              <a:spcBef>
-                <a:spcPts val="0"/>
-              </a:spcBef>
-              <a:spcAft>
-                <a:spcPts val="0"/>
-              </a:spcAft>
-              <a:buSzPts val="1400"/>
-              <a:buChar char="●"/>
-              <a:defRPr/>
-            </a:lvl7pPr>
-            <a:lvl8pPr marL="3657600" lvl="7" indent="-317500" rtl="0">
-              <a:spcBef>
-                <a:spcPts val="0"/>
-              </a:spcBef>
-              <a:spcAft>
-                <a:spcPts val="0"/>
-              </a:spcAft>
-              <a:buSzPts val="1400"/>
-              <a:buChar char="○"/>
-              <a:defRPr/>
-            </a:lvl8pPr>
-            <a:lvl9pPr marL="4114800" lvl="8" indent="-317500" rtl="0">
-              <a:spcBef>
-                <a:spcPts val="0"/>
-              </a:spcBef>
-              <a:spcAft>
-                <a:spcPts val="0"/>
-              </a:spcAft>
-              <a:buSzPts val="1400"/>
-              <a:buChar char="■"/>
-              <a:defRPr/>
-            </a:lvl9pPr>
-          </a:lstStyle>
-          <a:p>
-            <a:endParaRPr/>
-          </a:p>
-        </p:txBody>
-      </p:sp>
-      <p:sp>
-        <p:nvSpPr>
-          <p:cNvPr id="161" name="Google Shape;161;p33"/>
-          <p:cNvSpPr txBox="1">
-            <a:spLocks noGrp="1"/>
-          </p:cNvSpPr>
-          <p:nvPr>
-            <p:ph type="sldNum" idx="12"/>
-          </p:nvPr>
-        </p:nvSpPr>
-        <p:spPr>
-          <a:xfrm>
-            <a:off x="8472458" y="4663217"/>
-            <a:ext cx="548700" cy="393600"/>
-          </a:xfrm>
-          <a:prstGeom prst="rect">
-            <a:avLst/>
-          </a:prstGeom>
-        </p:spPr>
-        <p:txBody>
-          <a:bodyPr spcFirstLastPara="1" wrap="square" lIns="91425" tIns="91425" rIns="91425" bIns="91425" anchor="ctr" anchorCtr="0">
-            <a:normAutofit/>
-          </a:bodyPr>
-          <a:lstStyle>
-            <a:lvl1pPr lvl="0" rtl="0">
-              <a:buNone/>
-              <a:defRPr/>
-            </a:lvl1pPr>
-            <a:lvl2pPr lvl="1" rtl="0">
-              <a:buNone/>
-              <a:defRPr/>
-            </a:lvl2pPr>
-            <a:lvl3pPr lvl="2" rtl="0">
-              <a:buNone/>
-              <a:defRPr/>
-            </a:lvl3pPr>
-            <a:lvl4pPr lvl="3" rtl="0">
-              <a:buNone/>
-              <a:defRPr/>
-            </a:lvl4pPr>
-            <a:lvl5pPr lvl="4" rtl="0">
-              <a:buNone/>
-              <a:defRPr/>
-            </a:lvl5pPr>
-            <a:lvl6pPr lvl="5" rtl="0">
-              <a:buNone/>
-              <a:defRPr/>
-            </a:lvl6pPr>
-            <a:lvl7pPr lvl="6" rtl="0">
-              <a:buNone/>
-              <a:defRPr/>
-            </a:lvl7pPr>
-            <a:lvl8pPr lvl="7" rtl="0">
-              <a:buNone/>
-              <a:defRPr/>
-            </a:lvl8pPr>
-            <a:lvl9pPr lvl="8" rtl="0">
-              <a:buNone/>
-              <a:defRPr/>
-            </a:lvl9pPr>
-          </a:lstStyle>
-          <a:p>
-            <a:pPr marL="0" lvl="0" indent="0" algn="r" rtl="0">
-              <a:spcBef>
-                <a:spcPts val="0"/>
-              </a:spcBef>
-              <a:spcAft>
-                <a:spcPts val="0"/>
-              </a:spcAft>
-              <a:buNone/>
-            </a:pPr>
-            <a:fld id="{00000000-1234-1234-1234-123412341234}" type="slidenum">
-              <a:rPr lang="en"/>
-              <a:t>‹#›</a:t>
-            </a:fld>
-            <a:endParaRPr/>
-          </a:p>
-        </p:txBody>
-      </p:sp>
-    </p:spTree>
-  </p:cSld>
-  <p:clrMapOvr>
-    <a:masterClrMapping/>
-  </p:clrMapOvr>
-</p:sldLayout>
-</file>
-
 <file path=ppt/slideLayouts/slideLayout2.xml><?xml version="1.0" encoding="utf-8"?>
 <p:sldLayout xmlns:a="http://schemas.openxmlformats.org/drawingml/2006/main" xmlns:r="http://schemas.openxmlformats.org/officeDocument/2006/relationships" xmlns:p="http://schemas.openxmlformats.org/presentationml/2006/main" matchingName="Section header" type="secHead">
   <p:cSld name="SECTION_HEADER">
@@ -9544,622 +6577,6 @@
 </p:sldLayout>
 </file>
 
-<file path=ppt/slideLayouts/slideLayout20.xml><?xml version="1.0" encoding="utf-8"?>
-<p:sldLayout xmlns:a="http://schemas.openxmlformats.org/drawingml/2006/main" xmlns:r="http://schemas.openxmlformats.org/officeDocument/2006/relationships" xmlns:p="http://schemas.openxmlformats.org/presentationml/2006/main" matchingName="Caption">
-  <p:cSld name="CAPTION_ONLY">
-    <p:spTree>
-      <p:nvGrpSpPr>
-        <p:cNvPr id="1" name="Shape 162"/>
-        <p:cNvGrpSpPr/>
-        <p:nvPr/>
-      </p:nvGrpSpPr>
-      <p:grpSpPr>
-        <a:xfrm>
-          <a:off x="0" y="0"/>
-          <a:ext cx="0" cy="0"/>
-          <a:chOff x="0" y="0"/>
-          <a:chExt cx="0" cy="0"/>
-        </a:xfrm>
-      </p:grpSpPr>
-      <p:sp>
-        <p:nvSpPr>
-          <p:cNvPr id="163" name="Google Shape;163;p34"/>
-          <p:cNvSpPr txBox="1">
-            <a:spLocks noGrp="1"/>
-          </p:cNvSpPr>
-          <p:nvPr>
-            <p:ph type="body" idx="1"/>
-          </p:nvPr>
-        </p:nvSpPr>
-        <p:spPr>
-          <a:xfrm>
-            <a:off x="311700" y="4230575"/>
-            <a:ext cx="5998800" cy="605100"/>
-          </a:xfrm>
-          <a:prstGeom prst="rect">
-            <a:avLst/>
-          </a:prstGeom>
-        </p:spPr>
-        <p:txBody>
-          <a:bodyPr spcFirstLastPara="1" wrap="square" lIns="91425" tIns="91425" rIns="91425" bIns="91425" anchor="ctr" anchorCtr="0">
-            <a:normAutofit/>
-          </a:bodyPr>
-          <a:lstStyle>
-            <a:lvl1pPr marL="457200" lvl="0" indent="-228600" rtl="0">
-              <a:lnSpc>
-                <a:spcPct val="100000"/>
-              </a:lnSpc>
-              <a:spcBef>
-                <a:spcPts val="0"/>
-              </a:spcBef>
-              <a:spcAft>
-                <a:spcPts val="0"/>
-              </a:spcAft>
-              <a:buSzPts val="1800"/>
-              <a:buNone/>
-              <a:defRPr/>
-            </a:lvl1pPr>
-          </a:lstStyle>
-          <a:p>
-            <a:endParaRPr/>
-          </a:p>
-        </p:txBody>
-      </p:sp>
-      <p:sp>
-        <p:nvSpPr>
-          <p:cNvPr id="164" name="Google Shape;164;p34"/>
-          <p:cNvSpPr txBox="1">
-            <a:spLocks noGrp="1"/>
-          </p:cNvSpPr>
-          <p:nvPr>
-            <p:ph type="sldNum" idx="12"/>
-          </p:nvPr>
-        </p:nvSpPr>
-        <p:spPr>
-          <a:xfrm>
-            <a:off x="8472458" y="4663217"/>
-            <a:ext cx="548700" cy="393600"/>
-          </a:xfrm>
-          <a:prstGeom prst="rect">
-            <a:avLst/>
-          </a:prstGeom>
-        </p:spPr>
-        <p:txBody>
-          <a:bodyPr spcFirstLastPara="1" wrap="square" lIns="91425" tIns="91425" rIns="91425" bIns="91425" anchor="ctr" anchorCtr="0">
-            <a:normAutofit/>
-          </a:bodyPr>
-          <a:lstStyle>
-            <a:lvl1pPr lvl="0" rtl="0">
-              <a:buNone/>
-              <a:defRPr/>
-            </a:lvl1pPr>
-            <a:lvl2pPr lvl="1" rtl="0">
-              <a:buNone/>
-              <a:defRPr/>
-            </a:lvl2pPr>
-            <a:lvl3pPr lvl="2" rtl="0">
-              <a:buNone/>
-              <a:defRPr/>
-            </a:lvl3pPr>
-            <a:lvl4pPr lvl="3" rtl="0">
-              <a:buNone/>
-              <a:defRPr/>
-            </a:lvl4pPr>
-            <a:lvl5pPr lvl="4" rtl="0">
-              <a:buNone/>
-              <a:defRPr/>
-            </a:lvl5pPr>
-            <a:lvl6pPr lvl="5" rtl="0">
-              <a:buNone/>
-              <a:defRPr/>
-            </a:lvl6pPr>
-            <a:lvl7pPr lvl="6" rtl="0">
-              <a:buNone/>
-              <a:defRPr/>
-            </a:lvl7pPr>
-            <a:lvl8pPr lvl="7" rtl="0">
-              <a:buNone/>
-              <a:defRPr/>
-            </a:lvl8pPr>
-            <a:lvl9pPr lvl="8" rtl="0">
-              <a:buNone/>
-              <a:defRPr/>
-            </a:lvl9pPr>
-          </a:lstStyle>
-          <a:p>
-            <a:pPr marL="0" lvl="0" indent="0" algn="r" rtl="0">
-              <a:spcBef>
-                <a:spcPts val="0"/>
-              </a:spcBef>
-              <a:spcAft>
-                <a:spcPts val="0"/>
-              </a:spcAft>
-              <a:buNone/>
-            </a:pPr>
-            <a:fld id="{00000000-1234-1234-1234-123412341234}" type="slidenum">
-              <a:rPr lang="en"/>
-              <a:t>‹#›</a:t>
-            </a:fld>
-            <a:endParaRPr/>
-          </a:p>
-        </p:txBody>
-      </p:sp>
-    </p:spTree>
-  </p:cSld>
-  <p:clrMapOvr>
-    <a:masterClrMapping/>
-  </p:clrMapOvr>
-</p:sldLayout>
-</file>
-
-<file path=ppt/slideLayouts/slideLayout21.xml><?xml version="1.0" encoding="utf-8"?>
-<p:sldLayout xmlns:a="http://schemas.openxmlformats.org/drawingml/2006/main" xmlns:r="http://schemas.openxmlformats.org/officeDocument/2006/relationships" xmlns:p="http://schemas.openxmlformats.org/presentationml/2006/main" matchingName="Big number">
-  <p:cSld name="BIG_NUMBER">
-    <p:spTree>
-      <p:nvGrpSpPr>
-        <p:cNvPr id="1" name="Shape 165"/>
-        <p:cNvGrpSpPr/>
-        <p:nvPr/>
-      </p:nvGrpSpPr>
-      <p:grpSpPr>
-        <a:xfrm>
-          <a:off x="0" y="0"/>
-          <a:ext cx="0" cy="0"/>
-          <a:chOff x="0" y="0"/>
-          <a:chExt cx="0" cy="0"/>
-        </a:xfrm>
-      </p:grpSpPr>
-      <p:sp>
-        <p:nvSpPr>
-          <p:cNvPr id="166" name="Google Shape;166;p35"/>
-          <p:cNvSpPr txBox="1">
-            <a:spLocks noGrp="1"/>
-          </p:cNvSpPr>
-          <p:nvPr>
-            <p:ph type="title" hasCustomPrompt="1"/>
-          </p:nvPr>
-        </p:nvSpPr>
-        <p:spPr>
-          <a:xfrm>
-            <a:off x="311700" y="1106125"/>
-            <a:ext cx="8520600" cy="1963500"/>
-          </a:xfrm>
-          <a:prstGeom prst="rect">
-            <a:avLst/>
-          </a:prstGeom>
-        </p:spPr>
-        <p:txBody>
-          <a:bodyPr spcFirstLastPara="1" wrap="square" lIns="91425" tIns="91425" rIns="91425" bIns="91425" anchor="b" anchorCtr="0">
-            <a:normAutofit/>
-          </a:bodyPr>
-          <a:lstStyle>
-            <a:lvl1pPr lvl="0" algn="ctr" rtl="0">
-              <a:spcBef>
-                <a:spcPts val="0"/>
-              </a:spcBef>
-              <a:spcAft>
-                <a:spcPts val="0"/>
-              </a:spcAft>
-              <a:buSzPts val="12000"/>
-              <a:buNone/>
-              <a:defRPr sz="12000"/>
-            </a:lvl1pPr>
-            <a:lvl2pPr lvl="1" algn="ctr" rtl="0">
-              <a:spcBef>
-                <a:spcPts val="0"/>
-              </a:spcBef>
-              <a:spcAft>
-                <a:spcPts val="0"/>
-              </a:spcAft>
-              <a:buSzPts val="12000"/>
-              <a:buNone/>
-              <a:defRPr sz="12000"/>
-            </a:lvl2pPr>
-            <a:lvl3pPr lvl="2" algn="ctr" rtl="0">
-              <a:spcBef>
-                <a:spcPts val="0"/>
-              </a:spcBef>
-              <a:spcAft>
-                <a:spcPts val="0"/>
-              </a:spcAft>
-              <a:buSzPts val="12000"/>
-              <a:buNone/>
-              <a:defRPr sz="12000"/>
-            </a:lvl3pPr>
-            <a:lvl4pPr lvl="3" algn="ctr" rtl="0">
-              <a:spcBef>
-                <a:spcPts val="0"/>
-              </a:spcBef>
-              <a:spcAft>
-                <a:spcPts val="0"/>
-              </a:spcAft>
-              <a:buSzPts val="12000"/>
-              <a:buNone/>
-              <a:defRPr sz="12000"/>
-            </a:lvl4pPr>
-            <a:lvl5pPr lvl="4" algn="ctr" rtl="0">
-              <a:spcBef>
-                <a:spcPts val="0"/>
-              </a:spcBef>
-              <a:spcAft>
-                <a:spcPts val="0"/>
-              </a:spcAft>
-              <a:buSzPts val="12000"/>
-              <a:buNone/>
-              <a:defRPr sz="12000"/>
-            </a:lvl5pPr>
-            <a:lvl6pPr lvl="5" algn="ctr" rtl="0">
-              <a:spcBef>
-                <a:spcPts val="0"/>
-              </a:spcBef>
-              <a:spcAft>
-                <a:spcPts val="0"/>
-              </a:spcAft>
-              <a:buSzPts val="12000"/>
-              <a:buNone/>
-              <a:defRPr sz="12000"/>
-            </a:lvl6pPr>
-            <a:lvl7pPr lvl="6" algn="ctr" rtl="0">
-              <a:spcBef>
-                <a:spcPts val="0"/>
-              </a:spcBef>
-              <a:spcAft>
-                <a:spcPts val="0"/>
-              </a:spcAft>
-              <a:buSzPts val="12000"/>
-              <a:buNone/>
-              <a:defRPr sz="12000"/>
-            </a:lvl7pPr>
-            <a:lvl8pPr lvl="7" algn="ctr" rtl="0">
-              <a:spcBef>
-                <a:spcPts val="0"/>
-              </a:spcBef>
-              <a:spcAft>
-                <a:spcPts val="0"/>
-              </a:spcAft>
-              <a:buSzPts val="12000"/>
-              <a:buNone/>
-              <a:defRPr sz="12000"/>
-            </a:lvl8pPr>
-            <a:lvl9pPr lvl="8" algn="ctr" rtl="0">
-              <a:spcBef>
-                <a:spcPts val="0"/>
-              </a:spcBef>
-              <a:spcAft>
-                <a:spcPts val="0"/>
-              </a:spcAft>
-              <a:buSzPts val="12000"/>
-              <a:buNone/>
-              <a:defRPr sz="12000"/>
-            </a:lvl9pPr>
-          </a:lstStyle>
-          <a:p>
-            <a:r>
-              <a:t>xx%</a:t>
-            </a:r>
-          </a:p>
-        </p:txBody>
-      </p:sp>
-      <p:sp>
-        <p:nvSpPr>
-          <p:cNvPr id="167" name="Google Shape;167;p35"/>
-          <p:cNvSpPr txBox="1">
-            <a:spLocks noGrp="1"/>
-          </p:cNvSpPr>
-          <p:nvPr>
-            <p:ph type="body" idx="1"/>
-          </p:nvPr>
-        </p:nvSpPr>
-        <p:spPr>
-          <a:xfrm>
-            <a:off x="311700" y="3152225"/>
-            <a:ext cx="8520600" cy="1300800"/>
-          </a:xfrm>
-          <a:prstGeom prst="rect">
-            <a:avLst/>
-          </a:prstGeom>
-        </p:spPr>
-        <p:txBody>
-          <a:bodyPr spcFirstLastPara="1" wrap="square" lIns="91425" tIns="91425" rIns="91425" bIns="91425" anchor="t" anchorCtr="0">
-            <a:normAutofit/>
-          </a:bodyPr>
-          <a:lstStyle>
-            <a:lvl1pPr marL="457200" lvl="0" indent="-342900" algn="ctr" rtl="0">
-              <a:spcBef>
-                <a:spcPts val="0"/>
-              </a:spcBef>
-              <a:spcAft>
-                <a:spcPts val="0"/>
-              </a:spcAft>
-              <a:buSzPts val="1800"/>
-              <a:buChar char="●"/>
-              <a:defRPr/>
-            </a:lvl1pPr>
-            <a:lvl2pPr marL="914400" lvl="1" indent="-317500" algn="ctr" rtl="0">
-              <a:spcBef>
-                <a:spcPts val="0"/>
-              </a:spcBef>
-              <a:spcAft>
-                <a:spcPts val="0"/>
-              </a:spcAft>
-              <a:buSzPts val="1400"/>
-              <a:buChar char="○"/>
-              <a:defRPr/>
-            </a:lvl2pPr>
-            <a:lvl3pPr marL="1371600" lvl="2" indent="-317500" algn="ctr" rtl="0">
-              <a:spcBef>
-                <a:spcPts val="0"/>
-              </a:spcBef>
-              <a:spcAft>
-                <a:spcPts val="0"/>
-              </a:spcAft>
-              <a:buSzPts val="1400"/>
-              <a:buChar char="■"/>
-              <a:defRPr/>
-            </a:lvl3pPr>
-            <a:lvl4pPr marL="1828800" lvl="3" indent="-317500" algn="ctr" rtl="0">
-              <a:spcBef>
-                <a:spcPts val="0"/>
-              </a:spcBef>
-              <a:spcAft>
-                <a:spcPts val="0"/>
-              </a:spcAft>
-              <a:buSzPts val="1400"/>
-              <a:buChar char="●"/>
-              <a:defRPr/>
-            </a:lvl4pPr>
-            <a:lvl5pPr marL="2286000" lvl="4" indent="-317500" algn="ctr" rtl="0">
-              <a:spcBef>
-                <a:spcPts val="0"/>
-              </a:spcBef>
-              <a:spcAft>
-                <a:spcPts val="0"/>
-              </a:spcAft>
-              <a:buSzPts val="1400"/>
-              <a:buChar char="○"/>
-              <a:defRPr/>
-            </a:lvl5pPr>
-            <a:lvl6pPr marL="2743200" lvl="5" indent="-317500" algn="ctr" rtl="0">
-              <a:spcBef>
-                <a:spcPts val="0"/>
-              </a:spcBef>
-              <a:spcAft>
-                <a:spcPts val="0"/>
-              </a:spcAft>
-              <a:buSzPts val="1400"/>
-              <a:buChar char="■"/>
-              <a:defRPr/>
-            </a:lvl6pPr>
-            <a:lvl7pPr marL="3200400" lvl="6" indent="-317500" algn="ctr" rtl="0">
-              <a:spcBef>
-                <a:spcPts val="0"/>
-              </a:spcBef>
-              <a:spcAft>
-                <a:spcPts val="0"/>
-              </a:spcAft>
-              <a:buSzPts val="1400"/>
-              <a:buChar char="●"/>
-              <a:defRPr/>
-            </a:lvl7pPr>
-            <a:lvl8pPr marL="3657600" lvl="7" indent="-317500" algn="ctr" rtl="0">
-              <a:spcBef>
-                <a:spcPts val="0"/>
-              </a:spcBef>
-              <a:spcAft>
-                <a:spcPts val="0"/>
-              </a:spcAft>
-              <a:buSzPts val="1400"/>
-              <a:buChar char="○"/>
-              <a:defRPr/>
-            </a:lvl8pPr>
-            <a:lvl9pPr marL="4114800" lvl="8" indent="-317500" algn="ctr" rtl="0">
-              <a:spcBef>
-                <a:spcPts val="0"/>
-              </a:spcBef>
-              <a:spcAft>
-                <a:spcPts val="0"/>
-              </a:spcAft>
-              <a:buSzPts val="1400"/>
-              <a:buChar char="■"/>
-              <a:defRPr/>
-            </a:lvl9pPr>
-          </a:lstStyle>
-          <a:p>
-            <a:endParaRPr/>
-          </a:p>
-        </p:txBody>
-      </p:sp>
-      <p:sp>
-        <p:nvSpPr>
-          <p:cNvPr id="168" name="Google Shape;168;p35"/>
-          <p:cNvSpPr txBox="1">
-            <a:spLocks noGrp="1"/>
-          </p:cNvSpPr>
-          <p:nvPr>
-            <p:ph type="sldNum" idx="12"/>
-          </p:nvPr>
-        </p:nvSpPr>
-        <p:spPr>
-          <a:xfrm>
-            <a:off x="8472458" y="4663217"/>
-            <a:ext cx="548700" cy="393600"/>
-          </a:xfrm>
-          <a:prstGeom prst="rect">
-            <a:avLst/>
-          </a:prstGeom>
-        </p:spPr>
-        <p:txBody>
-          <a:bodyPr spcFirstLastPara="1" wrap="square" lIns="91425" tIns="91425" rIns="91425" bIns="91425" anchor="ctr" anchorCtr="0">
-            <a:normAutofit/>
-          </a:bodyPr>
-          <a:lstStyle>
-            <a:lvl1pPr lvl="0" rtl="0">
-              <a:buNone/>
-              <a:defRPr/>
-            </a:lvl1pPr>
-            <a:lvl2pPr lvl="1" rtl="0">
-              <a:buNone/>
-              <a:defRPr/>
-            </a:lvl2pPr>
-            <a:lvl3pPr lvl="2" rtl="0">
-              <a:buNone/>
-              <a:defRPr/>
-            </a:lvl3pPr>
-            <a:lvl4pPr lvl="3" rtl="0">
-              <a:buNone/>
-              <a:defRPr/>
-            </a:lvl4pPr>
-            <a:lvl5pPr lvl="4" rtl="0">
-              <a:buNone/>
-              <a:defRPr/>
-            </a:lvl5pPr>
-            <a:lvl6pPr lvl="5" rtl="0">
-              <a:buNone/>
-              <a:defRPr/>
-            </a:lvl6pPr>
-            <a:lvl7pPr lvl="6" rtl="0">
-              <a:buNone/>
-              <a:defRPr/>
-            </a:lvl7pPr>
-            <a:lvl8pPr lvl="7" rtl="0">
-              <a:buNone/>
-              <a:defRPr/>
-            </a:lvl8pPr>
-            <a:lvl9pPr lvl="8" rtl="0">
-              <a:buNone/>
-              <a:defRPr/>
-            </a:lvl9pPr>
-          </a:lstStyle>
-          <a:p>
-            <a:pPr marL="0" lvl="0" indent="0" algn="r" rtl="0">
-              <a:spcBef>
-                <a:spcPts val="0"/>
-              </a:spcBef>
-              <a:spcAft>
-                <a:spcPts val="0"/>
-              </a:spcAft>
-              <a:buNone/>
-            </a:pPr>
-            <a:fld id="{00000000-1234-1234-1234-123412341234}" type="slidenum">
-              <a:rPr lang="en"/>
-              <a:t>‹#›</a:t>
-            </a:fld>
-            <a:endParaRPr/>
-          </a:p>
-        </p:txBody>
-      </p:sp>
-    </p:spTree>
-  </p:cSld>
-  <p:clrMapOvr>
-    <a:masterClrMapping/>
-  </p:clrMapOvr>
-</p:sldLayout>
-</file>
-
-<file path=ppt/slideLayouts/slideLayout22.xml><?xml version="1.0" encoding="utf-8"?>
-<p:sldLayout xmlns:a="http://schemas.openxmlformats.org/drawingml/2006/main" xmlns:r="http://schemas.openxmlformats.org/officeDocument/2006/relationships" xmlns:p="http://schemas.openxmlformats.org/presentationml/2006/main" matchingName="Blank" type="blank">
-  <p:cSld name="BLANK">
-    <p:spTree>
-      <p:nvGrpSpPr>
-        <p:cNvPr id="1" name="Shape 169"/>
-        <p:cNvGrpSpPr/>
-        <p:nvPr/>
-      </p:nvGrpSpPr>
-      <p:grpSpPr>
-        <a:xfrm>
-          <a:off x="0" y="0"/>
-          <a:ext cx="0" cy="0"/>
-          <a:chOff x="0" y="0"/>
-          <a:chExt cx="0" cy="0"/>
-        </a:xfrm>
-      </p:grpSpPr>
-      <p:sp>
-        <p:nvSpPr>
-          <p:cNvPr id="170" name="Google Shape;170;p36"/>
-          <p:cNvSpPr txBox="1">
-            <a:spLocks noGrp="1"/>
-          </p:cNvSpPr>
-          <p:nvPr>
-            <p:ph type="sldNum" idx="12"/>
-          </p:nvPr>
-        </p:nvSpPr>
-        <p:spPr>
-          <a:xfrm>
-            <a:off x="8472458" y="4663217"/>
-            <a:ext cx="548700" cy="393600"/>
-          </a:xfrm>
-          <a:prstGeom prst="rect">
-            <a:avLst/>
-          </a:prstGeom>
-        </p:spPr>
-        <p:txBody>
-          <a:bodyPr spcFirstLastPara="1" wrap="square" lIns="91425" tIns="91425" rIns="91425" bIns="91425" anchor="ctr" anchorCtr="0">
-            <a:normAutofit/>
-          </a:bodyPr>
-          <a:lstStyle>
-            <a:lvl1pPr lvl="0" rtl="0">
-              <a:buNone/>
-              <a:defRPr/>
-            </a:lvl1pPr>
-            <a:lvl2pPr lvl="1" rtl="0">
-              <a:buNone/>
-              <a:defRPr/>
-            </a:lvl2pPr>
-            <a:lvl3pPr lvl="2" rtl="0">
-              <a:buNone/>
-              <a:defRPr/>
-            </a:lvl3pPr>
-            <a:lvl4pPr lvl="3" rtl="0">
-              <a:buNone/>
-              <a:defRPr/>
-            </a:lvl4pPr>
-            <a:lvl5pPr lvl="4" rtl="0">
-              <a:buNone/>
-              <a:defRPr/>
-            </a:lvl5pPr>
-            <a:lvl6pPr lvl="5" rtl="0">
-              <a:buNone/>
-              <a:defRPr/>
-            </a:lvl6pPr>
-            <a:lvl7pPr lvl="6" rtl="0">
-              <a:buNone/>
-              <a:defRPr/>
-            </a:lvl7pPr>
-            <a:lvl8pPr lvl="7" rtl="0">
-              <a:buNone/>
-              <a:defRPr/>
-            </a:lvl8pPr>
-            <a:lvl9pPr lvl="8" rtl="0">
-              <a:buNone/>
-              <a:defRPr/>
-            </a:lvl9pPr>
-          </a:lstStyle>
-          <a:p>
-            <a:pPr marL="0" lvl="0" indent="0" algn="r" rtl="0">
-              <a:spcBef>
-                <a:spcPts val="0"/>
-              </a:spcBef>
-              <a:spcAft>
-                <a:spcPts val="0"/>
-              </a:spcAft>
-              <a:buNone/>
-            </a:pPr>
-            <a:fld id="{00000000-1234-1234-1234-123412341234}" type="slidenum">
-              <a:rPr lang="en"/>
-              <a:t>‹#›</a:t>
-            </a:fld>
-            <a:endParaRPr/>
-          </a:p>
-        </p:txBody>
-      </p:sp>
-    </p:spTree>
-  </p:cSld>
-  <p:clrMapOvr>
-    <a:masterClrMapping/>
-  </p:clrMapOvr>
-</p:sldLayout>
-</file>
-
 <file path=ppt/slideLayouts/slideLayout3.xml><?xml version="1.0" encoding="utf-8"?>
 <p:sldLayout xmlns:a="http://schemas.openxmlformats.org/drawingml/2006/main" xmlns:r="http://schemas.openxmlformats.org/officeDocument/2006/relationships" xmlns:p="http://schemas.openxmlformats.org/presentationml/2006/main" matchingName="Title and body" type="tx">
   <p:cSld name="TITLE_AND_BODY">
@@ -13985,1278 +10402,6 @@
     <p:sldLayoutId id="2147483656" r:id="rId9"/>
     <p:sldLayoutId id="2147483657" r:id="rId10"/>
     <p:sldLayoutId id="2147483658" r:id="rId11"/>
-  </p:sldLayoutIdLst>
-  <p:hf hdr="0" ftr="0" dt="0"/>
-  <p:txStyles>
-    <p:titleStyle>
-      <a:defPPr marR="0" lvl="0" algn="l" rtl="0">
-        <a:lnSpc>
-          <a:spcPct val="100000"/>
-        </a:lnSpc>
-        <a:spcBef>
-          <a:spcPts val="0"/>
-        </a:spcBef>
-        <a:spcAft>
-          <a:spcPts val="0"/>
-        </a:spcAft>
-      </a:defPPr>
-      <a:lvl1pPr marR="0" lvl="0" algn="l" rtl="0">
-        <a:lnSpc>
-          <a:spcPct val="100000"/>
-        </a:lnSpc>
-        <a:spcBef>
-          <a:spcPts val="0"/>
-        </a:spcBef>
-        <a:spcAft>
-          <a:spcPts val="0"/>
-        </a:spcAft>
-        <a:buClr>
-          <a:srgbClr val="000000"/>
-        </a:buClr>
-        <a:buFont typeface="Arial"/>
-        <a:defRPr sz="1400" b="0" i="0" u="none" strike="noStrike" cap="none">
-          <a:solidFill>
-            <a:srgbClr val="000000"/>
-          </a:solidFill>
-          <a:latin typeface="Arial"/>
-          <a:ea typeface="Arial"/>
-          <a:cs typeface="Arial"/>
-          <a:sym typeface="Arial"/>
-        </a:defRPr>
-      </a:lvl1pPr>
-      <a:lvl2pPr marR="0" lvl="1" algn="l" rtl="0">
-        <a:lnSpc>
-          <a:spcPct val="100000"/>
-        </a:lnSpc>
-        <a:spcBef>
-          <a:spcPts val="0"/>
-        </a:spcBef>
-        <a:spcAft>
-          <a:spcPts val="0"/>
-        </a:spcAft>
-        <a:buClr>
-          <a:srgbClr val="000000"/>
-        </a:buClr>
-        <a:buFont typeface="Arial"/>
-        <a:defRPr sz="1400" b="0" i="0" u="none" strike="noStrike" cap="none">
-          <a:solidFill>
-            <a:srgbClr val="000000"/>
-          </a:solidFill>
-          <a:latin typeface="Arial"/>
-          <a:ea typeface="Arial"/>
-          <a:cs typeface="Arial"/>
-          <a:sym typeface="Arial"/>
-        </a:defRPr>
-      </a:lvl2pPr>
-      <a:lvl3pPr marR="0" lvl="2" algn="l" rtl="0">
-        <a:lnSpc>
-          <a:spcPct val="100000"/>
-        </a:lnSpc>
-        <a:spcBef>
-          <a:spcPts val="0"/>
-        </a:spcBef>
-        <a:spcAft>
-          <a:spcPts val="0"/>
-        </a:spcAft>
-        <a:buClr>
-          <a:srgbClr val="000000"/>
-        </a:buClr>
-        <a:buFont typeface="Arial"/>
-        <a:defRPr sz="1400" b="0" i="0" u="none" strike="noStrike" cap="none">
-          <a:solidFill>
-            <a:srgbClr val="000000"/>
-          </a:solidFill>
-          <a:latin typeface="Arial"/>
-          <a:ea typeface="Arial"/>
-          <a:cs typeface="Arial"/>
-          <a:sym typeface="Arial"/>
-        </a:defRPr>
-      </a:lvl3pPr>
-      <a:lvl4pPr marR="0" lvl="3" algn="l" rtl="0">
-        <a:lnSpc>
-          <a:spcPct val="100000"/>
-        </a:lnSpc>
-        <a:spcBef>
-          <a:spcPts val="0"/>
-        </a:spcBef>
-        <a:spcAft>
-          <a:spcPts val="0"/>
-        </a:spcAft>
-        <a:buClr>
-          <a:srgbClr val="000000"/>
-        </a:buClr>
-        <a:buFont typeface="Arial"/>
-        <a:defRPr sz="1400" b="0" i="0" u="none" strike="noStrike" cap="none">
-          <a:solidFill>
-            <a:srgbClr val="000000"/>
-          </a:solidFill>
-          <a:latin typeface="Arial"/>
-          <a:ea typeface="Arial"/>
-          <a:cs typeface="Arial"/>
-          <a:sym typeface="Arial"/>
-        </a:defRPr>
-      </a:lvl4pPr>
-      <a:lvl5pPr marR="0" lvl="4" algn="l" rtl="0">
-        <a:lnSpc>
-          <a:spcPct val="100000"/>
-        </a:lnSpc>
-        <a:spcBef>
-          <a:spcPts val="0"/>
-        </a:spcBef>
-        <a:spcAft>
-          <a:spcPts val="0"/>
-        </a:spcAft>
-        <a:buClr>
-          <a:srgbClr val="000000"/>
-        </a:buClr>
-        <a:buFont typeface="Arial"/>
-        <a:defRPr sz="1400" b="0" i="0" u="none" strike="noStrike" cap="none">
-          <a:solidFill>
-            <a:srgbClr val="000000"/>
-          </a:solidFill>
-          <a:latin typeface="Arial"/>
-          <a:ea typeface="Arial"/>
-          <a:cs typeface="Arial"/>
-          <a:sym typeface="Arial"/>
-        </a:defRPr>
-      </a:lvl5pPr>
-      <a:lvl6pPr marR="0" lvl="5" algn="l" rtl="0">
-        <a:lnSpc>
-          <a:spcPct val="100000"/>
-        </a:lnSpc>
-        <a:spcBef>
-          <a:spcPts val="0"/>
-        </a:spcBef>
-        <a:spcAft>
-          <a:spcPts val="0"/>
-        </a:spcAft>
-        <a:buClr>
-          <a:srgbClr val="000000"/>
-        </a:buClr>
-        <a:buFont typeface="Arial"/>
-        <a:defRPr sz="1400" b="0" i="0" u="none" strike="noStrike" cap="none">
-          <a:solidFill>
-            <a:srgbClr val="000000"/>
-          </a:solidFill>
-          <a:latin typeface="Arial"/>
-          <a:ea typeface="Arial"/>
-          <a:cs typeface="Arial"/>
-          <a:sym typeface="Arial"/>
-        </a:defRPr>
-      </a:lvl6pPr>
-      <a:lvl7pPr marR="0" lvl="6" algn="l" rtl="0">
-        <a:lnSpc>
-          <a:spcPct val="100000"/>
-        </a:lnSpc>
-        <a:spcBef>
-          <a:spcPts val="0"/>
-        </a:spcBef>
-        <a:spcAft>
-          <a:spcPts val="0"/>
-        </a:spcAft>
-        <a:buClr>
-          <a:srgbClr val="000000"/>
-        </a:buClr>
-        <a:buFont typeface="Arial"/>
-        <a:defRPr sz="1400" b="0" i="0" u="none" strike="noStrike" cap="none">
-          <a:solidFill>
-            <a:srgbClr val="000000"/>
-          </a:solidFill>
-          <a:latin typeface="Arial"/>
-          <a:ea typeface="Arial"/>
-          <a:cs typeface="Arial"/>
-          <a:sym typeface="Arial"/>
-        </a:defRPr>
-      </a:lvl7pPr>
-      <a:lvl8pPr marR="0" lvl="7" algn="l" rtl="0">
-        <a:lnSpc>
-          <a:spcPct val="100000"/>
-        </a:lnSpc>
-        <a:spcBef>
-          <a:spcPts val="0"/>
-        </a:spcBef>
-        <a:spcAft>
-          <a:spcPts val="0"/>
-        </a:spcAft>
-        <a:buClr>
-          <a:srgbClr val="000000"/>
-        </a:buClr>
-        <a:buFont typeface="Arial"/>
-        <a:defRPr sz="1400" b="0" i="0" u="none" strike="noStrike" cap="none">
-          <a:solidFill>
-            <a:srgbClr val="000000"/>
-          </a:solidFill>
-          <a:latin typeface="Arial"/>
-          <a:ea typeface="Arial"/>
-          <a:cs typeface="Arial"/>
-          <a:sym typeface="Arial"/>
-        </a:defRPr>
-      </a:lvl8pPr>
-      <a:lvl9pPr marR="0" lvl="8" algn="l" rtl="0">
-        <a:lnSpc>
-          <a:spcPct val="100000"/>
-        </a:lnSpc>
-        <a:spcBef>
-          <a:spcPts val="0"/>
-        </a:spcBef>
-        <a:spcAft>
-          <a:spcPts val="0"/>
-        </a:spcAft>
-        <a:buClr>
-          <a:srgbClr val="000000"/>
-        </a:buClr>
-        <a:buFont typeface="Arial"/>
-        <a:defRPr sz="1400" b="0" i="0" u="none" strike="noStrike" cap="none">
-          <a:solidFill>
-            <a:srgbClr val="000000"/>
-          </a:solidFill>
-          <a:latin typeface="Arial"/>
-          <a:ea typeface="Arial"/>
-          <a:cs typeface="Arial"/>
-          <a:sym typeface="Arial"/>
-        </a:defRPr>
-      </a:lvl9pPr>
-    </p:titleStyle>
-    <p:bodyStyle>
-      <a:defPPr marR="0" lvl="0" algn="l" rtl="0">
-        <a:lnSpc>
-          <a:spcPct val="100000"/>
-        </a:lnSpc>
-        <a:spcBef>
-          <a:spcPts val="0"/>
-        </a:spcBef>
-        <a:spcAft>
-          <a:spcPts val="0"/>
-        </a:spcAft>
-      </a:defPPr>
-      <a:lvl1pPr marR="0" lvl="0" algn="l" rtl="0">
-        <a:lnSpc>
-          <a:spcPct val="100000"/>
-        </a:lnSpc>
-        <a:spcBef>
-          <a:spcPts val="0"/>
-        </a:spcBef>
-        <a:spcAft>
-          <a:spcPts val="0"/>
-        </a:spcAft>
-        <a:buClr>
-          <a:srgbClr val="000000"/>
-        </a:buClr>
-        <a:buFont typeface="Arial"/>
-        <a:defRPr sz="1400" b="0" i="0" u="none" strike="noStrike" cap="none">
-          <a:solidFill>
-            <a:srgbClr val="000000"/>
-          </a:solidFill>
-          <a:latin typeface="Arial"/>
-          <a:ea typeface="Arial"/>
-          <a:cs typeface="Arial"/>
-          <a:sym typeface="Arial"/>
-        </a:defRPr>
-      </a:lvl1pPr>
-      <a:lvl2pPr marR="0" lvl="1" algn="l" rtl="0">
-        <a:lnSpc>
-          <a:spcPct val="100000"/>
-        </a:lnSpc>
-        <a:spcBef>
-          <a:spcPts val="0"/>
-        </a:spcBef>
-        <a:spcAft>
-          <a:spcPts val="0"/>
-        </a:spcAft>
-        <a:buClr>
-          <a:srgbClr val="000000"/>
-        </a:buClr>
-        <a:buFont typeface="Arial"/>
-        <a:defRPr sz="1400" b="0" i="0" u="none" strike="noStrike" cap="none">
-          <a:solidFill>
-            <a:srgbClr val="000000"/>
-          </a:solidFill>
-          <a:latin typeface="Arial"/>
-          <a:ea typeface="Arial"/>
-          <a:cs typeface="Arial"/>
-          <a:sym typeface="Arial"/>
-        </a:defRPr>
-      </a:lvl2pPr>
-      <a:lvl3pPr marR="0" lvl="2" algn="l" rtl="0">
-        <a:lnSpc>
-          <a:spcPct val="100000"/>
-        </a:lnSpc>
-        <a:spcBef>
-          <a:spcPts val="0"/>
-        </a:spcBef>
-        <a:spcAft>
-          <a:spcPts val="0"/>
-        </a:spcAft>
-        <a:buClr>
-          <a:srgbClr val="000000"/>
-        </a:buClr>
-        <a:buFont typeface="Arial"/>
-        <a:defRPr sz="1400" b="0" i="0" u="none" strike="noStrike" cap="none">
-          <a:solidFill>
-            <a:srgbClr val="000000"/>
-          </a:solidFill>
-          <a:latin typeface="Arial"/>
-          <a:ea typeface="Arial"/>
-          <a:cs typeface="Arial"/>
-          <a:sym typeface="Arial"/>
-        </a:defRPr>
-      </a:lvl3pPr>
-      <a:lvl4pPr marR="0" lvl="3" algn="l" rtl="0">
-        <a:lnSpc>
-          <a:spcPct val="100000"/>
-        </a:lnSpc>
-        <a:spcBef>
-          <a:spcPts val="0"/>
-        </a:spcBef>
-        <a:spcAft>
-          <a:spcPts val="0"/>
-        </a:spcAft>
-        <a:buClr>
-          <a:srgbClr val="000000"/>
-        </a:buClr>
-        <a:buFont typeface="Arial"/>
-        <a:defRPr sz="1400" b="0" i="0" u="none" strike="noStrike" cap="none">
-          <a:solidFill>
-            <a:srgbClr val="000000"/>
-          </a:solidFill>
-          <a:latin typeface="Arial"/>
-          <a:ea typeface="Arial"/>
-          <a:cs typeface="Arial"/>
-          <a:sym typeface="Arial"/>
-        </a:defRPr>
-      </a:lvl4pPr>
-      <a:lvl5pPr marR="0" lvl="4" algn="l" rtl="0">
-        <a:lnSpc>
-          <a:spcPct val="100000"/>
-        </a:lnSpc>
-        <a:spcBef>
-          <a:spcPts val="0"/>
-        </a:spcBef>
-        <a:spcAft>
-          <a:spcPts val="0"/>
-        </a:spcAft>
-        <a:buClr>
-          <a:srgbClr val="000000"/>
-        </a:buClr>
-        <a:buFont typeface="Arial"/>
-        <a:defRPr sz="1400" b="0" i="0" u="none" strike="noStrike" cap="none">
-          <a:solidFill>
-            <a:srgbClr val="000000"/>
-          </a:solidFill>
-          <a:latin typeface="Arial"/>
-          <a:ea typeface="Arial"/>
-          <a:cs typeface="Arial"/>
-          <a:sym typeface="Arial"/>
-        </a:defRPr>
-      </a:lvl5pPr>
-      <a:lvl6pPr marR="0" lvl="5" algn="l" rtl="0">
-        <a:lnSpc>
-          <a:spcPct val="100000"/>
-        </a:lnSpc>
-        <a:spcBef>
-          <a:spcPts val="0"/>
-        </a:spcBef>
-        <a:spcAft>
-          <a:spcPts val="0"/>
-        </a:spcAft>
-        <a:buClr>
-          <a:srgbClr val="000000"/>
-        </a:buClr>
-        <a:buFont typeface="Arial"/>
-        <a:defRPr sz="1400" b="0" i="0" u="none" strike="noStrike" cap="none">
-          <a:solidFill>
-            <a:srgbClr val="000000"/>
-          </a:solidFill>
-          <a:latin typeface="Arial"/>
-          <a:ea typeface="Arial"/>
-          <a:cs typeface="Arial"/>
-          <a:sym typeface="Arial"/>
-        </a:defRPr>
-      </a:lvl6pPr>
-      <a:lvl7pPr marR="0" lvl="6" algn="l" rtl="0">
-        <a:lnSpc>
-          <a:spcPct val="100000"/>
-        </a:lnSpc>
-        <a:spcBef>
-          <a:spcPts val="0"/>
-        </a:spcBef>
-        <a:spcAft>
-          <a:spcPts val="0"/>
-        </a:spcAft>
-        <a:buClr>
-          <a:srgbClr val="000000"/>
-        </a:buClr>
-        <a:buFont typeface="Arial"/>
-        <a:defRPr sz="1400" b="0" i="0" u="none" strike="noStrike" cap="none">
-          <a:solidFill>
-            <a:srgbClr val="000000"/>
-          </a:solidFill>
-          <a:latin typeface="Arial"/>
-          <a:ea typeface="Arial"/>
-          <a:cs typeface="Arial"/>
-          <a:sym typeface="Arial"/>
-        </a:defRPr>
-      </a:lvl7pPr>
-      <a:lvl8pPr marR="0" lvl="7" algn="l" rtl="0">
-        <a:lnSpc>
-          <a:spcPct val="100000"/>
-        </a:lnSpc>
-        <a:spcBef>
-          <a:spcPts val="0"/>
-        </a:spcBef>
-        <a:spcAft>
-          <a:spcPts val="0"/>
-        </a:spcAft>
-        <a:buClr>
-          <a:srgbClr val="000000"/>
-        </a:buClr>
-        <a:buFont typeface="Arial"/>
-        <a:defRPr sz="1400" b="0" i="0" u="none" strike="noStrike" cap="none">
-          <a:solidFill>
-            <a:srgbClr val="000000"/>
-          </a:solidFill>
-          <a:latin typeface="Arial"/>
-          <a:ea typeface="Arial"/>
-          <a:cs typeface="Arial"/>
-          <a:sym typeface="Arial"/>
-        </a:defRPr>
-      </a:lvl8pPr>
-      <a:lvl9pPr marR="0" lvl="8" algn="l" rtl="0">
-        <a:lnSpc>
-          <a:spcPct val="100000"/>
-        </a:lnSpc>
-        <a:spcBef>
-          <a:spcPts val="0"/>
-        </a:spcBef>
-        <a:spcAft>
-          <a:spcPts val="0"/>
-        </a:spcAft>
-        <a:buClr>
-          <a:srgbClr val="000000"/>
-        </a:buClr>
-        <a:buFont typeface="Arial"/>
-        <a:defRPr sz="1400" b="0" i="0" u="none" strike="noStrike" cap="none">
-          <a:solidFill>
-            <a:srgbClr val="000000"/>
-          </a:solidFill>
-          <a:latin typeface="Arial"/>
-          <a:ea typeface="Arial"/>
-          <a:cs typeface="Arial"/>
-          <a:sym typeface="Arial"/>
-        </a:defRPr>
-      </a:lvl9pPr>
-    </p:bodyStyle>
-    <p:otherStyle>
-      <a:defPPr marR="0" lvl="0" algn="l" rtl="0">
-        <a:lnSpc>
-          <a:spcPct val="100000"/>
-        </a:lnSpc>
-        <a:spcBef>
-          <a:spcPts val="0"/>
-        </a:spcBef>
-        <a:spcAft>
-          <a:spcPts val="0"/>
-        </a:spcAft>
-      </a:defPPr>
-      <a:lvl1pPr marR="0" lvl="0" algn="l" rtl="0">
-        <a:lnSpc>
-          <a:spcPct val="100000"/>
-        </a:lnSpc>
-        <a:spcBef>
-          <a:spcPts val="0"/>
-        </a:spcBef>
-        <a:spcAft>
-          <a:spcPts val="0"/>
-        </a:spcAft>
-        <a:buClr>
-          <a:srgbClr val="000000"/>
-        </a:buClr>
-        <a:buFont typeface="Arial"/>
-        <a:defRPr sz="1400" b="0" i="0" u="none" strike="noStrike" cap="none">
-          <a:solidFill>
-            <a:srgbClr val="000000"/>
-          </a:solidFill>
-          <a:latin typeface="Arial"/>
-          <a:ea typeface="Arial"/>
-          <a:cs typeface="Arial"/>
-          <a:sym typeface="Arial"/>
-        </a:defRPr>
-      </a:lvl1pPr>
-      <a:lvl2pPr marR="0" lvl="1" algn="l" rtl="0">
-        <a:lnSpc>
-          <a:spcPct val="100000"/>
-        </a:lnSpc>
-        <a:spcBef>
-          <a:spcPts val="0"/>
-        </a:spcBef>
-        <a:spcAft>
-          <a:spcPts val="0"/>
-        </a:spcAft>
-        <a:buClr>
-          <a:srgbClr val="000000"/>
-        </a:buClr>
-        <a:buFont typeface="Arial"/>
-        <a:defRPr sz="1400" b="0" i="0" u="none" strike="noStrike" cap="none">
-          <a:solidFill>
-            <a:srgbClr val="000000"/>
-          </a:solidFill>
-          <a:latin typeface="Arial"/>
-          <a:ea typeface="Arial"/>
-          <a:cs typeface="Arial"/>
-          <a:sym typeface="Arial"/>
-        </a:defRPr>
-      </a:lvl2pPr>
-      <a:lvl3pPr marR="0" lvl="2" algn="l" rtl="0">
-        <a:lnSpc>
-          <a:spcPct val="100000"/>
-        </a:lnSpc>
-        <a:spcBef>
-          <a:spcPts val="0"/>
-        </a:spcBef>
-        <a:spcAft>
-          <a:spcPts val="0"/>
-        </a:spcAft>
-        <a:buClr>
-          <a:srgbClr val="000000"/>
-        </a:buClr>
-        <a:buFont typeface="Arial"/>
-        <a:defRPr sz="1400" b="0" i="0" u="none" strike="noStrike" cap="none">
-          <a:solidFill>
-            <a:srgbClr val="000000"/>
-          </a:solidFill>
-          <a:latin typeface="Arial"/>
-          <a:ea typeface="Arial"/>
-          <a:cs typeface="Arial"/>
-          <a:sym typeface="Arial"/>
-        </a:defRPr>
-      </a:lvl3pPr>
-      <a:lvl4pPr marR="0" lvl="3" algn="l" rtl="0">
-        <a:lnSpc>
-          <a:spcPct val="100000"/>
-        </a:lnSpc>
-        <a:spcBef>
-          <a:spcPts val="0"/>
-        </a:spcBef>
-        <a:spcAft>
-          <a:spcPts val="0"/>
-        </a:spcAft>
-        <a:buClr>
-          <a:srgbClr val="000000"/>
-        </a:buClr>
-        <a:buFont typeface="Arial"/>
-        <a:defRPr sz="1400" b="0" i="0" u="none" strike="noStrike" cap="none">
-          <a:solidFill>
-            <a:srgbClr val="000000"/>
-          </a:solidFill>
-          <a:latin typeface="Arial"/>
-          <a:ea typeface="Arial"/>
-          <a:cs typeface="Arial"/>
-          <a:sym typeface="Arial"/>
-        </a:defRPr>
-      </a:lvl4pPr>
-      <a:lvl5pPr marR="0" lvl="4" algn="l" rtl="0">
-        <a:lnSpc>
-          <a:spcPct val="100000"/>
-        </a:lnSpc>
-        <a:spcBef>
-          <a:spcPts val="0"/>
-        </a:spcBef>
-        <a:spcAft>
-          <a:spcPts val="0"/>
-        </a:spcAft>
-        <a:buClr>
-          <a:srgbClr val="000000"/>
-        </a:buClr>
-        <a:buFont typeface="Arial"/>
-        <a:defRPr sz="1400" b="0" i="0" u="none" strike="noStrike" cap="none">
-          <a:solidFill>
-            <a:srgbClr val="000000"/>
-          </a:solidFill>
-          <a:latin typeface="Arial"/>
-          <a:ea typeface="Arial"/>
-          <a:cs typeface="Arial"/>
-          <a:sym typeface="Arial"/>
-        </a:defRPr>
-      </a:lvl5pPr>
-      <a:lvl6pPr marR="0" lvl="5" algn="l" rtl="0">
-        <a:lnSpc>
-          <a:spcPct val="100000"/>
-        </a:lnSpc>
-        <a:spcBef>
-          <a:spcPts val="0"/>
-        </a:spcBef>
-        <a:spcAft>
-          <a:spcPts val="0"/>
-        </a:spcAft>
-        <a:buClr>
-          <a:srgbClr val="000000"/>
-        </a:buClr>
-        <a:buFont typeface="Arial"/>
-        <a:defRPr sz="1400" b="0" i="0" u="none" strike="noStrike" cap="none">
-          <a:solidFill>
-            <a:srgbClr val="000000"/>
-          </a:solidFill>
-          <a:latin typeface="Arial"/>
-          <a:ea typeface="Arial"/>
-          <a:cs typeface="Arial"/>
-          <a:sym typeface="Arial"/>
-        </a:defRPr>
-      </a:lvl6pPr>
-      <a:lvl7pPr marR="0" lvl="6" algn="l" rtl="0">
-        <a:lnSpc>
-          <a:spcPct val="100000"/>
-        </a:lnSpc>
-        <a:spcBef>
-          <a:spcPts val="0"/>
-        </a:spcBef>
-        <a:spcAft>
-          <a:spcPts val="0"/>
-        </a:spcAft>
-        <a:buClr>
-          <a:srgbClr val="000000"/>
-        </a:buClr>
-        <a:buFont typeface="Arial"/>
-        <a:defRPr sz="1400" b="0" i="0" u="none" strike="noStrike" cap="none">
-          <a:solidFill>
-            <a:srgbClr val="000000"/>
-          </a:solidFill>
-          <a:latin typeface="Arial"/>
-          <a:ea typeface="Arial"/>
-          <a:cs typeface="Arial"/>
-          <a:sym typeface="Arial"/>
-        </a:defRPr>
-      </a:lvl7pPr>
-      <a:lvl8pPr marR="0" lvl="7" algn="l" rtl="0">
-        <a:lnSpc>
-          <a:spcPct val="100000"/>
-        </a:lnSpc>
-        <a:spcBef>
-          <a:spcPts val="0"/>
-        </a:spcBef>
-        <a:spcAft>
-          <a:spcPts val="0"/>
-        </a:spcAft>
-        <a:buClr>
-          <a:srgbClr val="000000"/>
-        </a:buClr>
-        <a:buFont typeface="Arial"/>
-        <a:defRPr sz="1400" b="0" i="0" u="none" strike="noStrike" cap="none">
-          <a:solidFill>
-            <a:srgbClr val="000000"/>
-          </a:solidFill>
-          <a:latin typeface="Arial"/>
-          <a:ea typeface="Arial"/>
-          <a:cs typeface="Arial"/>
-          <a:sym typeface="Arial"/>
-        </a:defRPr>
-      </a:lvl8pPr>
-      <a:lvl9pPr marR="0" lvl="8" algn="l" rtl="0">
-        <a:lnSpc>
-          <a:spcPct val="100000"/>
-        </a:lnSpc>
-        <a:spcBef>
-          <a:spcPts val="0"/>
-        </a:spcBef>
-        <a:spcAft>
-          <a:spcPts val="0"/>
-        </a:spcAft>
-        <a:buClr>
-          <a:srgbClr val="000000"/>
-        </a:buClr>
-        <a:buFont typeface="Arial"/>
-        <a:defRPr sz="1400" b="0" i="0" u="none" strike="noStrike" cap="none">
-          <a:solidFill>
-            <a:srgbClr val="000000"/>
-          </a:solidFill>
-          <a:latin typeface="Arial"/>
-          <a:ea typeface="Arial"/>
-          <a:cs typeface="Arial"/>
-          <a:sym typeface="Arial"/>
-        </a:defRPr>
-      </a:lvl9pPr>
-    </p:otherStyle>
-  </p:txStyles>
-</p:sldMaster>
-</file>
-
-<file path=ppt/slideMasters/slideMaster2.xml><?xml version="1.0" encoding="utf-8"?>
-<p:sldMaster xmlns:a="http://schemas.openxmlformats.org/drawingml/2006/main" xmlns:r="http://schemas.openxmlformats.org/officeDocument/2006/relationships" xmlns:p="http://schemas.openxmlformats.org/presentationml/2006/main">
-  <p:cSld name="simple-light-2">
-    <p:bg>
-      <p:bgPr>
-        <a:solidFill>
-          <a:schemeClr val="lt1"/>
-        </a:solidFill>
-        <a:effectLst/>
-      </p:bgPr>
-    </p:bg>
-    <p:spTree>
-      <p:nvGrpSpPr>
-        <p:cNvPr id="1" name="Shape 126"/>
-        <p:cNvGrpSpPr/>
-        <p:nvPr/>
-      </p:nvGrpSpPr>
-      <p:grpSpPr>
-        <a:xfrm>
-          <a:off x="0" y="0"/>
-          <a:ext cx="0" cy="0"/>
-          <a:chOff x="0" y="0"/>
-          <a:chExt cx="0" cy="0"/>
-        </a:xfrm>
-      </p:grpSpPr>
-      <p:sp>
-        <p:nvSpPr>
-          <p:cNvPr id="127" name="Google Shape;127;p25"/>
-          <p:cNvSpPr txBox="1">
-            <a:spLocks noGrp="1"/>
-          </p:cNvSpPr>
-          <p:nvPr>
-            <p:ph type="title"/>
-          </p:nvPr>
-        </p:nvSpPr>
-        <p:spPr>
-          <a:xfrm>
-            <a:off x="311700" y="445025"/>
-            <a:ext cx="8520600" cy="572700"/>
-          </a:xfrm>
-          <a:prstGeom prst="rect">
-            <a:avLst/>
-          </a:prstGeom>
-          <a:noFill/>
-          <a:ln>
-            <a:noFill/>
-          </a:ln>
-        </p:spPr>
-        <p:txBody>
-          <a:bodyPr spcFirstLastPara="1" wrap="square" lIns="91425" tIns="91425" rIns="91425" bIns="91425" anchor="t" anchorCtr="0">
-            <a:normAutofit/>
-          </a:bodyPr>
-          <a:lstStyle>
-            <a:lvl1pPr lvl="0" rtl="0">
-              <a:spcBef>
-                <a:spcPts val="0"/>
-              </a:spcBef>
-              <a:spcAft>
-                <a:spcPts val="0"/>
-              </a:spcAft>
-              <a:buClr>
-                <a:schemeClr val="dk1"/>
-              </a:buClr>
-              <a:buSzPts val="2800"/>
-              <a:buNone/>
-              <a:defRPr sz="2800">
-                <a:solidFill>
-                  <a:schemeClr val="dk1"/>
-                </a:solidFill>
-              </a:defRPr>
-            </a:lvl1pPr>
-            <a:lvl2pPr lvl="1" rtl="0">
-              <a:spcBef>
-                <a:spcPts val="0"/>
-              </a:spcBef>
-              <a:spcAft>
-                <a:spcPts val="0"/>
-              </a:spcAft>
-              <a:buClr>
-                <a:schemeClr val="dk1"/>
-              </a:buClr>
-              <a:buSzPts val="2800"/>
-              <a:buNone/>
-              <a:defRPr sz="2800">
-                <a:solidFill>
-                  <a:schemeClr val="dk1"/>
-                </a:solidFill>
-              </a:defRPr>
-            </a:lvl2pPr>
-            <a:lvl3pPr lvl="2" rtl="0">
-              <a:spcBef>
-                <a:spcPts val="0"/>
-              </a:spcBef>
-              <a:spcAft>
-                <a:spcPts val="0"/>
-              </a:spcAft>
-              <a:buClr>
-                <a:schemeClr val="dk1"/>
-              </a:buClr>
-              <a:buSzPts val="2800"/>
-              <a:buNone/>
-              <a:defRPr sz="2800">
-                <a:solidFill>
-                  <a:schemeClr val="dk1"/>
-                </a:solidFill>
-              </a:defRPr>
-            </a:lvl3pPr>
-            <a:lvl4pPr lvl="3" rtl="0">
-              <a:spcBef>
-                <a:spcPts val="0"/>
-              </a:spcBef>
-              <a:spcAft>
-                <a:spcPts val="0"/>
-              </a:spcAft>
-              <a:buClr>
-                <a:schemeClr val="dk1"/>
-              </a:buClr>
-              <a:buSzPts val="2800"/>
-              <a:buNone/>
-              <a:defRPr sz="2800">
-                <a:solidFill>
-                  <a:schemeClr val="dk1"/>
-                </a:solidFill>
-              </a:defRPr>
-            </a:lvl4pPr>
-            <a:lvl5pPr lvl="4" rtl="0">
-              <a:spcBef>
-                <a:spcPts val="0"/>
-              </a:spcBef>
-              <a:spcAft>
-                <a:spcPts val="0"/>
-              </a:spcAft>
-              <a:buClr>
-                <a:schemeClr val="dk1"/>
-              </a:buClr>
-              <a:buSzPts val="2800"/>
-              <a:buNone/>
-              <a:defRPr sz="2800">
-                <a:solidFill>
-                  <a:schemeClr val="dk1"/>
-                </a:solidFill>
-              </a:defRPr>
-            </a:lvl5pPr>
-            <a:lvl6pPr lvl="5" rtl="0">
-              <a:spcBef>
-                <a:spcPts val="0"/>
-              </a:spcBef>
-              <a:spcAft>
-                <a:spcPts val="0"/>
-              </a:spcAft>
-              <a:buClr>
-                <a:schemeClr val="dk1"/>
-              </a:buClr>
-              <a:buSzPts val="2800"/>
-              <a:buNone/>
-              <a:defRPr sz="2800">
-                <a:solidFill>
-                  <a:schemeClr val="dk1"/>
-                </a:solidFill>
-              </a:defRPr>
-            </a:lvl6pPr>
-            <a:lvl7pPr lvl="6" rtl="0">
-              <a:spcBef>
-                <a:spcPts val="0"/>
-              </a:spcBef>
-              <a:spcAft>
-                <a:spcPts val="0"/>
-              </a:spcAft>
-              <a:buClr>
-                <a:schemeClr val="dk1"/>
-              </a:buClr>
-              <a:buSzPts val="2800"/>
-              <a:buNone/>
-              <a:defRPr sz="2800">
-                <a:solidFill>
-                  <a:schemeClr val="dk1"/>
-                </a:solidFill>
-              </a:defRPr>
-            </a:lvl7pPr>
-            <a:lvl8pPr lvl="7" rtl="0">
-              <a:spcBef>
-                <a:spcPts val="0"/>
-              </a:spcBef>
-              <a:spcAft>
-                <a:spcPts val="0"/>
-              </a:spcAft>
-              <a:buClr>
-                <a:schemeClr val="dk1"/>
-              </a:buClr>
-              <a:buSzPts val="2800"/>
-              <a:buNone/>
-              <a:defRPr sz="2800">
-                <a:solidFill>
-                  <a:schemeClr val="dk1"/>
-                </a:solidFill>
-              </a:defRPr>
-            </a:lvl8pPr>
-            <a:lvl9pPr lvl="8" rtl="0">
-              <a:spcBef>
-                <a:spcPts val="0"/>
-              </a:spcBef>
-              <a:spcAft>
-                <a:spcPts val="0"/>
-              </a:spcAft>
-              <a:buClr>
-                <a:schemeClr val="dk1"/>
-              </a:buClr>
-              <a:buSzPts val="2800"/>
-              <a:buNone/>
-              <a:defRPr sz="2800">
-                <a:solidFill>
-                  <a:schemeClr val="dk1"/>
-                </a:solidFill>
-              </a:defRPr>
-            </a:lvl9pPr>
-          </a:lstStyle>
-          <a:p>
-            <a:endParaRPr/>
-          </a:p>
-        </p:txBody>
-      </p:sp>
-      <p:sp>
-        <p:nvSpPr>
-          <p:cNvPr id="128" name="Google Shape;128;p25"/>
-          <p:cNvSpPr txBox="1">
-            <a:spLocks noGrp="1"/>
-          </p:cNvSpPr>
-          <p:nvPr>
-            <p:ph type="body" idx="1"/>
-          </p:nvPr>
-        </p:nvSpPr>
-        <p:spPr>
-          <a:xfrm>
-            <a:off x="311700" y="1152475"/>
-            <a:ext cx="8520600" cy="3416400"/>
-          </a:xfrm>
-          <a:prstGeom prst="rect">
-            <a:avLst/>
-          </a:prstGeom>
-          <a:noFill/>
-          <a:ln>
-            <a:noFill/>
-          </a:ln>
-        </p:spPr>
-        <p:txBody>
-          <a:bodyPr spcFirstLastPara="1" wrap="square" lIns="91425" tIns="91425" rIns="91425" bIns="91425" anchor="t" anchorCtr="0">
-            <a:normAutofit/>
-          </a:bodyPr>
-          <a:lstStyle>
-            <a:lvl1pPr marL="457200" lvl="0" indent="-342900" rtl="0">
-              <a:lnSpc>
-                <a:spcPct val="115000"/>
-              </a:lnSpc>
-              <a:spcBef>
-                <a:spcPts val="0"/>
-              </a:spcBef>
-              <a:spcAft>
-                <a:spcPts val="0"/>
-              </a:spcAft>
-              <a:buClr>
-                <a:schemeClr val="dk2"/>
-              </a:buClr>
-              <a:buSzPts val="1800"/>
-              <a:buChar char="●"/>
-              <a:defRPr sz="1800">
-                <a:solidFill>
-                  <a:schemeClr val="dk2"/>
-                </a:solidFill>
-              </a:defRPr>
-            </a:lvl1pPr>
-            <a:lvl2pPr marL="914400" lvl="1" indent="-317500" rtl="0">
-              <a:lnSpc>
-                <a:spcPct val="115000"/>
-              </a:lnSpc>
-              <a:spcBef>
-                <a:spcPts val="0"/>
-              </a:spcBef>
-              <a:spcAft>
-                <a:spcPts val="0"/>
-              </a:spcAft>
-              <a:buClr>
-                <a:schemeClr val="dk2"/>
-              </a:buClr>
-              <a:buSzPts val="1400"/>
-              <a:buChar char="○"/>
-              <a:defRPr>
-                <a:solidFill>
-                  <a:schemeClr val="dk2"/>
-                </a:solidFill>
-              </a:defRPr>
-            </a:lvl2pPr>
-            <a:lvl3pPr marL="1371600" lvl="2" indent="-317500" rtl="0">
-              <a:lnSpc>
-                <a:spcPct val="115000"/>
-              </a:lnSpc>
-              <a:spcBef>
-                <a:spcPts val="0"/>
-              </a:spcBef>
-              <a:spcAft>
-                <a:spcPts val="0"/>
-              </a:spcAft>
-              <a:buClr>
-                <a:schemeClr val="dk2"/>
-              </a:buClr>
-              <a:buSzPts val="1400"/>
-              <a:buChar char="■"/>
-              <a:defRPr>
-                <a:solidFill>
-                  <a:schemeClr val="dk2"/>
-                </a:solidFill>
-              </a:defRPr>
-            </a:lvl3pPr>
-            <a:lvl4pPr marL="1828800" lvl="3" indent="-317500" rtl="0">
-              <a:lnSpc>
-                <a:spcPct val="115000"/>
-              </a:lnSpc>
-              <a:spcBef>
-                <a:spcPts val="0"/>
-              </a:spcBef>
-              <a:spcAft>
-                <a:spcPts val="0"/>
-              </a:spcAft>
-              <a:buClr>
-                <a:schemeClr val="dk2"/>
-              </a:buClr>
-              <a:buSzPts val="1400"/>
-              <a:buChar char="●"/>
-              <a:defRPr>
-                <a:solidFill>
-                  <a:schemeClr val="dk2"/>
-                </a:solidFill>
-              </a:defRPr>
-            </a:lvl4pPr>
-            <a:lvl5pPr marL="2286000" lvl="4" indent="-317500" rtl="0">
-              <a:lnSpc>
-                <a:spcPct val="115000"/>
-              </a:lnSpc>
-              <a:spcBef>
-                <a:spcPts val="0"/>
-              </a:spcBef>
-              <a:spcAft>
-                <a:spcPts val="0"/>
-              </a:spcAft>
-              <a:buClr>
-                <a:schemeClr val="dk2"/>
-              </a:buClr>
-              <a:buSzPts val="1400"/>
-              <a:buChar char="○"/>
-              <a:defRPr>
-                <a:solidFill>
-                  <a:schemeClr val="dk2"/>
-                </a:solidFill>
-              </a:defRPr>
-            </a:lvl5pPr>
-            <a:lvl6pPr marL="2743200" lvl="5" indent="-317500" rtl="0">
-              <a:lnSpc>
-                <a:spcPct val="115000"/>
-              </a:lnSpc>
-              <a:spcBef>
-                <a:spcPts val="0"/>
-              </a:spcBef>
-              <a:spcAft>
-                <a:spcPts val="0"/>
-              </a:spcAft>
-              <a:buClr>
-                <a:schemeClr val="dk2"/>
-              </a:buClr>
-              <a:buSzPts val="1400"/>
-              <a:buChar char="■"/>
-              <a:defRPr>
-                <a:solidFill>
-                  <a:schemeClr val="dk2"/>
-                </a:solidFill>
-              </a:defRPr>
-            </a:lvl6pPr>
-            <a:lvl7pPr marL="3200400" lvl="6" indent="-317500" rtl="0">
-              <a:lnSpc>
-                <a:spcPct val="115000"/>
-              </a:lnSpc>
-              <a:spcBef>
-                <a:spcPts val="0"/>
-              </a:spcBef>
-              <a:spcAft>
-                <a:spcPts val="0"/>
-              </a:spcAft>
-              <a:buClr>
-                <a:schemeClr val="dk2"/>
-              </a:buClr>
-              <a:buSzPts val="1400"/>
-              <a:buChar char="●"/>
-              <a:defRPr>
-                <a:solidFill>
-                  <a:schemeClr val="dk2"/>
-                </a:solidFill>
-              </a:defRPr>
-            </a:lvl7pPr>
-            <a:lvl8pPr marL="3657600" lvl="7" indent="-317500" rtl="0">
-              <a:lnSpc>
-                <a:spcPct val="115000"/>
-              </a:lnSpc>
-              <a:spcBef>
-                <a:spcPts val="0"/>
-              </a:spcBef>
-              <a:spcAft>
-                <a:spcPts val="0"/>
-              </a:spcAft>
-              <a:buClr>
-                <a:schemeClr val="dk2"/>
-              </a:buClr>
-              <a:buSzPts val="1400"/>
-              <a:buChar char="○"/>
-              <a:defRPr>
-                <a:solidFill>
-                  <a:schemeClr val="dk2"/>
-                </a:solidFill>
-              </a:defRPr>
-            </a:lvl8pPr>
-            <a:lvl9pPr marL="4114800" lvl="8" indent="-317500" rtl="0">
-              <a:lnSpc>
-                <a:spcPct val="115000"/>
-              </a:lnSpc>
-              <a:spcBef>
-                <a:spcPts val="0"/>
-              </a:spcBef>
-              <a:spcAft>
-                <a:spcPts val="0"/>
-              </a:spcAft>
-              <a:buClr>
-                <a:schemeClr val="dk2"/>
-              </a:buClr>
-              <a:buSzPts val="1400"/>
-              <a:buChar char="■"/>
-              <a:defRPr>
-                <a:solidFill>
-                  <a:schemeClr val="dk2"/>
-                </a:solidFill>
-              </a:defRPr>
-            </a:lvl9pPr>
-          </a:lstStyle>
-          <a:p>
-            <a:endParaRPr/>
-          </a:p>
-        </p:txBody>
-      </p:sp>
-      <p:sp>
-        <p:nvSpPr>
-          <p:cNvPr id="129" name="Google Shape;129;p25"/>
-          <p:cNvSpPr txBox="1">
-            <a:spLocks noGrp="1"/>
-          </p:cNvSpPr>
-          <p:nvPr>
-            <p:ph type="sldNum" idx="12"/>
-          </p:nvPr>
-        </p:nvSpPr>
-        <p:spPr>
-          <a:xfrm>
-            <a:off x="8472458" y="4663217"/>
-            <a:ext cx="548700" cy="393600"/>
-          </a:xfrm>
-          <a:prstGeom prst="rect">
-            <a:avLst/>
-          </a:prstGeom>
-          <a:noFill/>
-          <a:ln>
-            <a:noFill/>
-          </a:ln>
-        </p:spPr>
-        <p:txBody>
-          <a:bodyPr spcFirstLastPara="1" wrap="square" lIns="91425" tIns="91425" rIns="91425" bIns="91425" anchor="ctr" anchorCtr="0">
-            <a:normAutofit/>
-          </a:bodyPr>
-          <a:lstStyle>
-            <a:lvl1pPr lvl="0" algn="r" rtl="0">
-              <a:buNone/>
-              <a:defRPr sz="1000">
-                <a:solidFill>
-                  <a:schemeClr val="dk2"/>
-                </a:solidFill>
-              </a:defRPr>
-            </a:lvl1pPr>
-            <a:lvl2pPr lvl="1" algn="r" rtl="0">
-              <a:buNone/>
-              <a:defRPr sz="1000">
-                <a:solidFill>
-                  <a:schemeClr val="dk2"/>
-                </a:solidFill>
-              </a:defRPr>
-            </a:lvl2pPr>
-            <a:lvl3pPr lvl="2" algn="r" rtl="0">
-              <a:buNone/>
-              <a:defRPr sz="1000">
-                <a:solidFill>
-                  <a:schemeClr val="dk2"/>
-                </a:solidFill>
-              </a:defRPr>
-            </a:lvl3pPr>
-            <a:lvl4pPr lvl="3" algn="r" rtl="0">
-              <a:buNone/>
-              <a:defRPr sz="1000">
-                <a:solidFill>
-                  <a:schemeClr val="dk2"/>
-                </a:solidFill>
-              </a:defRPr>
-            </a:lvl4pPr>
-            <a:lvl5pPr lvl="4" algn="r" rtl="0">
-              <a:buNone/>
-              <a:defRPr sz="1000">
-                <a:solidFill>
-                  <a:schemeClr val="dk2"/>
-                </a:solidFill>
-              </a:defRPr>
-            </a:lvl5pPr>
-            <a:lvl6pPr lvl="5" algn="r" rtl="0">
-              <a:buNone/>
-              <a:defRPr sz="1000">
-                <a:solidFill>
-                  <a:schemeClr val="dk2"/>
-                </a:solidFill>
-              </a:defRPr>
-            </a:lvl6pPr>
-            <a:lvl7pPr lvl="6" algn="r" rtl="0">
-              <a:buNone/>
-              <a:defRPr sz="1000">
-                <a:solidFill>
-                  <a:schemeClr val="dk2"/>
-                </a:solidFill>
-              </a:defRPr>
-            </a:lvl7pPr>
-            <a:lvl8pPr lvl="7" algn="r" rtl="0">
-              <a:buNone/>
-              <a:defRPr sz="1000">
-                <a:solidFill>
-                  <a:schemeClr val="dk2"/>
-                </a:solidFill>
-              </a:defRPr>
-            </a:lvl8pPr>
-            <a:lvl9pPr lvl="8" algn="r" rtl="0">
-              <a:buNone/>
-              <a:defRPr sz="1000">
-                <a:solidFill>
-                  <a:schemeClr val="dk2"/>
-                </a:solidFill>
-              </a:defRPr>
-            </a:lvl9pPr>
-          </a:lstStyle>
-          <a:p>
-            <a:pPr marL="0" lvl="0" indent="0" algn="r" rtl="0">
-              <a:spcBef>
-                <a:spcPts val="0"/>
-              </a:spcBef>
-              <a:spcAft>
-                <a:spcPts val="0"/>
-              </a:spcAft>
-              <a:buNone/>
-            </a:pPr>
-            <a:fld id="{00000000-1234-1234-1234-123412341234}" type="slidenum">
-              <a:rPr lang="en"/>
-              <a:t>‹#›</a:t>
-            </a:fld>
-            <a:endParaRPr/>
-          </a:p>
-        </p:txBody>
-      </p:sp>
-    </p:spTree>
-  </p:cSld>
-  <p:clrMap bg1="lt1" tx1="dk1" bg2="dk2" tx2="lt2" accent1="accent1" accent2="accent2" accent3="accent3" accent4="accent4" accent5="accent5" accent6="accent6" hlink="hlink" folHlink="folHlink"/>
-  <p:sldLayoutIdLst>
-    <p:sldLayoutId id="2147483670" r:id="rId1"/>
-    <p:sldLayoutId id="2147483671" r:id="rId2"/>
-    <p:sldLayoutId id="2147483672" r:id="rId3"/>
-    <p:sldLayoutId id="2147483673" r:id="rId4"/>
-    <p:sldLayoutId id="2147483674" r:id="rId5"/>
-    <p:sldLayoutId id="2147483675" r:id="rId6"/>
-    <p:sldLayoutId id="2147483676" r:id="rId7"/>
-    <p:sldLayoutId id="2147483677" r:id="rId8"/>
-    <p:sldLayoutId id="2147483678" r:id="rId9"/>
-    <p:sldLayoutId id="2147483679" r:id="rId10"/>
-    <p:sldLayoutId id="2147483680" r:id="rId11"/>
   </p:sldLayoutIdLst>
   <p:hf hdr="0" ftr="0" dt="0"/>
   <p:txStyles>
@@ -21632,1035 +16777,6 @@
   <p:cSld>
     <p:spTree>
       <p:nvGrpSpPr>
-        <p:cNvPr id="1" name="Shape 449"/>
-        <p:cNvGrpSpPr/>
-        <p:nvPr/>
-      </p:nvGrpSpPr>
-      <p:grpSpPr>
-        <a:xfrm>
-          <a:off x="0" y="0"/>
-          <a:ext cx="0" cy="0"/>
-          <a:chOff x="0" y="0"/>
-          <a:chExt cx="0" cy="0"/>
-        </a:xfrm>
-      </p:grpSpPr>
-      <p:pic>
-        <p:nvPicPr>
-          <p:cNvPr id="450" name="Google Shape;450;p65"/>
-          <p:cNvPicPr preferRelativeResize="0"/>
-          <p:nvPr/>
-        </p:nvPicPr>
-        <p:blipFill>
-          <a:blip r:embed="rId3">
-            <a:alphaModFix/>
-          </a:blip>
-          <a:stretch>
-            <a:fillRect/>
-          </a:stretch>
-        </p:blipFill>
-        <p:spPr>
-          <a:xfrm>
-            <a:off x="0" y="4743025"/>
-            <a:ext cx="9144000" cy="433200"/>
-          </a:xfrm>
-          <a:prstGeom prst="rect">
-            <a:avLst/>
-          </a:prstGeom>
-          <a:noFill/>
-          <a:ln>
-            <a:noFill/>
-          </a:ln>
-        </p:spPr>
-      </p:pic>
-      <p:sp>
-        <p:nvSpPr>
-          <p:cNvPr id="451" name="Google Shape;451;p65"/>
-          <p:cNvSpPr txBox="1">
-            <a:spLocks noGrp="1"/>
-          </p:cNvSpPr>
-          <p:nvPr>
-            <p:ph type="title"/>
-          </p:nvPr>
-        </p:nvSpPr>
-        <p:spPr>
-          <a:xfrm>
-            <a:off x="311700" y="129575"/>
-            <a:ext cx="8520600" cy="572700"/>
-          </a:xfrm>
-          <a:prstGeom prst="rect">
-            <a:avLst/>
-          </a:prstGeom>
-        </p:spPr>
-        <p:txBody>
-          <a:bodyPr spcFirstLastPara="1" wrap="square" lIns="91425" tIns="91425" rIns="91425" bIns="91425" anchor="t" anchorCtr="0">
-            <a:normAutofit fontScale="90000"/>
-          </a:bodyPr>
-          <a:lstStyle/>
-          <a:p>
-            <a:pPr marL="0" lvl="0" indent="0" algn="l" rtl="0">
-              <a:spcBef>
-                <a:spcPts val="0"/>
-              </a:spcBef>
-              <a:spcAft>
-                <a:spcPts val="0"/>
-              </a:spcAft>
-              <a:buNone/>
-            </a:pPr>
-            <a:r>
-              <a:rPr lang="en">
-                <a:solidFill>
-                  <a:schemeClr val="accent1"/>
-                </a:solidFill>
-              </a:rPr>
-              <a:t>Quiz</a:t>
-            </a:r>
-            <a:endParaRPr>
-              <a:solidFill>
-                <a:schemeClr val="accent1"/>
-              </a:solidFill>
-            </a:endParaRPr>
-          </a:p>
-        </p:txBody>
-      </p:sp>
-      <p:sp>
-        <p:nvSpPr>
-          <p:cNvPr id="452" name="Google Shape;452;p65"/>
-          <p:cNvSpPr txBox="1">
-            <a:spLocks noGrp="1"/>
-          </p:cNvSpPr>
-          <p:nvPr>
-            <p:ph type="sldNum" idx="12"/>
-          </p:nvPr>
-        </p:nvSpPr>
-        <p:spPr>
-          <a:xfrm>
-            <a:off x="8" y="4743017"/>
-            <a:ext cx="548700" cy="393600"/>
-          </a:xfrm>
-          <a:prstGeom prst="rect">
-            <a:avLst/>
-          </a:prstGeom>
-        </p:spPr>
-        <p:txBody>
-          <a:bodyPr spcFirstLastPara="1" wrap="square" lIns="91425" tIns="91425" rIns="91425" bIns="91425" anchor="ctr" anchorCtr="0">
-            <a:normAutofit/>
-          </a:bodyPr>
-          <a:lstStyle/>
-          <a:p>
-            <a:pPr marL="0" lvl="0" indent="0" algn="r" rtl="0">
-              <a:spcBef>
-                <a:spcPts val="0"/>
-              </a:spcBef>
-              <a:spcAft>
-                <a:spcPts val="0"/>
-              </a:spcAft>
-              <a:buNone/>
-            </a:pPr>
-            <a:fld id="{00000000-1234-1234-1234-123412341234}" type="slidenum">
-              <a:rPr lang="en">
-                <a:solidFill>
-                  <a:schemeClr val="lt1"/>
-                </a:solidFill>
-              </a:rPr>
-              <a:t>26</a:t>
-            </a:fld>
-            <a:endParaRPr>
-              <a:solidFill>
-                <a:schemeClr val="lt1"/>
-              </a:solidFill>
-            </a:endParaRPr>
-          </a:p>
-        </p:txBody>
-      </p:sp>
-      <p:sp>
-        <p:nvSpPr>
-          <p:cNvPr id="453" name="Google Shape;453;p65"/>
-          <p:cNvSpPr txBox="1"/>
-          <p:nvPr/>
-        </p:nvSpPr>
-        <p:spPr>
-          <a:xfrm>
-            <a:off x="405900" y="579225"/>
-            <a:ext cx="8520600" cy="461700"/>
-          </a:xfrm>
-          <a:prstGeom prst="rect">
-            <a:avLst/>
-          </a:prstGeom>
-          <a:noFill/>
-          <a:ln>
-            <a:noFill/>
-          </a:ln>
-        </p:spPr>
-        <p:txBody>
-          <a:bodyPr spcFirstLastPara="1" wrap="square" lIns="91425" tIns="91425" rIns="91425" bIns="91425" anchor="t" anchorCtr="0">
-            <a:spAutoFit/>
-          </a:bodyPr>
-          <a:lstStyle/>
-          <a:p>
-            <a:pPr marL="457200" lvl="0" indent="-342900" algn="l" rtl="0">
-              <a:spcBef>
-                <a:spcPts val="0"/>
-              </a:spcBef>
-              <a:spcAft>
-                <a:spcPts val="0"/>
-              </a:spcAft>
-              <a:buSzPts val="1800"/>
-              <a:buFont typeface="Roboto"/>
-              <a:buChar char="●"/>
-            </a:pPr>
-            <a:r>
-              <a:rPr lang="en" sz="1800">
-                <a:latin typeface="Roboto"/>
-                <a:ea typeface="Roboto"/>
-                <a:cs typeface="Roboto"/>
-                <a:sym typeface="Roboto"/>
-              </a:rPr>
-              <a:t>What are the unique characteristics of Deep Learning?</a:t>
-            </a:r>
-            <a:endParaRPr sz="1800">
-              <a:latin typeface="Roboto"/>
-              <a:ea typeface="Roboto"/>
-              <a:cs typeface="Roboto"/>
-              <a:sym typeface="Roboto"/>
-            </a:endParaRPr>
-          </a:p>
-        </p:txBody>
-      </p:sp>
-      <p:sp>
-        <p:nvSpPr>
-          <p:cNvPr id="454" name="Google Shape;454;p65"/>
-          <p:cNvSpPr txBox="1"/>
-          <p:nvPr/>
-        </p:nvSpPr>
-        <p:spPr>
-          <a:xfrm>
-            <a:off x="661900" y="1378950"/>
-            <a:ext cx="7143000" cy="400200"/>
-          </a:xfrm>
-          <a:prstGeom prst="rect">
-            <a:avLst/>
-          </a:prstGeom>
-          <a:noFill/>
-          <a:ln>
-            <a:noFill/>
-          </a:ln>
-        </p:spPr>
-        <p:txBody>
-          <a:bodyPr spcFirstLastPara="1" wrap="square" lIns="91425" tIns="91425" rIns="91425" bIns="91425" anchor="t" anchorCtr="0">
-            <a:spAutoFit/>
-          </a:bodyPr>
-          <a:lstStyle/>
-          <a:p>
-            <a:pPr marL="0" lvl="0" indent="0" algn="l" rtl="0">
-              <a:spcBef>
-                <a:spcPts val="0"/>
-              </a:spcBef>
-              <a:spcAft>
-                <a:spcPts val="0"/>
-              </a:spcAft>
-              <a:buNone/>
-            </a:pPr>
-            <a:endParaRPr/>
-          </a:p>
-        </p:txBody>
-      </p:sp>
-      <p:sp>
-        <p:nvSpPr>
-          <p:cNvPr id="455" name="Google Shape;455;p65"/>
-          <p:cNvSpPr txBox="1"/>
-          <p:nvPr/>
-        </p:nvSpPr>
-        <p:spPr>
-          <a:xfrm>
-            <a:off x="548700" y="900500"/>
-            <a:ext cx="8377800" cy="1046700"/>
-          </a:xfrm>
-          <a:prstGeom prst="rect">
-            <a:avLst/>
-          </a:prstGeom>
-          <a:noFill/>
-          <a:ln>
-            <a:noFill/>
-          </a:ln>
-        </p:spPr>
-        <p:txBody>
-          <a:bodyPr spcFirstLastPara="1" wrap="square" lIns="91425" tIns="91425" rIns="91425" bIns="91425" anchor="t" anchorCtr="0">
-            <a:spAutoFit/>
-          </a:bodyPr>
-          <a:lstStyle/>
-          <a:p>
-            <a:pPr marL="457200" lvl="0" indent="-317500" algn="l" rtl="0">
-              <a:spcBef>
-                <a:spcPts val="0"/>
-              </a:spcBef>
-              <a:spcAft>
-                <a:spcPts val="0"/>
-              </a:spcAft>
-              <a:buSzPts val="1400"/>
-              <a:buChar char="❏"/>
-            </a:pPr>
-            <a:r>
-              <a:rPr lang="en"/>
-              <a:t>Based on distributed representational learning. Perform better with more data over time</a:t>
-            </a:r>
-            <a:endParaRPr/>
-          </a:p>
-          <a:p>
-            <a:pPr marL="457200" lvl="0" indent="-317500" algn="l" rtl="0">
-              <a:spcBef>
-                <a:spcPts val="0"/>
-              </a:spcBef>
-              <a:spcAft>
-                <a:spcPts val="0"/>
-              </a:spcAft>
-              <a:buSzPts val="1400"/>
-              <a:buChar char="❏"/>
-            </a:pPr>
-            <a:r>
-              <a:rPr lang="en"/>
-              <a:t>More complex and high-level features and concepts are derived from simpler, low-level features</a:t>
-            </a:r>
-            <a:endParaRPr/>
-          </a:p>
-          <a:p>
-            <a:pPr marL="457200" lvl="0" indent="-317500" algn="l" rtl="0">
-              <a:spcBef>
-                <a:spcPts val="0"/>
-              </a:spcBef>
-              <a:spcAft>
-                <a:spcPts val="0"/>
-              </a:spcAft>
-              <a:buSzPts val="1400"/>
-              <a:buChar char="❏"/>
-            </a:pPr>
-            <a:r>
-              <a:rPr lang="en"/>
-              <a:t>Hierarchical layered representation of concepts</a:t>
-            </a:r>
-            <a:endParaRPr/>
-          </a:p>
-          <a:p>
-            <a:pPr marL="457200" lvl="0" indent="-317500" algn="l" rtl="0">
-              <a:spcBef>
-                <a:spcPts val="0"/>
-              </a:spcBef>
-              <a:spcAft>
-                <a:spcPts val="0"/>
-              </a:spcAft>
-              <a:buSzPts val="1400"/>
-              <a:buChar char="❏"/>
-            </a:pPr>
-            <a:r>
-              <a:rPr lang="en"/>
-              <a:t>All of the above</a:t>
-            </a:r>
-            <a:endParaRPr/>
-          </a:p>
-        </p:txBody>
-      </p:sp>
-      <p:sp>
-        <p:nvSpPr>
-          <p:cNvPr id="456" name="Google Shape;456;p65"/>
-          <p:cNvSpPr txBox="1"/>
-          <p:nvPr/>
-        </p:nvSpPr>
-        <p:spPr>
-          <a:xfrm>
-            <a:off x="405900" y="1821625"/>
-            <a:ext cx="8584800" cy="431100"/>
-          </a:xfrm>
-          <a:prstGeom prst="rect">
-            <a:avLst/>
-          </a:prstGeom>
-          <a:noFill/>
-          <a:ln>
-            <a:noFill/>
-          </a:ln>
-        </p:spPr>
-        <p:txBody>
-          <a:bodyPr spcFirstLastPara="1" wrap="square" lIns="91425" tIns="91425" rIns="91425" bIns="91425" anchor="t" anchorCtr="0">
-            <a:spAutoFit/>
-          </a:bodyPr>
-          <a:lstStyle/>
-          <a:p>
-            <a:pPr marL="457200" lvl="0" indent="-330200" algn="l" rtl="0">
-              <a:spcBef>
-                <a:spcPts val="0"/>
-              </a:spcBef>
-              <a:spcAft>
-                <a:spcPts val="0"/>
-              </a:spcAft>
-              <a:buSzPts val="1600"/>
-              <a:buFont typeface="Roboto"/>
-              <a:buChar char="●"/>
-            </a:pPr>
-            <a:r>
-              <a:rPr lang="en" sz="1600">
-                <a:latin typeface="Roboto"/>
-                <a:ea typeface="Roboto"/>
-                <a:cs typeface="Roboto"/>
-                <a:sym typeface="Roboto"/>
-              </a:rPr>
-              <a:t>Which are widely used hyperparameters in Deep Learning?</a:t>
-            </a:r>
-            <a:endParaRPr sz="1600">
-              <a:latin typeface="Roboto"/>
-              <a:ea typeface="Roboto"/>
-              <a:cs typeface="Roboto"/>
-              <a:sym typeface="Roboto"/>
-            </a:endParaRPr>
-          </a:p>
-        </p:txBody>
-      </p:sp>
-      <p:sp>
-        <p:nvSpPr>
-          <p:cNvPr id="457" name="Google Shape;457;p65"/>
-          <p:cNvSpPr txBox="1"/>
-          <p:nvPr/>
-        </p:nvSpPr>
-        <p:spPr>
-          <a:xfrm>
-            <a:off x="548700" y="2199288"/>
-            <a:ext cx="7694700" cy="1046700"/>
-          </a:xfrm>
-          <a:prstGeom prst="rect">
-            <a:avLst/>
-          </a:prstGeom>
-          <a:noFill/>
-          <a:ln>
-            <a:noFill/>
-          </a:ln>
-        </p:spPr>
-        <p:txBody>
-          <a:bodyPr spcFirstLastPara="1" wrap="square" lIns="91425" tIns="91425" rIns="91425" bIns="91425" anchor="t" anchorCtr="0">
-            <a:spAutoFit/>
-          </a:bodyPr>
-          <a:lstStyle/>
-          <a:p>
-            <a:pPr marL="457200" lvl="0" indent="-317500" algn="l" rtl="0">
-              <a:spcBef>
-                <a:spcPts val="0"/>
-              </a:spcBef>
-              <a:spcAft>
-                <a:spcPts val="0"/>
-              </a:spcAft>
-              <a:buSzPts val="1400"/>
-              <a:buChar char="❏"/>
-            </a:pPr>
-            <a:r>
-              <a:rPr lang="en"/>
-              <a:t>Number of hidden layers and units</a:t>
-            </a:r>
-            <a:endParaRPr/>
-          </a:p>
-          <a:p>
-            <a:pPr marL="457200" lvl="0" indent="-317500" algn="l" rtl="0">
-              <a:spcBef>
-                <a:spcPts val="0"/>
-              </a:spcBef>
-              <a:spcAft>
-                <a:spcPts val="0"/>
-              </a:spcAft>
-              <a:buSzPts val="1400"/>
-              <a:buChar char="❏"/>
-            </a:pPr>
-            <a:r>
-              <a:rPr lang="en"/>
-              <a:t>Dropout rate</a:t>
-            </a:r>
-            <a:endParaRPr/>
-          </a:p>
-          <a:p>
-            <a:pPr marL="457200" lvl="0" indent="-317500" algn="l" rtl="0">
-              <a:spcBef>
-                <a:spcPts val="0"/>
-              </a:spcBef>
-              <a:spcAft>
-                <a:spcPts val="0"/>
-              </a:spcAft>
-              <a:buSzPts val="1400"/>
-              <a:buChar char="❏"/>
-            </a:pPr>
-            <a:r>
-              <a:rPr lang="en"/>
-              <a:t>Number of epochs</a:t>
-            </a:r>
-            <a:endParaRPr/>
-          </a:p>
-          <a:p>
-            <a:pPr marL="457200" lvl="0" indent="-317500" algn="l" rtl="0">
-              <a:spcBef>
-                <a:spcPts val="0"/>
-              </a:spcBef>
-              <a:spcAft>
-                <a:spcPts val="0"/>
-              </a:spcAft>
-              <a:buSzPts val="1400"/>
-              <a:buChar char="❏"/>
-            </a:pPr>
-            <a:r>
-              <a:rPr lang="en"/>
-              <a:t>All of the above</a:t>
-            </a:r>
-            <a:endParaRPr/>
-          </a:p>
-        </p:txBody>
-      </p:sp>
-      <p:sp>
-        <p:nvSpPr>
-          <p:cNvPr id="458" name="Google Shape;458;p65"/>
-          <p:cNvSpPr txBox="1"/>
-          <p:nvPr/>
-        </p:nvSpPr>
-        <p:spPr>
-          <a:xfrm>
-            <a:off x="405900" y="3197025"/>
-            <a:ext cx="8584800" cy="461700"/>
-          </a:xfrm>
-          <a:prstGeom prst="rect">
-            <a:avLst/>
-          </a:prstGeom>
-          <a:noFill/>
-          <a:ln>
-            <a:noFill/>
-          </a:ln>
-        </p:spPr>
-        <p:txBody>
-          <a:bodyPr spcFirstLastPara="1" wrap="square" lIns="91425" tIns="91425" rIns="91425" bIns="91425" anchor="t" anchorCtr="0">
-            <a:spAutoFit/>
-          </a:bodyPr>
-          <a:lstStyle/>
-          <a:p>
-            <a:pPr marL="457200" lvl="0" indent="-342900" algn="l" rtl="0">
-              <a:spcBef>
-                <a:spcPts val="0"/>
-              </a:spcBef>
-              <a:spcAft>
-                <a:spcPts val="0"/>
-              </a:spcAft>
-              <a:buSzPts val="1800"/>
-              <a:buFont typeface="Roboto"/>
-              <a:buChar char="●"/>
-            </a:pPr>
-            <a:r>
-              <a:rPr lang="en" sz="1800">
-                <a:latin typeface="Roboto"/>
-                <a:ea typeface="Roboto"/>
-                <a:cs typeface="Roboto"/>
-                <a:sym typeface="Roboto"/>
-              </a:rPr>
-              <a:t>Which of the following is not a Deep Learning model?</a:t>
-            </a:r>
-            <a:endParaRPr sz="1800">
-              <a:latin typeface="Roboto"/>
-              <a:ea typeface="Roboto"/>
-              <a:cs typeface="Roboto"/>
-              <a:sym typeface="Roboto"/>
-            </a:endParaRPr>
-          </a:p>
-        </p:txBody>
-      </p:sp>
-      <p:sp>
-        <p:nvSpPr>
-          <p:cNvPr id="459" name="Google Shape;459;p65"/>
-          <p:cNvSpPr txBox="1"/>
-          <p:nvPr/>
-        </p:nvSpPr>
-        <p:spPr>
-          <a:xfrm>
-            <a:off x="548700" y="3545488"/>
-            <a:ext cx="7694700" cy="1046700"/>
-          </a:xfrm>
-          <a:prstGeom prst="rect">
-            <a:avLst/>
-          </a:prstGeom>
-          <a:noFill/>
-          <a:ln>
-            <a:noFill/>
-          </a:ln>
-        </p:spPr>
-        <p:txBody>
-          <a:bodyPr spcFirstLastPara="1" wrap="square" lIns="91425" tIns="91425" rIns="91425" bIns="91425" anchor="t" anchorCtr="0">
-            <a:spAutoFit/>
-          </a:bodyPr>
-          <a:lstStyle/>
-          <a:p>
-            <a:pPr marL="457200" lvl="0" indent="-317500" algn="l" rtl="0">
-              <a:spcBef>
-                <a:spcPts val="0"/>
-              </a:spcBef>
-              <a:spcAft>
-                <a:spcPts val="0"/>
-              </a:spcAft>
-              <a:buSzPts val="1400"/>
-              <a:buChar char="❏"/>
-            </a:pPr>
-            <a:r>
-              <a:rPr lang="en"/>
-              <a:t>Random Forest</a:t>
-            </a:r>
-            <a:endParaRPr/>
-          </a:p>
-          <a:p>
-            <a:pPr marL="457200" lvl="0" indent="-317500" algn="l" rtl="0">
-              <a:spcBef>
-                <a:spcPts val="0"/>
-              </a:spcBef>
-              <a:spcAft>
-                <a:spcPts val="0"/>
-              </a:spcAft>
-              <a:buSzPts val="1400"/>
-              <a:buChar char="❏"/>
-            </a:pPr>
-            <a:r>
-              <a:rPr lang="en"/>
-              <a:t>Transformer</a:t>
-            </a:r>
-            <a:endParaRPr/>
-          </a:p>
-          <a:p>
-            <a:pPr marL="457200" lvl="0" indent="-317500" algn="l" rtl="0">
-              <a:spcBef>
-                <a:spcPts val="0"/>
-              </a:spcBef>
-              <a:spcAft>
-                <a:spcPts val="0"/>
-              </a:spcAft>
-              <a:buSzPts val="1400"/>
-              <a:buChar char="❏"/>
-            </a:pPr>
-            <a:r>
-              <a:rPr lang="en"/>
-              <a:t>CNN</a:t>
-            </a:r>
-            <a:endParaRPr/>
-          </a:p>
-          <a:p>
-            <a:pPr marL="457200" lvl="0" indent="-317500" algn="l" rtl="0">
-              <a:spcBef>
-                <a:spcPts val="0"/>
-              </a:spcBef>
-              <a:spcAft>
-                <a:spcPts val="0"/>
-              </a:spcAft>
-              <a:buSzPts val="1400"/>
-              <a:buChar char="❏"/>
-            </a:pPr>
-            <a:r>
-              <a:rPr lang="en"/>
-              <a:t>RNN</a:t>
-            </a:r>
-            <a:endParaRPr/>
-          </a:p>
-        </p:txBody>
-      </p:sp>
-      <p:sp>
-        <p:nvSpPr>
-          <p:cNvPr id="460" name="Google Shape;460;p65"/>
-          <p:cNvSpPr txBox="1"/>
-          <p:nvPr/>
-        </p:nvSpPr>
-        <p:spPr>
-          <a:xfrm>
-            <a:off x="661900" y="1499600"/>
-            <a:ext cx="427500" cy="400200"/>
-          </a:xfrm>
-          <a:prstGeom prst="rect">
-            <a:avLst/>
-          </a:prstGeom>
-          <a:noFill/>
-          <a:ln>
-            <a:noFill/>
-          </a:ln>
-        </p:spPr>
-        <p:txBody>
-          <a:bodyPr spcFirstLastPara="1" wrap="square" lIns="91425" tIns="91425" rIns="91425" bIns="91425" anchor="t" anchorCtr="0">
-            <a:spAutoFit/>
-          </a:bodyPr>
-          <a:lstStyle/>
-          <a:p>
-            <a:pPr marL="0" lvl="0" indent="0" algn="l" rtl="0">
-              <a:spcBef>
-                <a:spcPts val="0"/>
-              </a:spcBef>
-              <a:spcAft>
-                <a:spcPts val="0"/>
-              </a:spcAft>
-              <a:buNone/>
-            </a:pPr>
-            <a:r>
-              <a:rPr lang="en"/>
-              <a:t>✔</a:t>
-            </a:r>
-            <a:endParaRPr/>
-          </a:p>
-        </p:txBody>
-      </p:sp>
-      <p:sp>
-        <p:nvSpPr>
-          <p:cNvPr id="461" name="Google Shape;461;p65"/>
-          <p:cNvSpPr txBox="1"/>
-          <p:nvPr/>
-        </p:nvSpPr>
-        <p:spPr>
-          <a:xfrm>
-            <a:off x="661900" y="2835900"/>
-            <a:ext cx="427500" cy="400200"/>
-          </a:xfrm>
-          <a:prstGeom prst="rect">
-            <a:avLst/>
-          </a:prstGeom>
-          <a:noFill/>
-          <a:ln>
-            <a:noFill/>
-          </a:ln>
-        </p:spPr>
-        <p:txBody>
-          <a:bodyPr spcFirstLastPara="1" wrap="square" lIns="91425" tIns="91425" rIns="91425" bIns="91425" anchor="t" anchorCtr="0">
-            <a:spAutoFit/>
-          </a:bodyPr>
-          <a:lstStyle/>
-          <a:p>
-            <a:pPr marL="0" lvl="0" indent="0" algn="l" rtl="0">
-              <a:spcBef>
-                <a:spcPts val="0"/>
-              </a:spcBef>
-              <a:spcAft>
-                <a:spcPts val="0"/>
-              </a:spcAft>
-              <a:buNone/>
-            </a:pPr>
-            <a:r>
-              <a:rPr lang="en"/>
-              <a:t>✔</a:t>
-            </a:r>
-            <a:endParaRPr/>
-          </a:p>
-        </p:txBody>
-      </p:sp>
-      <p:sp>
-        <p:nvSpPr>
-          <p:cNvPr id="462" name="Google Shape;462;p65"/>
-          <p:cNvSpPr txBox="1"/>
-          <p:nvPr/>
-        </p:nvSpPr>
-        <p:spPr>
-          <a:xfrm>
-            <a:off x="661900" y="3498100"/>
-            <a:ext cx="427500" cy="400200"/>
-          </a:xfrm>
-          <a:prstGeom prst="rect">
-            <a:avLst/>
-          </a:prstGeom>
-          <a:noFill/>
-          <a:ln>
-            <a:noFill/>
-          </a:ln>
-        </p:spPr>
-        <p:txBody>
-          <a:bodyPr spcFirstLastPara="1" wrap="square" lIns="91425" tIns="91425" rIns="91425" bIns="91425" anchor="t" anchorCtr="0">
-            <a:spAutoFit/>
-          </a:bodyPr>
-          <a:lstStyle/>
-          <a:p>
-            <a:pPr marL="0" lvl="0" indent="0" algn="l" rtl="0">
-              <a:spcBef>
-                <a:spcPts val="0"/>
-              </a:spcBef>
-              <a:spcAft>
-                <a:spcPts val="0"/>
-              </a:spcAft>
-              <a:buNone/>
-            </a:pPr>
-            <a:r>
-              <a:rPr lang="en"/>
-              <a:t>✔</a:t>
-            </a:r>
-            <a:endParaRPr/>
-          </a:p>
-        </p:txBody>
-      </p:sp>
-      <p:sp>
-        <p:nvSpPr>
-          <p:cNvPr id="463" name="Google Shape;463;p65"/>
-          <p:cNvSpPr txBox="1"/>
-          <p:nvPr/>
-        </p:nvSpPr>
-        <p:spPr>
-          <a:xfrm>
-            <a:off x="4293000" y="4272750"/>
-            <a:ext cx="3574200" cy="400200"/>
-          </a:xfrm>
-          <a:prstGeom prst="rect">
-            <a:avLst/>
-          </a:prstGeom>
-          <a:noFill/>
-          <a:ln>
-            <a:noFill/>
-          </a:ln>
-        </p:spPr>
-        <p:txBody>
-          <a:bodyPr spcFirstLastPara="1" wrap="square" lIns="91425" tIns="91425" rIns="91425" bIns="91425" anchor="t" anchorCtr="0">
-            <a:spAutoFit/>
-          </a:bodyPr>
-          <a:lstStyle/>
-          <a:p>
-            <a:pPr marL="0" lvl="0" indent="0" algn="l" rtl="0">
-              <a:spcBef>
-                <a:spcPts val="0"/>
-              </a:spcBef>
-              <a:spcAft>
-                <a:spcPts val="0"/>
-              </a:spcAft>
-              <a:buNone/>
-            </a:pPr>
-            <a:r>
-              <a:rPr lang="en" u="sng">
-                <a:solidFill>
-                  <a:schemeClr val="hlink"/>
-                </a:solidFill>
-                <a:hlinkClick r:id="rId4"/>
-              </a:rPr>
-              <a:t>https://forms.gle/Qvg1amX3J3e9JLfz9</a:t>
-            </a:r>
-            <a:r>
-              <a:rPr lang="en"/>
-              <a:t> </a:t>
-            </a:r>
-            <a:endParaRPr/>
-          </a:p>
-        </p:txBody>
-      </p:sp>
-      <p:pic>
-        <p:nvPicPr>
-          <p:cNvPr id="464" name="Google Shape;464;p65"/>
-          <p:cNvPicPr preferRelativeResize="0"/>
-          <p:nvPr/>
-        </p:nvPicPr>
-        <p:blipFill>
-          <a:blip r:embed="rId5">
-            <a:alphaModFix/>
-          </a:blip>
-          <a:stretch>
-            <a:fillRect/>
-          </a:stretch>
-        </p:blipFill>
-        <p:spPr>
-          <a:xfrm>
-            <a:off x="8163000" y="3802225"/>
-            <a:ext cx="827700" cy="827700"/>
-          </a:xfrm>
-          <a:prstGeom prst="rect">
-            <a:avLst/>
-          </a:prstGeom>
-          <a:noFill/>
-          <a:ln>
-            <a:noFill/>
-          </a:ln>
-        </p:spPr>
-      </p:pic>
-    </p:spTree>
-  </p:cSld>
-  <p:clrMapOvr>
-    <a:masterClrMapping/>
-  </p:clrMapOvr>
-  <p:timing>
-    <p:tnLst>
-      <p:par>
-        <p:cTn id="1" dur="indefinite" restart="never" nodeType="tmRoot">
-          <p:childTnLst>
-            <p:seq concurrent="1" nextAc="seek">
-              <p:cTn id="2" dur="indefinite" nodeType="mainSeq">
-                <p:childTnLst>
-                  <p:par>
-                    <p:cTn id="3" fill="hold">
-                      <p:stCondLst>
-                        <p:cond delay="indefinite"/>
-                      </p:stCondLst>
-                      <p:childTnLst>
-                        <p:par>
-                          <p:cTn id="4" fill="hold">
-                            <p:stCondLst>
-                              <p:cond delay="0"/>
-                            </p:stCondLst>
-                            <p:childTnLst>
-                              <p:par>
-                                <p:cTn id="5" presetID="10" presetClass="entr" presetSubtype="0" fill="hold" nodeType="clickEffect">
-                                  <p:stCondLst>
-                                    <p:cond delay="0"/>
-                                  </p:stCondLst>
-                                  <p:childTnLst>
-                                    <p:set>
-                                      <p:cBhvr>
-                                        <p:cTn id="6" dur="1" fill="hold">
-                                          <p:stCondLst>
-                                            <p:cond delay="0"/>
-                                          </p:stCondLst>
-                                        </p:cTn>
-                                        <p:tgtEl>
-                                          <p:spTgt spid="460"/>
-                                        </p:tgtEl>
-                                        <p:attrNameLst>
-                                          <p:attrName>style.visibility</p:attrName>
-                                        </p:attrNameLst>
-                                      </p:cBhvr>
-                                      <p:to>
-                                        <p:strVal val="visible"/>
-                                      </p:to>
-                                    </p:set>
-                                    <p:animEffect transition="in" filter="fade">
-                                      <p:cBhvr>
-                                        <p:cTn id="7" dur="1000"/>
-                                        <p:tgtEl>
-                                          <p:spTgt spid="460"/>
-                                        </p:tgtEl>
-                                      </p:cBhvr>
-                                    </p:animEffect>
-                                  </p:childTnLst>
-                                </p:cTn>
-                              </p:par>
-                            </p:childTnLst>
-                          </p:cTn>
-                        </p:par>
-                      </p:childTnLst>
-                    </p:cTn>
-                  </p:par>
-                  <p:par>
-                    <p:cTn id="8" fill="hold">
-                      <p:stCondLst>
-                        <p:cond delay="indefinite"/>
-                      </p:stCondLst>
-                      <p:childTnLst>
-                        <p:par>
-                          <p:cTn id="9" fill="hold">
-                            <p:stCondLst>
-                              <p:cond delay="0"/>
-                            </p:stCondLst>
-                            <p:childTnLst>
-                              <p:par>
-                                <p:cTn id="10" presetID="10" presetClass="entr" presetSubtype="0" fill="hold" nodeType="clickEffect">
-                                  <p:stCondLst>
-                                    <p:cond delay="0"/>
-                                  </p:stCondLst>
-                                  <p:childTnLst>
-                                    <p:set>
-                                      <p:cBhvr>
-                                        <p:cTn id="11" dur="1" fill="hold">
-                                          <p:stCondLst>
-                                            <p:cond delay="0"/>
-                                          </p:stCondLst>
-                                        </p:cTn>
-                                        <p:tgtEl>
-                                          <p:spTgt spid="461"/>
-                                        </p:tgtEl>
-                                        <p:attrNameLst>
-                                          <p:attrName>style.visibility</p:attrName>
-                                        </p:attrNameLst>
-                                      </p:cBhvr>
-                                      <p:to>
-                                        <p:strVal val="visible"/>
-                                      </p:to>
-                                    </p:set>
-                                    <p:animEffect transition="in" filter="fade">
-                                      <p:cBhvr>
-                                        <p:cTn id="12" dur="1000"/>
-                                        <p:tgtEl>
-                                          <p:spTgt spid="461"/>
-                                        </p:tgtEl>
-                                      </p:cBhvr>
-                                    </p:animEffect>
-                                  </p:childTnLst>
-                                </p:cTn>
-                              </p:par>
-                            </p:childTnLst>
-                          </p:cTn>
-                        </p:par>
-                      </p:childTnLst>
-                    </p:cTn>
-                  </p:par>
-                  <p:par>
-                    <p:cTn id="13" fill="hold">
-                      <p:stCondLst>
-                        <p:cond delay="indefinite"/>
-                      </p:stCondLst>
-                      <p:childTnLst>
-                        <p:par>
-                          <p:cTn id="14" fill="hold">
-                            <p:stCondLst>
-                              <p:cond delay="0"/>
-                            </p:stCondLst>
-                            <p:childTnLst>
-                              <p:par>
-                                <p:cTn id="15" presetID="10" presetClass="entr" presetSubtype="0" fill="hold" nodeType="clickEffect">
-                                  <p:stCondLst>
-                                    <p:cond delay="0"/>
-                                  </p:stCondLst>
-                                  <p:childTnLst>
-                                    <p:set>
-                                      <p:cBhvr>
-                                        <p:cTn id="16" dur="1" fill="hold">
-                                          <p:stCondLst>
-                                            <p:cond delay="0"/>
-                                          </p:stCondLst>
-                                        </p:cTn>
-                                        <p:tgtEl>
-                                          <p:spTgt spid="462"/>
-                                        </p:tgtEl>
-                                        <p:attrNameLst>
-                                          <p:attrName>style.visibility</p:attrName>
-                                        </p:attrNameLst>
-                                      </p:cBhvr>
-                                      <p:to>
-                                        <p:strVal val="visible"/>
-                                      </p:to>
-                                    </p:set>
-                                    <p:animEffect transition="in" filter="fade">
-                                      <p:cBhvr>
-                                        <p:cTn id="17" dur="1000"/>
-                                        <p:tgtEl>
-                                          <p:spTgt spid="462"/>
-                                        </p:tgtEl>
-                                      </p:cBhvr>
-                                    </p:animEffect>
-                                  </p:childTnLst>
-                                </p:cTn>
-                              </p:par>
-                            </p:childTnLst>
-                          </p:cTn>
-                        </p:par>
-                      </p:childTnLst>
-                    </p:cTn>
-                  </p:par>
-                </p:childTnLst>
-              </p:cTn>
-              <p:prevCondLst>
-                <p:cond evt="onPrev" delay="0">
-                  <p:tgtEl>
-                    <p:sldTgt/>
-                  </p:tgtEl>
-                </p:cond>
-              </p:prevCondLst>
-              <p:nextCondLst>
-                <p:cond evt="onNext" delay="0">
-                  <p:tgtEl>
-                    <p:sldTgt/>
-                  </p:tgtEl>
-                </p:cond>
-              </p:nextCondLst>
-            </p:seq>
-          </p:childTnLst>
-        </p:cTn>
-      </p:par>
-    </p:tnLst>
-  </p:timing>
-</p:sld>
-</file>
-
-<file path=ppt/slides/slide27.xml><?xml version="1.0" encoding="utf-8"?>
-<p:sld xmlns:a="http://schemas.openxmlformats.org/drawingml/2006/main" xmlns:r="http://schemas.openxmlformats.org/officeDocument/2006/relationships" xmlns:p="http://schemas.openxmlformats.org/presentationml/2006/main">
-  <p:cSld>
-    <p:spTree>
-      <p:nvGrpSpPr>
         <p:cNvPr id="1" name="Shape 468"/>
         <p:cNvGrpSpPr/>
         <p:nvPr/>
@@ -22983,7 +17099,7 @@
                   <a:schemeClr val="lt1"/>
                 </a:solidFill>
               </a:rPr>
-              <a:t>27</a:t>
+              <a:t>26</a:t>
             </a:fld>
             <a:endParaRPr>
               <a:solidFill>
@@ -26015,287 +20131,6 @@
 </file>
 
 <file path=ppt/theme/theme2.xml><?xml version="1.0" encoding="utf-8"?>
-<a:theme xmlns:a="http://schemas.openxmlformats.org/drawingml/2006/main" name="Simple Light">
-  <a:themeElements>
-    <a:clrScheme name="Simple Light">
-      <a:dk1>
-        <a:srgbClr val="000000"/>
-      </a:dk1>
-      <a:lt1>
-        <a:srgbClr val="FFFFFF"/>
-      </a:lt1>
-      <a:dk2>
-        <a:srgbClr val="595959"/>
-      </a:dk2>
-      <a:lt2>
-        <a:srgbClr val="EEEEEE"/>
-      </a:lt2>
-      <a:accent1>
-        <a:srgbClr val="4285F4"/>
-      </a:accent1>
-      <a:accent2>
-        <a:srgbClr val="212121"/>
-      </a:accent2>
-      <a:accent3>
-        <a:srgbClr val="78909C"/>
-      </a:accent3>
-      <a:accent4>
-        <a:srgbClr val="FFAB40"/>
-      </a:accent4>
-      <a:accent5>
-        <a:srgbClr val="0097A7"/>
-      </a:accent5>
-      <a:accent6>
-        <a:srgbClr val="EEFF41"/>
-      </a:accent6>
-      <a:hlink>
-        <a:srgbClr val="0097A7"/>
-      </a:hlink>
-      <a:folHlink>
-        <a:srgbClr val="0097A7"/>
-      </a:folHlink>
-    </a:clrScheme>
-    <a:fontScheme name="Office">
-      <a:majorFont>
-        <a:latin typeface="Arial"/>
-        <a:ea typeface=""/>
-        <a:cs typeface=""/>
-        <a:font script="Jpan" typeface="ＭＳ Ｐゴシック"/>
-        <a:font script="Hang" typeface="맑은 고딕"/>
-        <a:font script="Hans" typeface="宋体"/>
-        <a:font script="Hant" typeface="新細明體"/>
-        <a:font script="Arab" typeface="Times New Roman"/>
-        <a:font script="Hebr" typeface="Times New Roman"/>
-        <a:font script="Thai" typeface="Angsana New"/>
-        <a:font script="Ethi" typeface="Nyala"/>
-        <a:font script="Beng" typeface="Vrinda"/>
-        <a:font script="Gujr" typeface="Shruti"/>
-        <a:font script="Khmr" typeface="MoolBoran"/>
-        <a:font script="Knda" typeface="Tunga"/>
-        <a:font script="Guru" typeface="Raavi"/>
-        <a:font script="Cans" typeface="Euphemia"/>
-        <a:font script="Cher" typeface="Plantagenet Cherokee"/>
-        <a:font script="Yiii" typeface="Microsoft Yi Baiti"/>
-        <a:font script="Tibt" typeface="Microsoft Himalaya"/>
-        <a:font script="Thaa" typeface="MV Boli"/>
-        <a:font script="Deva" typeface="Mangal"/>
-        <a:font script="Telu" typeface="Gautami"/>
-        <a:font script="Taml" typeface="Latha"/>
-        <a:font script="Syrc" typeface="Estrangelo Edessa"/>
-        <a:font script="Orya" typeface="Kalinga"/>
-        <a:font script="Mlym" typeface="Kartika"/>
-        <a:font script="Laoo" typeface="DokChampa"/>
-        <a:font script="Sinh" typeface="Iskoola Pota"/>
-        <a:font script="Mong" typeface="Mongolian Baiti"/>
-        <a:font script="Viet" typeface="Times New Roman"/>
-        <a:font script="Uigh" typeface="Microsoft Uighur"/>
-        <a:font script="Geor" typeface="Sylfaen"/>
-      </a:majorFont>
-      <a:minorFont>
-        <a:latin typeface="Arial"/>
-        <a:ea typeface=""/>
-        <a:cs typeface=""/>
-        <a:font script="Jpan" typeface="ＭＳ Ｐゴシック"/>
-        <a:font script="Hang" typeface="맑은 고딕"/>
-        <a:font script="Hans" typeface="宋体"/>
-        <a:font script="Hant" typeface="新細明體"/>
-        <a:font script="Arab" typeface="Arial"/>
-        <a:font script="Hebr" typeface="Arial"/>
-        <a:font script="Thai" typeface="Cordia New"/>
-        <a:font script="Ethi" typeface="Nyala"/>
-        <a:font script="Beng" typeface="Vrinda"/>
-        <a:font script="Gujr" typeface="Shruti"/>
-        <a:font script="Khmr" typeface="DaunPenh"/>
-        <a:font script="Knda" typeface="Tunga"/>
-        <a:font script="Guru" typeface="Raavi"/>
-        <a:font script="Cans" typeface="Euphemia"/>
-        <a:font script="Cher" typeface="Plantagenet Cherokee"/>
-        <a:font script="Yiii" typeface="Microsoft Yi Baiti"/>
-        <a:font script="Tibt" typeface="Microsoft Himalaya"/>
-        <a:font script="Thaa" typeface="MV Boli"/>
-        <a:font script="Deva" typeface="Mangal"/>
-        <a:font script="Telu" typeface="Gautami"/>
-        <a:font script="Taml" typeface="Latha"/>
-        <a:font script="Syrc" typeface="Estrangelo Edessa"/>
-        <a:font script="Orya" typeface="Kalinga"/>
-        <a:font script="Mlym" typeface="Kartika"/>
-        <a:font script="Laoo" typeface="DokChampa"/>
-        <a:font script="Sinh" typeface="Iskoola Pota"/>
-        <a:font script="Mong" typeface="Mongolian Baiti"/>
-        <a:font script="Viet" typeface="Arial"/>
-        <a:font script="Uigh" typeface="Microsoft Uighur"/>
-        <a:font script="Geor" typeface="Sylfaen"/>
-      </a:minorFont>
-    </a:fontScheme>
-    <a:fmtScheme name="Office">
-      <a:fillStyleLst>
-        <a:solidFill>
-          <a:schemeClr val="phClr"/>
-        </a:solidFill>
-        <a:gradFill rotWithShape="1">
-          <a:gsLst>
-            <a:gs pos="0">
-              <a:schemeClr val="phClr">
-                <a:tint val="50000"/>
-                <a:satMod val="300000"/>
-              </a:schemeClr>
-            </a:gs>
-            <a:gs pos="35000">
-              <a:schemeClr val="phClr">
-                <a:tint val="37000"/>
-                <a:satMod val="300000"/>
-              </a:schemeClr>
-            </a:gs>
-            <a:gs pos="100000">
-              <a:schemeClr val="phClr">
-                <a:tint val="15000"/>
-                <a:satMod val="350000"/>
-              </a:schemeClr>
-            </a:gs>
-          </a:gsLst>
-          <a:lin ang="16200000" scaled="1"/>
-        </a:gradFill>
-        <a:gradFill rotWithShape="1">
-          <a:gsLst>
-            <a:gs pos="0">
-              <a:schemeClr val="phClr">
-                <a:tint val="100000"/>
-                <a:shade val="100000"/>
-                <a:satMod val="130000"/>
-              </a:schemeClr>
-            </a:gs>
-            <a:gs pos="100000">
-              <a:schemeClr val="phClr">
-                <a:tint val="50000"/>
-                <a:shade val="100000"/>
-                <a:satMod val="350000"/>
-              </a:schemeClr>
-            </a:gs>
-          </a:gsLst>
-          <a:lin ang="16200000" scaled="0"/>
-        </a:gradFill>
-      </a:fillStyleLst>
-      <a:lnStyleLst>
-        <a:ln w="9525" cap="flat" cmpd="sng" algn="ctr">
-          <a:solidFill>
-            <a:schemeClr val="phClr">
-              <a:shade val="95000"/>
-              <a:satMod val="105000"/>
-            </a:schemeClr>
-          </a:solidFill>
-          <a:prstDash val="solid"/>
-        </a:ln>
-        <a:ln w="25400" cap="flat" cmpd="sng" algn="ctr">
-          <a:solidFill>
-            <a:schemeClr val="phClr"/>
-          </a:solidFill>
-          <a:prstDash val="solid"/>
-        </a:ln>
-        <a:ln w="38100" cap="flat" cmpd="sng" algn="ctr">
-          <a:solidFill>
-            <a:schemeClr val="phClr"/>
-          </a:solidFill>
-          <a:prstDash val="solid"/>
-        </a:ln>
-      </a:lnStyleLst>
-      <a:effectStyleLst>
-        <a:effectStyle>
-          <a:effectLst>
-            <a:outerShdw blurRad="40000" dist="20000" dir="5400000" rotWithShape="0">
-              <a:srgbClr val="000000">
-                <a:alpha val="38000"/>
-              </a:srgbClr>
-            </a:outerShdw>
-          </a:effectLst>
-        </a:effectStyle>
-        <a:effectStyle>
-          <a:effectLst>
-            <a:outerShdw blurRad="40000" dist="23000" dir="5400000" rotWithShape="0">
-              <a:srgbClr val="000000">
-                <a:alpha val="35000"/>
-              </a:srgbClr>
-            </a:outerShdw>
-          </a:effectLst>
-        </a:effectStyle>
-        <a:effectStyle>
-          <a:effectLst>
-            <a:outerShdw blurRad="40000" dist="23000" dir="5400000" rotWithShape="0">
-              <a:srgbClr val="000000">
-                <a:alpha val="35000"/>
-              </a:srgbClr>
-            </a:outerShdw>
-          </a:effectLst>
-          <a:scene3d>
-            <a:camera prst="orthographicFront">
-              <a:rot lat="0" lon="0" rev="0"/>
-            </a:camera>
-            <a:lightRig rig="threePt" dir="t">
-              <a:rot lat="0" lon="0" rev="1200000"/>
-            </a:lightRig>
-          </a:scene3d>
-          <a:sp3d>
-            <a:bevelT w="63500" h="25400"/>
-          </a:sp3d>
-        </a:effectStyle>
-      </a:effectStyleLst>
-      <a:bgFillStyleLst>
-        <a:solidFill>
-          <a:schemeClr val="phClr"/>
-        </a:solidFill>
-        <a:gradFill rotWithShape="1">
-          <a:gsLst>
-            <a:gs pos="0">
-              <a:schemeClr val="phClr">
-                <a:tint val="40000"/>
-                <a:satMod val="350000"/>
-              </a:schemeClr>
-            </a:gs>
-            <a:gs pos="40000">
-              <a:schemeClr val="phClr">
-                <a:tint val="45000"/>
-                <a:shade val="99000"/>
-                <a:satMod val="350000"/>
-              </a:schemeClr>
-            </a:gs>
-            <a:gs pos="100000">
-              <a:schemeClr val="phClr">
-                <a:shade val="20000"/>
-                <a:satMod val="255000"/>
-              </a:schemeClr>
-            </a:gs>
-          </a:gsLst>
-          <a:path path="circle">
-            <a:fillToRect l="50000" t="-80000" r="50000" b="180000"/>
-          </a:path>
-        </a:gradFill>
-        <a:gradFill rotWithShape="1">
-          <a:gsLst>
-            <a:gs pos="0">
-              <a:schemeClr val="phClr">
-                <a:tint val="80000"/>
-                <a:satMod val="300000"/>
-              </a:schemeClr>
-            </a:gs>
-            <a:gs pos="100000">
-              <a:schemeClr val="phClr">
-                <a:shade val="30000"/>
-                <a:satMod val="200000"/>
-              </a:schemeClr>
-            </a:gs>
-          </a:gsLst>
-          <a:path path="circle">
-            <a:fillToRect l="50000" t="50000" r="50000" b="50000"/>
-          </a:path>
-        </a:gradFill>
-      </a:bgFillStyleLst>
-    </a:fmtScheme>
-  </a:themeElements>
-  <a:objectDefaults/>
-  <a:extraClrSchemeLst/>
-</a:theme>
-</file>
-
-<file path=ppt/theme/theme3.xml><?xml version="1.0" encoding="utf-8"?>
 <a:theme xmlns:a="http://schemas.openxmlformats.org/drawingml/2006/main">
   <a:themeElements>
     <a:clrScheme name="Default">
